--- a/Presentasjon/FF_bilder.pptx
+++ b/Presentasjon/FF_bilder.pptx
@@ -5,23 +5,24 @@
     <p:sldMasterId id="2147483660" r:id="rId1"/>
   </p:sldMasterIdLst>
   <p:notesMasterIdLst>
-    <p:notesMasterId r:id="rId16"/>
+    <p:notesMasterId r:id="rId17"/>
   </p:notesMasterIdLst>
   <p:sldIdLst>
     <p:sldId id="256" r:id="rId2"/>
-    <p:sldId id="257" r:id="rId3"/>
-    <p:sldId id="258" r:id="rId4"/>
-    <p:sldId id="259" r:id="rId5"/>
-    <p:sldId id="260" r:id="rId6"/>
-    <p:sldId id="261" r:id="rId7"/>
-    <p:sldId id="263" r:id="rId8"/>
-    <p:sldId id="264" r:id="rId9"/>
-    <p:sldId id="265" r:id="rId10"/>
-    <p:sldId id="266" r:id="rId11"/>
-    <p:sldId id="267" r:id="rId12"/>
-    <p:sldId id="268" r:id="rId13"/>
-    <p:sldId id="269" r:id="rId14"/>
-    <p:sldId id="270" r:id="rId15"/>
+    <p:sldId id="271" r:id="rId3"/>
+    <p:sldId id="257" r:id="rId4"/>
+    <p:sldId id="258" r:id="rId5"/>
+    <p:sldId id="259" r:id="rId6"/>
+    <p:sldId id="260" r:id="rId7"/>
+    <p:sldId id="261" r:id="rId8"/>
+    <p:sldId id="263" r:id="rId9"/>
+    <p:sldId id="264" r:id="rId10"/>
+    <p:sldId id="265" r:id="rId11"/>
+    <p:sldId id="266" r:id="rId12"/>
+    <p:sldId id="267" r:id="rId13"/>
+    <p:sldId id="268" r:id="rId14"/>
+    <p:sldId id="269" r:id="rId15"/>
+    <p:sldId id="270" r:id="rId16"/>
   </p:sldIdLst>
   <p:sldSz cx="12192000" cy="6858000"/>
   <p:notesSz cx="6858000" cy="9144000"/>
@@ -218,7 +219,7 @@
           <a:p>
             <a:fld id="{8C0279A6-EBD5-4E8E-A8D5-6D9A4684E018}" type="datetimeFigureOut">
               <a:rPr lang="da-DK"/>
-              <a:t>05-05-2025</a:t>
+              <a:t>21-05-2025</a:t>
             </a:fld>
             <a:endParaRPr lang="da-DK"/>
           </a:p>
@@ -700,7 +701,7 @@
           <a:p>
             <a:fld id="{846CE7D5-CF57-46EF-B807-FDD0502418D4}" type="datetimeFigureOut">
               <a:rPr lang="en-US" smtClean="0"/>
-              <a:t>5/5/2025</a:t>
+              <a:t>5/21/2025</a:t>
             </a:fld>
             <a:endParaRPr lang="en-US"/>
           </a:p>
@@ -870,7 +871,7 @@
           <a:p>
             <a:fld id="{846CE7D5-CF57-46EF-B807-FDD0502418D4}" type="datetimeFigureOut">
               <a:rPr lang="en-US" smtClean="0"/>
-              <a:t>5/5/2025</a:t>
+              <a:t>5/21/2025</a:t>
             </a:fld>
             <a:endParaRPr lang="en-US"/>
           </a:p>
@@ -1050,7 +1051,7 @@
           <a:p>
             <a:fld id="{846CE7D5-CF57-46EF-B807-FDD0502418D4}" type="datetimeFigureOut">
               <a:rPr lang="en-US" smtClean="0"/>
-              <a:t>5/5/2025</a:t>
+              <a:t>5/21/2025</a:t>
             </a:fld>
             <a:endParaRPr lang="en-US"/>
           </a:p>
@@ -1220,7 +1221,7 @@
           <a:p>
             <a:fld id="{846CE7D5-CF57-46EF-B807-FDD0502418D4}" type="datetimeFigureOut">
               <a:rPr lang="en-US" smtClean="0"/>
-              <a:t>5/5/2025</a:t>
+              <a:t>5/21/2025</a:t>
             </a:fld>
             <a:endParaRPr lang="en-US"/>
           </a:p>
@@ -1466,7 +1467,7 @@
           <a:p>
             <a:fld id="{846CE7D5-CF57-46EF-B807-FDD0502418D4}" type="datetimeFigureOut">
               <a:rPr lang="en-US" smtClean="0"/>
-              <a:t>5/5/2025</a:t>
+              <a:t>5/21/2025</a:t>
             </a:fld>
             <a:endParaRPr lang="en-US"/>
           </a:p>
@@ -1698,7 +1699,7 @@
           <a:p>
             <a:fld id="{846CE7D5-CF57-46EF-B807-FDD0502418D4}" type="datetimeFigureOut">
               <a:rPr lang="en-US" smtClean="0"/>
-              <a:t>5/5/2025</a:t>
+              <a:t>5/21/2025</a:t>
             </a:fld>
             <a:endParaRPr lang="en-US"/>
           </a:p>
@@ -2065,7 +2066,7 @@
           <a:p>
             <a:fld id="{846CE7D5-CF57-46EF-B807-FDD0502418D4}" type="datetimeFigureOut">
               <a:rPr lang="en-US" smtClean="0"/>
-              <a:t>5/5/2025</a:t>
+              <a:t>5/21/2025</a:t>
             </a:fld>
             <a:endParaRPr lang="en-US"/>
           </a:p>
@@ -2183,7 +2184,7 @@
           <a:p>
             <a:fld id="{846CE7D5-CF57-46EF-B807-FDD0502418D4}" type="datetimeFigureOut">
               <a:rPr lang="en-US" smtClean="0"/>
-              <a:t>5/5/2025</a:t>
+              <a:t>5/21/2025</a:t>
             </a:fld>
             <a:endParaRPr lang="en-US"/>
           </a:p>
@@ -2278,7 +2279,7 @@
           <a:p>
             <a:fld id="{846CE7D5-CF57-46EF-B807-FDD0502418D4}" type="datetimeFigureOut">
               <a:rPr lang="en-US" smtClean="0"/>
-              <a:t>5/5/2025</a:t>
+              <a:t>5/21/2025</a:t>
             </a:fld>
             <a:endParaRPr lang="en-US"/>
           </a:p>
@@ -2555,7 +2556,7 @@
           <a:p>
             <a:fld id="{846CE7D5-CF57-46EF-B807-FDD0502418D4}" type="datetimeFigureOut">
               <a:rPr lang="en-US" smtClean="0"/>
-              <a:t>5/5/2025</a:t>
+              <a:t>5/21/2025</a:t>
             </a:fld>
             <a:endParaRPr lang="en-US"/>
           </a:p>
@@ -2812,7 +2813,7 @@
           <a:p>
             <a:fld id="{846CE7D5-CF57-46EF-B807-FDD0502418D4}" type="datetimeFigureOut">
               <a:rPr lang="en-US" smtClean="0"/>
-              <a:t>5/5/2025</a:t>
+              <a:t>5/21/2025</a:t>
             </a:fld>
             <a:endParaRPr lang="en-US"/>
           </a:p>
@@ -3025,7 +3026,7 @@
           <a:p>
             <a:fld id="{846CE7D5-CF57-46EF-B807-FDD0502418D4}" type="datetimeFigureOut">
               <a:rPr lang="en-US" smtClean="0"/>
-              <a:t>5/5/2025</a:t>
+              <a:t>5/21/2025</a:t>
             </a:fld>
             <a:endParaRPr lang="en-US"/>
           </a:p>
@@ -3623,10 +3624,17 @@
             <a:p>
               <a:pPr algn="ctr"/>
               <a:r>
-                <a:rPr lang="nb-NO"/>
-                <a:t>PID</a:t>
+                <a:rPr lang="nb-NO" dirty="0"/>
+                <a:t>Feed</a:t>
               </a:r>
-              <a:endParaRPr lang="en-GB"/>
+            </a:p>
+            <a:p>
+              <a:pPr algn="ctr"/>
+              <a:r>
+                <a:rPr lang="nb-NO" dirty="0"/>
+                <a:t>Back</a:t>
+              </a:r>
+              <a:endParaRPr lang="en-GB" dirty="0"/>
             </a:p>
           </p:txBody>
         </p:sp>
@@ -3700,7 +3708,7 @@
           </p:nvSpPr>
           <p:spPr>
             <a:xfrm>
-              <a:off x="2585399" y="3300060"/>
+              <a:off x="2349179" y="3300060"/>
               <a:ext cx="360000" cy="360000"/>
             </a:xfrm>
             <a:prstGeom prst="ellipse">
@@ -4020,8 +4028,8 @@
           </p:nvCxnSpPr>
           <p:spPr>
             <a:xfrm>
-              <a:off x="2945399" y="3480060"/>
-              <a:ext cx="569335" cy="1"/>
+              <a:off x="2709179" y="3480060"/>
+              <a:ext cx="805555" cy="1"/>
             </a:xfrm>
             <a:prstGeom prst="straightConnector1">
               <a:avLst/>
@@ -4157,7 +4165,7 @@
           </p:nvCxnSpPr>
           <p:spPr>
             <a:xfrm>
-              <a:off x="1305940" y="3480060"/>
+              <a:off x="1069720" y="3480060"/>
               <a:ext cx="1279459" cy="0"/>
             </a:xfrm>
             <a:prstGeom prst="straightConnector1">
@@ -4248,8 +4256,8 @@
           </p:nvCxnSpPr>
           <p:spPr>
             <a:xfrm rot="5400000" flipH="1">
-              <a:off x="6383277" y="42182"/>
-              <a:ext cx="271096" cy="7506852"/>
+              <a:off x="6265167" y="-75928"/>
+              <a:ext cx="271096" cy="7743072"/>
             </a:xfrm>
             <a:prstGeom prst="bentConnector3">
               <a:avLst>
@@ -4292,7 +4300,7 @@
           </p:nvCxnSpPr>
           <p:spPr>
             <a:xfrm>
-              <a:off x="2418536" y="3300060"/>
+              <a:off x="2182316" y="3300060"/>
               <a:ext cx="180000" cy="0"/>
             </a:xfrm>
             <a:prstGeom prst="line">
@@ -4335,7 +4343,7 @@
           </p:nvCxnSpPr>
           <p:spPr>
             <a:xfrm rot="16200000">
-              <a:off x="2417492" y="3300060"/>
+              <a:off x="2181272" y="3300060"/>
               <a:ext cx="180000" cy="0"/>
             </a:xfrm>
             <a:prstGeom prst="line">
@@ -4376,7 +4384,7 @@
           </p:nvCxnSpPr>
           <p:spPr>
             <a:xfrm>
-              <a:off x="2913836" y="3690004"/>
+              <a:off x="2677616" y="3690004"/>
               <a:ext cx="180000" cy="0"/>
             </a:xfrm>
             <a:prstGeom prst="line">
@@ -4403,8 +4411,8 @@
             </a:fontRef>
           </p:style>
         </p:cxnSp>
-        <mc:AlternateContent xmlns:mc="http://schemas.openxmlformats.org/markup-compatibility/2006">
-          <mc:Choice xmlns:a14="http://schemas.microsoft.com/office/drawing/2010/main" Requires="a14">
+        <mc:AlternateContent xmlns:mc="http://schemas.openxmlformats.org/markup-compatibility/2006" xmlns:a14="http://schemas.microsoft.com/office/drawing/2010/main">
+          <mc:Choice Requires="a14">
             <p:sp>
               <p:nvSpPr>
                 <p:cNvPr id="29" name="TextBox 28">
@@ -4476,7 +4484,7 @@
               </p:txBody>
             </p:sp>
           </mc:Choice>
-          <mc:Fallback>
+          <mc:Fallback xmlns="">
             <p:sp>
               <p:nvSpPr>
                 <p:cNvPr id="29" name="TextBox 28">
@@ -4524,8 +4532,8 @@
             </p:sp>
           </mc:Fallback>
         </mc:AlternateContent>
-        <mc:AlternateContent xmlns:mc="http://schemas.openxmlformats.org/markup-compatibility/2006">
-          <mc:Choice xmlns:a14="http://schemas.microsoft.com/office/drawing/2010/main" Requires="a14">
+        <mc:AlternateContent xmlns:mc="http://schemas.openxmlformats.org/markup-compatibility/2006" xmlns:a14="http://schemas.microsoft.com/office/drawing/2010/main">
+          <mc:Choice Requires="a14">
             <p:sp>
               <p:nvSpPr>
                 <p:cNvPr id="30" name="TextBox 29">
@@ -4597,7 +4605,7 @@
               </p:txBody>
             </p:sp>
           </mc:Choice>
-          <mc:Fallback>
+          <mc:Fallback xmlns="">
             <p:sp>
               <p:nvSpPr>
                 <p:cNvPr id="30" name="TextBox 29">
@@ -4662,7 +4670,7 @@
               <p:spPr>
                 <a:xfrm>
                   <a:off x="2269893" y="1705776"/>
-                  <a:ext cx="640945" cy="391582"/>
+                  <a:ext cx="656526" cy="391582"/>
                 </a:xfrm>
                 <a:prstGeom prst="rect">
                   <a:avLst/>
@@ -4698,7 +4706,7 @@
                               <a:rPr lang="nb-NO" b="0" i="1" smtClean="0">
                                 <a:latin typeface="Cambria Math" panose="02040503050406030204" pitchFamily="18" charset="0"/>
                               </a:rPr>
-                              <m:t>𝑉</m:t>
+                              <m:t>𝑣</m:t>
                             </m:r>
                           </m:e>
                           <m:sub>
@@ -4713,7 +4721,7 @@
                       </m:oMath>
                     </m:oMathPara>
                   </a14:m>
-                  <a:endParaRPr lang="en-GB"/>
+                  <a:endParaRPr lang="en-GB" dirty="0"/>
                 </a:p>
               </p:txBody>
             </p:sp>
@@ -4736,7 +4744,7 @@
               <p:spPr>
                 <a:xfrm>
                   <a:off x="2269893" y="1705776"/>
-                  <a:ext cx="640945" cy="391582"/>
+                  <a:ext cx="656526" cy="391582"/>
                 </a:xfrm>
                 <a:prstGeom prst="rect">
                   <a:avLst/>
@@ -4766,8 +4774,8 @@
             </p:sp>
           </mc:Fallback>
         </mc:AlternateContent>
-        <mc:AlternateContent xmlns:mc="http://schemas.openxmlformats.org/markup-compatibility/2006">
-          <mc:Choice xmlns:a14="http://schemas.microsoft.com/office/drawing/2010/main" Requires="a14">
+        <mc:AlternateContent xmlns:mc="http://schemas.openxmlformats.org/markup-compatibility/2006" xmlns:a14="http://schemas.microsoft.com/office/drawing/2010/main">
+          <mc:Choice Requires="a14">
             <p:sp>
               <p:nvSpPr>
                 <p:cNvPr id="32" name="TextBox 31">
@@ -4783,7 +4791,7 @@
               <p:spPr>
                 <a:xfrm>
                   <a:off x="5868585" y="4144434"/>
-                  <a:ext cx="825546" cy="369332"/>
+                  <a:ext cx="738087" cy="369332"/>
                 </a:xfrm>
                 <a:prstGeom prst="rect">
                   <a:avLst/>
@@ -4827,7 +4835,7 @@
                               <a:rPr lang="nb-NO" b="0" i="1" smtClean="0">
                                 <a:latin typeface="Cambria Math" panose="02040503050406030204" pitchFamily="18" charset="0"/>
                               </a:rPr>
-                              <m:t>𝑚𝑒𝑎𝑠</m:t>
+                              <m:t>𝑟𝑒𝑎𝑙</m:t>
                             </m:r>
                           </m:sub>
                         </m:sSub>
@@ -4839,7 +4847,7 @@
               </p:txBody>
             </p:sp>
           </mc:Choice>
-          <mc:Fallback>
+          <mc:Fallback xmlns="">
             <p:sp>
               <p:nvSpPr>
                 <p:cNvPr id="32" name="TextBox 31">
@@ -4857,7 +4865,7 @@
               <p:spPr>
                 <a:xfrm>
                   <a:off x="5868585" y="4144434"/>
-                  <a:ext cx="825546" cy="369332"/>
+                  <a:ext cx="738087" cy="369332"/>
                 </a:xfrm>
                 <a:prstGeom prst="rect">
                   <a:avLst/>
@@ -4887,8 +4895,8 @@
             </p:sp>
           </mc:Fallback>
         </mc:AlternateContent>
-        <mc:AlternateContent xmlns:mc="http://schemas.openxmlformats.org/markup-compatibility/2006">
-          <mc:Choice xmlns:a14="http://schemas.microsoft.com/office/drawing/2010/main" Requires="a14">
+        <mc:AlternateContent xmlns:mc="http://schemas.openxmlformats.org/markup-compatibility/2006" xmlns:a14="http://schemas.microsoft.com/office/drawing/2010/main">
+          <mc:Choice Requires="a14">
             <p:sp>
               <p:nvSpPr>
                 <p:cNvPr id="33" name="TextBox 32">
@@ -4903,8 +4911,8 @@
               </p:nvSpPr>
               <p:spPr>
                 <a:xfrm>
-                  <a:off x="2837174" y="3065720"/>
-                  <a:ext cx="655884" cy="369332"/>
+                  <a:off x="2658104" y="3065720"/>
+                  <a:ext cx="851452" cy="369332"/>
                 </a:xfrm>
                 <a:prstGeom prst="rect">
                   <a:avLst/>
@@ -4948,19 +4956,19 @@
                               <a:rPr lang="nb-NO" b="0" i="1" smtClean="0">
                                 <a:latin typeface="Cambria Math" panose="02040503050406030204" pitchFamily="18" charset="0"/>
                               </a:rPr>
-                              <m:t>𝑒𝑟𝑟</m:t>
+                              <m:t>𝑒𝑟𝑟𝑜𝑟</m:t>
                             </m:r>
                           </m:sub>
                         </m:sSub>
                       </m:oMath>
                     </m:oMathPara>
                   </a14:m>
-                  <a:endParaRPr lang="en-GB"/>
+                  <a:endParaRPr lang="en-GB" dirty="0"/>
                 </a:p>
               </p:txBody>
             </p:sp>
           </mc:Choice>
-          <mc:Fallback>
+          <mc:Fallback xmlns="">
             <p:sp>
               <p:nvSpPr>
                 <p:cNvPr id="33" name="TextBox 32">
@@ -4977,8 +4985,8 @@
               </p:nvSpPr>
               <p:spPr>
                 <a:xfrm>
-                  <a:off x="2837174" y="3065720"/>
-                  <a:ext cx="655884" cy="369332"/>
+                  <a:off x="2658104" y="3065720"/>
+                  <a:ext cx="851452" cy="369332"/>
                 </a:xfrm>
                 <a:prstGeom prst="rect">
                   <a:avLst/>
@@ -5008,8 +5016,8 @@
             </p:sp>
           </mc:Fallback>
         </mc:AlternateContent>
-        <mc:AlternateContent xmlns:mc="http://schemas.openxmlformats.org/markup-compatibility/2006">
-          <mc:Choice xmlns:a14="http://schemas.microsoft.com/office/drawing/2010/main" Requires="a14">
+        <mc:AlternateContent xmlns:mc="http://schemas.openxmlformats.org/markup-compatibility/2006" xmlns:a14="http://schemas.microsoft.com/office/drawing/2010/main">
+          <mc:Choice Requires="a14">
             <p:sp>
               <p:nvSpPr>
                 <p:cNvPr id="6" name="TextBox 5">
@@ -5170,7 +5178,7 @@
               </p:txBody>
             </p:sp>
           </mc:Choice>
-          <mc:Fallback>
+          <mc:Fallback xmlns="">
             <p:sp>
               <p:nvSpPr>
                 <p:cNvPr id="6" name="TextBox 5">
@@ -5218,8 +5226,8 @@
             </p:sp>
           </mc:Fallback>
         </mc:AlternateContent>
-        <mc:AlternateContent xmlns:mc="http://schemas.openxmlformats.org/markup-compatibility/2006">
-          <mc:Choice xmlns:a14="http://schemas.microsoft.com/office/drawing/2010/main" Requires="a14">
+        <mc:AlternateContent xmlns:mc="http://schemas.openxmlformats.org/markup-compatibility/2006" xmlns:a14="http://schemas.microsoft.com/office/drawing/2010/main">
+          <mc:Choice Requires="a14">
             <p:sp>
               <p:nvSpPr>
                 <p:cNvPr id="34" name="TextBox 33">
@@ -5272,7 +5280,7 @@
               </p:txBody>
             </p:sp>
           </mc:Choice>
-          <mc:Fallback>
+          <mc:Fallback xmlns="">
             <p:sp>
               <p:nvSpPr>
                 <p:cNvPr id="34" name="TextBox 33">
@@ -5320,8 +5328,8 @@
             </p:sp>
           </mc:Fallback>
         </mc:AlternateContent>
-        <mc:AlternateContent xmlns:mc="http://schemas.openxmlformats.org/markup-compatibility/2006">
-          <mc:Choice xmlns:a14="http://schemas.microsoft.com/office/drawing/2010/main" Requires="a14">
+        <mc:AlternateContent xmlns:mc="http://schemas.openxmlformats.org/markup-compatibility/2006" xmlns:a14="http://schemas.microsoft.com/office/drawing/2010/main">
+          <mc:Choice Requires="a14">
             <p:sp>
               <p:nvSpPr>
                 <p:cNvPr id="35" name="TextBox 34">
@@ -5399,7 +5407,7 @@
               </p:txBody>
             </p:sp>
           </mc:Choice>
-          <mc:Fallback>
+          <mc:Fallback xmlns="">
             <p:sp>
               <p:nvSpPr>
                 <p:cNvPr id="35" name="TextBox 34">
@@ -5620,8 +5628,8 @@
             </a:fontRef>
           </p:style>
         </p:cxnSp>
-        <mc:AlternateContent xmlns:mc="http://schemas.openxmlformats.org/markup-compatibility/2006">
-          <mc:Choice xmlns:a14="http://schemas.microsoft.com/office/drawing/2010/main" Requires="a14">
+        <mc:AlternateContent xmlns:mc="http://schemas.openxmlformats.org/markup-compatibility/2006" xmlns:a14="http://schemas.microsoft.com/office/drawing/2010/main">
+          <mc:Choice Requires="a14">
             <p:sp>
               <p:nvSpPr>
                 <p:cNvPr id="67" name="TextBox 66">
@@ -5693,7 +5701,7 @@
               </p:txBody>
             </p:sp>
           </mc:Choice>
-          <mc:Fallback>
+          <mc:Fallback xmlns="">
             <p:sp>
               <p:nvSpPr>
                 <p:cNvPr id="67" name="TextBox 66">
@@ -5741,8 +5749,8 @@
             </p:sp>
           </mc:Fallback>
         </mc:AlternateContent>
-        <mc:AlternateContent xmlns:mc="http://schemas.openxmlformats.org/markup-compatibility/2006">
-          <mc:Choice xmlns:a14="http://schemas.microsoft.com/office/drawing/2010/main" Requires="a14">
+        <mc:AlternateContent xmlns:mc="http://schemas.openxmlformats.org/markup-compatibility/2006" xmlns:a14="http://schemas.microsoft.com/office/drawing/2010/main">
+          <mc:Choice Requires="a14">
             <p:sp>
               <p:nvSpPr>
                 <p:cNvPr id="68" name="TextBox 67">
@@ -5795,7 +5803,7 @@
               </p:txBody>
             </p:sp>
           </mc:Choice>
-          <mc:Fallback>
+          <mc:Fallback xmlns="">
             <p:sp>
               <p:nvSpPr>
                 <p:cNvPr id="68" name="TextBox 67">
@@ -6326,6 +6334,465 @@
       </p:grpSpPr>
       <p:grpSp>
         <p:nvGrpSpPr>
+          <p:cNvPr id="27" name="Group 26">
+            <a:extLst>
+              <a:ext uri="{FF2B5EF4-FFF2-40B4-BE49-F238E27FC236}">
+                <a16:creationId xmlns:a16="http://schemas.microsoft.com/office/drawing/2014/main" id="{410F544C-F664-259D-FDA4-6C4A6B573734}"/>
+              </a:ext>
+            </a:extLst>
+          </p:cNvPr>
+          <p:cNvGrpSpPr/>
+          <p:nvPr/>
+        </p:nvGrpSpPr>
+        <p:grpSpPr>
+          <a:xfrm>
+            <a:off x="0" y="-723560"/>
+            <a:ext cx="12192000" cy="7978817"/>
+            <a:chOff x="0" y="-723560"/>
+            <a:chExt cx="12192000" cy="7978817"/>
+          </a:xfrm>
+        </p:grpSpPr>
+        <p:sp>
+          <p:nvSpPr>
+            <p:cNvPr id="26" name="Rectangle 25">
+              <a:extLst>
+                <a:ext uri="{FF2B5EF4-FFF2-40B4-BE49-F238E27FC236}">
+                  <a16:creationId xmlns:a16="http://schemas.microsoft.com/office/drawing/2014/main" id="{3B842F47-F260-8614-0A29-350E52330A73}"/>
+                </a:ext>
+              </a:extLst>
+            </p:cNvPr>
+            <p:cNvSpPr/>
+            <p:nvPr/>
+          </p:nvSpPr>
+          <p:spPr>
+            <a:xfrm>
+              <a:off x="0" y="-723560"/>
+              <a:ext cx="12192000" cy="7978816"/>
+            </a:xfrm>
+            <a:prstGeom prst="rect">
+              <a:avLst/>
+            </a:prstGeom>
+            <a:solidFill>
+              <a:schemeClr val="bg1"/>
+            </a:solidFill>
+            <a:ln>
+              <a:solidFill>
+                <a:schemeClr val="bg1"/>
+              </a:solidFill>
+            </a:ln>
+          </p:spPr>
+          <p:style>
+            <a:lnRef idx="2">
+              <a:schemeClr val="accent1">
+                <a:shade val="15000"/>
+              </a:schemeClr>
+            </a:lnRef>
+            <a:fillRef idx="1">
+              <a:schemeClr val="accent1"/>
+            </a:fillRef>
+            <a:effectRef idx="0">
+              <a:schemeClr val="accent1"/>
+            </a:effectRef>
+            <a:fontRef idx="minor">
+              <a:schemeClr val="lt1"/>
+            </a:fontRef>
+          </p:style>
+          <p:txBody>
+            <a:bodyPr rtlCol="0" anchor="ctr"/>
+            <a:lstStyle/>
+            <a:p>
+              <a:pPr algn="ctr"/>
+              <a:endParaRPr lang="en-GB" dirty="0"/>
+            </a:p>
+          </p:txBody>
+        </p:sp>
+        <p:grpSp>
+          <p:nvGrpSpPr>
+            <p:cNvPr id="25" name="Group 24">
+              <a:extLst>
+                <a:ext uri="{FF2B5EF4-FFF2-40B4-BE49-F238E27FC236}">
+                  <a16:creationId xmlns:a16="http://schemas.microsoft.com/office/drawing/2014/main" id="{CD993876-12E8-43BF-2D3D-C02150126C44}"/>
+                </a:ext>
+              </a:extLst>
+            </p:cNvPr>
+            <p:cNvGrpSpPr/>
+            <p:nvPr/>
+          </p:nvGrpSpPr>
+          <p:grpSpPr>
+            <a:xfrm>
+              <a:off x="3098274" y="-723559"/>
+              <a:ext cx="5603766" cy="7978816"/>
+              <a:chOff x="3098274" y="-723559"/>
+              <a:chExt cx="5603766" cy="7978816"/>
+            </a:xfrm>
+          </p:grpSpPr>
+          <p:pic>
+            <p:nvPicPr>
+              <p:cNvPr id="19" name="Picture 18">
+                <a:extLst>
+                  <a:ext uri="{FF2B5EF4-FFF2-40B4-BE49-F238E27FC236}">
+                    <a16:creationId xmlns:a16="http://schemas.microsoft.com/office/drawing/2014/main" id="{0B37D81D-0844-AF92-75E9-3DF554E96C1D}"/>
+                  </a:ext>
+                </a:extLst>
+              </p:cNvPr>
+              <p:cNvPicPr>
+                <a:picLocks noChangeAspect="1"/>
+              </p:cNvPicPr>
+              <p:nvPr/>
+            </p:nvPicPr>
+            <p:blipFill>
+              <a:blip r:embed="rId2"/>
+              <a:stretch>
+                <a:fillRect/>
+              </a:stretch>
+            </p:blipFill>
+            <p:spPr>
+              <a:xfrm>
+                <a:off x="3098274" y="-723559"/>
+                <a:ext cx="5603766" cy="7978816"/>
+              </a:xfrm>
+              <a:prstGeom prst="rect">
+                <a:avLst/>
+              </a:prstGeom>
+            </p:spPr>
+          </p:pic>
+          <p:sp>
+            <p:nvSpPr>
+              <p:cNvPr id="5" name="Oval 4">
+                <a:extLst>
+                  <a:ext uri="{FF2B5EF4-FFF2-40B4-BE49-F238E27FC236}">
+                    <a16:creationId xmlns:a16="http://schemas.microsoft.com/office/drawing/2014/main" id="{84159133-3A9E-C5F4-D791-B69E650BED52}"/>
+                  </a:ext>
+                </a:extLst>
+              </p:cNvPr>
+              <p:cNvSpPr>
+                <a:spLocks noChangeAspect="1"/>
+              </p:cNvSpPr>
+              <p:nvPr/>
+            </p:nvSpPr>
+            <p:spPr>
+              <a:xfrm>
+                <a:off x="6658828" y="312830"/>
+                <a:ext cx="116542" cy="116542"/>
+              </a:xfrm>
+              <a:prstGeom prst="ellipse">
+                <a:avLst/>
+              </a:prstGeom>
+              <a:solidFill>
+                <a:schemeClr val="accent4"/>
+              </a:solidFill>
+              <a:ln>
+                <a:solidFill>
+                  <a:schemeClr val="accent4"/>
+                </a:solidFill>
+              </a:ln>
+            </p:spPr>
+            <p:style>
+              <a:lnRef idx="1">
+                <a:schemeClr val="accent4"/>
+              </a:lnRef>
+              <a:fillRef idx="3">
+                <a:schemeClr val="accent4"/>
+              </a:fillRef>
+              <a:effectRef idx="2">
+                <a:schemeClr val="accent4"/>
+              </a:effectRef>
+              <a:fontRef idx="minor">
+                <a:schemeClr val="lt1"/>
+              </a:fontRef>
+            </p:style>
+            <p:txBody>
+              <a:bodyPr rtlCol="0" anchor="ctr"/>
+              <a:lstStyle/>
+              <a:p>
+                <a:pPr algn="ctr"/>
+                <a:endParaRPr lang="en-GB"/>
+              </a:p>
+            </p:txBody>
+          </p:sp>
+          <p:cxnSp>
+            <p:nvCxnSpPr>
+              <p:cNvPr id="7" name="Straight Arrow Connector 6">
+                <a:extLst>
+                  <a:ext uri="{FF2B5EF4-FFF2-40B4-BE49-F238E27FC236}">
+                    <a16:creationId xmlns:a16="http://schemas.microsoft.com/office/drawing/2014/main" id="{5E3CBBA0-A7B6-DCD8-32DB-6EAE4EF26358}"/>
+                  </a:ext>
+                </a:extLst>
+              </p:cNvPr>
+              <p:cNvCxnSpPr>
+                <a:cxnSpLocks/>
+              </p:cNvCxnSpPr>
+              <p:nvPr/>
+            </p:nvCxnSpPr>
+            <p:spPr>
+              <a:xfrm>
+                <a:off x="5496560" y="-172720"/>
+                <a:ext cx="1162268" cy="485550"/>
+              </a:xfrm>
+              <a:prstGeom prst="straightConnector1">
+                <a:avLst/>
+              </a:prstGeom>
+              <a:ln w="38100">
+                <a:solidFill>
+                  <a:srgbClr val="00B0F0"/>
+                </a:solidFill>
+                <a:tailEnd type="triangle"/>
+              </a:ln>
+            </p:spPr>
+            <p:style>
+              <a:lnRef idx="1">
+                <a:schemeClr val="accent1"/>
+              </a:lnRef>
+              <a:fillRef idx="0">
+                <a:schemeClr val="accent1"/>
+              </a:fillRef>
+              <a:effectRef idx="0">
+                <a:schemeClr val="accent1"/>
+              </a:effectRef>
+              <a:fontRef idx="minor">
+                <a:schemeClr val="tx1"/>
+              </a:fontRef>
+            </p:style>
+          </p:cxnSp>
+          <p:sp>
+            <p:nvSpPr>
+              <p:cNvPr id="8" name="Rectangle: Rounded Corners 7">
+                <a:extLst>
+                  <a:ext uri="{FF2B5EF4-FFF2-40B4-BE49-F238E27FC236}">
+                    <a16:creationId xmlns:a16="http://schemas.microsoft.com/office/drawing/2014/main" id="{EA0DB46D-EB8B-63C1-0A73-6D906C33ECB7}"/>
+                  </a:ext>
+                </a:extLst>
+              </p:cNvPr>
+              <p:cNvSpPr/>
+              <p:nvPr/>
+            </p:nvSpPr>
+            <p:spPr>
+              <a:xfrm>
+                <a:off x="4890549" y="-506592"/>
+                <a:ext cx="1047750" cy="585129"/>
+              </a:xfrm>
+              <a:prstGeom prst="roundRect">
+                <a:avLst/>
+              </a:prstGeom>
+              <a:solidFill>
+                <a:srgbClr val="00B0F0"/>
+              </a:solidFill>
+              <a:ln>
+                <a:solidFill>
+                  <a:srgbClr val="00B0F0"/>
+                </a:solidFill>
+              </a:ln>
+            </p:spPr>
+            <p:style>
+              <a:lnRef idx="2">
+                <a:schemeClr val="accent1">
+                  <a:shade val="15000"/>
+                </a:schemeClr>
+              </a:lnRef>
+              <a:fillRef idx="1">
+                <a:schemeClr val="accent1"/>
+              </a:fillRef>
+              <a:effectRef idx="0">
+                <a:schemeClr val="accent1"/>
+              </a:effectRef>
+              <a:fontRef idx="minor">
+                <a:schemeClr val="lt1"/>
+              </a:fontRef>
+            </p:style>
+            <p:txBody>
+              <a:bodyPr rtlCol="0" anchor="ctr"/>
+              <a:lstStyle/>
+              <a:p>
+                <a:pPr algn="ctr"/>
+                <a:r>
+                  <a:rPr lang="nb-NO" dirty="0"/>
+                  <a:t>Point of rotation</a:t>
+                </a:r>
+                <a:endParaRPr lang="en-GB" dirty="0"/>
+              </a:p>
+            </p:txBody>
+          </p:sp>
+          <p:cxnSp>
+            <p:nvCxnSpPr>
+              <p:cNvPr id="9" name="Straight Arrow Connector 8">
+                <a:extLst>
+                  <a:ext uri="{FF2B5EF4-FFF2-40B4-BE49-F238E27FC236}">
+                    <a16:creationId xmlns:a16="http://schemas.microsoft.com/office/drawing/2014/main" id="{D07DF268-1F13-FA07-C3CD-F042B5BCD24C}"/>
+                  </a:ext>
+                </a:extLst>
+              </p:cNvPr>
+              <p:cNvCxnSpPr>
+                <a:cxnSpLocks/>
+              </p:cNvCxnSpPr>
+              <p:nvPr/>
+            </p:nvCxnSpPr>
+            <p:spPr>
+              <a:xfrm flipV="1">
+                <a:off x="6297890" y="1306049"/>
+                <a:ext cx="171490" cy="703203"/>
+              </a:xfrm>
+              <a:prstGeom prst="straightConnector1">
+                <a:avLst/>
+              </a:prstGeom>
+              <a:ln w="38100">
+                <a:solidFill>
+                  <a:srgbClr val="00B0F0"/>
+                </a:solidFill>
+                <a:tailEnd type="triangle"/>
+              </a:ln>
+            </p:spPr>
+            <p:style>
+              <a:lnRef idx="1">
+                <a:schemeClr val="accent1"/>
+              </a:lnRef>
+              <a:fillRef idx="0">
+                <a:schemeClr val="accent1"/>
+              </a:fillRef>
+              <a:effectRef idx="0">
+                <a:schemeClr val="accent1"/>
+              </a:effectRef>
+              <a:fontRef idx="minor">
+                <a:schemeClr val="tx1"/>
+              </a:fontRef>
+            </p:style>
+          </p:cxnSp>
+          <p:sp>
+            <p:nvSpPr>
+              <p:cNvPr id="10" name="Rectangle: Rounded Corners 9">
+                <a:extLst>
+                  <a:ext uri="{FF2B5EF4-FFF2-40B4-BE49-F238E27FC236}">
+                    <a16:creationId xmlns:a16="http://schemas.microsoft.com/office/drawing/2014/main" id="{05015684-FEDA-C812-831C-0CD7B37AF7CA}"/>
+                  </a:ext>
+                </a:extLst>
+              </p:cNvPr>
+              <p:cNvSpPr/>
+              <p:nvPr/>
+            </p:nvSpPr>
+            <p:spPr>
+              <a:xfrm>
+                <a:off x="5727620" y="1867310"/>
+                <a:ext cx="1047750" cy="585129"/>
+              </a:xfrm>
+              <a:prstGeom prst="roundRect">
+                <a:avLst/>
+              </a:prstGeom>
+              <a:solidFill>
+                <a:srgbClr val="00B0F0"/>
+              </a:solidFill>
+              <a:ln>
+                <a:solidFill>
+                  <a:srgbClr val="00B0F0"/>
+                </a:solidFill>
+              </a:ln>
+            </p:spPr>
+            <p:style>
+              <a:lnRef idx="2">
+                <a:schemeClr val="accent1">
+                  <a:shade val="15000"/>
+                </a:schemeClr>
+              </a:lnRef>
+              <a:fillRef idx="1">
+                <a:schemeClr val="accent1"/>
+              </a:fillRef>
+              <a:effectRef idx="0">
+                <a:schemeClr val="accent1"/>
+              </a:effectRef>
+              <a:fontRef idx="minor">
+                <a:schemeClr val="lt1"/>
+              </a:fontRef>
+            </p:style>
+            <p:txBody>
+              <a:bodyPr rtlCol="0" anchor="ctr"/>
+              <a:lstStyle/>
+              <a:p>
+                <a:pPr algn="ctr"/>
+                <a:r>
+                  <a:rPr lang="nb-NO" dirty="0"/>
+                  <a:t>Line of motion</a:t>
+                </a:r>
+                <a:endParaRPr lang="en-GB" dirty="0"/>
+              </a:p>
+            </p:txBody>
+          </p:sp>
+          <p:cxnSp>
+            <p:nvCxnSpPr>
+              <p:cNvPr id="18" name="Straight Connector 17">
+                <a:extLst>
+                  <a:ext uri="{FF2B5EF4-FFF2-40B4-BE49-F238E27FC236}">
+                    <a16:creationId xmlns:a16="http://schemas.microsoft.com/office/drawing/2014/main" id="{CA129306-58E7-69A0-F26B-D72DCC65E905}"/>
+                  </a:ext>
+                </a:extLst>
+              </p:cNvPr>
+              <p:cNvCxnSpPr>
+                <a:cxnSpLocks/>
+              </p:cNvCxnSpPr>
+              <p:nvPr/>
+            </p:nvCxnSpPr>
+            <p:spPr>
+              <a:xfrm rot="-1920000">
+                <a:off x="6174706" y="1074829"/>
+                <a:ext cx="720000" cy="0"/>
+              </a:xfrm>
+              <a:prstGeom prst="line">
+                <a:avLst/>
+              </a:prstGeom>
+              <a:ln w="38100">
+                <a:solidFill>
+                  <a:schemeClr val="accent4"/>
+                </a:solidFill>
+                <a:headEnd type="triangle"/>
+                <a:tailEnd type="triangle"/>
+              </a:ln>
+            </p:spPr>
+            <p:style>
+              <a:lnRef idx="1">
+                <a:schemeClr val="accent1"/>
+              </a:lnRef>
+              <a:fillRef idx="0">
+                <a:schemeClr val="accent1"/>
+              </a:fillRef>
+              <a:effectRef idx="0">
+                <a:schemeClr val="accent1"/>
+              </a:effectRef>
+              <a:fontRef idx="minor">
+                <a:schemeClr val="tx1"/>
+              </a:fontRef>
+            </p:style>
+          </p:cxnSp>
+        </p:grpSp>
+      </p:grpSp>
+    </p:spTree>
+    <p:extLst>
+      <p:ext uri="{BB962C8B-B14F-4D97-AF65-F5344CB8AC3E}">
+        <p14:creationId xmlns:p14="http://schemas.microsoft.com/office/powerpoint/2010/main" val="3584364384"/>
+      </p:ext>
+    </p:extLst>
+  </p:cSld>
+  <p:clrMapOvr>
+    <a:masterClrMapping/>
+  </p:clrMapOvr>
+</p:sld>
+</file>
+
+<file path=ppt/slides/slide11.xml><?xml version="1.0" encoding="utf-8"?>
+<p:sld xmlns:a="http://schemas.openxmlformats.org/drawingml/2006/main" xmlns:r="http://schemas.openxmlformats.org/officeDocument/2006/relationships" xmlns:p="http://schemas.openxmlformats.org/presentationml/2006/main">
+  <p:cSld>
+    <p:spTree>
+      <p:nvGrpSpPr>
+        <p:cNvPr id="1" name=""/>
+        <p:cNvGrpSpPr/>
+        <p:nvPr/>
+      </p:nvGrpSpPr>
+      <p:grpSpPr>
+        <a:xfrm>
+          <a:off x="0" y="0"/>
+          <a:ext cx="0" cy="0"/>
+          <a:chOff x="0" y="0"/>
+          <a:chExt cx="0" cy="0"/>
+        </a:xfrm>
+      </p:grpSpPr>
+      <p:grpSp>
+        <p:nvGrpSpPr>
           <p:cNvPr id="15" name="Group 14">
             <a:extLst>
               <a:ext uri="{FF2B5EF4-FFF2-40B4-BE49-F238E27FC236}">
@@ -6766,7 +7233,7 @@
 </p:sld>
 </file>
 
-<file path=ppt/slides/slide11.xml><?xml version="1.0" encoding="utf-8"?>
+<file path=ppt/slides/slide12.xml><?xml version="1.0" encoding="utf-8"?>
 <p:sld xmlns:a="http://schemas.openxmlformats.org/drawingml/2006/main" xmlns:r="http://schemas.openxmlformats.org/officeDocument/2006/relationships" xmlns:p="http://schemas.openxmlformats.org/presentationml/2006/main">
   <p:cSld>
     <p:spTree>
@@ -7528,7 +7995,7 @@
 </p:sld>
 </file>
 
-<file path=ppt/slides/slide12.xml><?xml version="1.0" encoding="utf-8"?>
+<file path=ppt/slides/slide13.xml><?xml version="1.0" encoding="utf-8"?>
 <p:sld xmlns:a="http://schemas.openxmlformats.org/drawingml/2006/main" xmlns:r="http://schemas.openxmlformats.org/officeDocument/2006/relationships" xmlns:p="http://schemas.openxmlformats.org/presentationml/2006/main">
   <p:cSld>
     <p:spTree>
@@ -8290,7 +8757,7 @@
 </p:sld>
 </file>
 
-<file path=ppt/slides/slide13.xml><?xml version="1.0" encoding="utf-8"?>
+<file path=ppt/slides/slide14.xml><?xml version="1.0" encoding="utf-8"?>
 <p:sld xmlns:a="http://schemas.openxmlformats.org/drawingml/2006/main" xmlns:r="http://schemas.openxmlformats.org/officeDocument/2006/relationships" xmlns:p="http://schemas.openxmlformats.org/presentationml/2006/main">
   <p:cSld>
     <p:spTree>
@@ -9052,7 +9519,7 @@
 </p:sld>
 </file>
 
-<file path=ppt/slides/slide14.xml><?xml version="1.0" encoding="utf-8"?>
+<file path=ppt/slides/slide15.xml><?xml version="1.0" encoding="utf-8"?>
 <p:sld xmlns:a="http://schemas.openxmlformats.org/drawingml/2006/main" xmlns:r="http://schemas.openxmlformats.org/officeDocument/2006/relationships" xmlns:p="http://schemas.openxmlformats.org/presentationml/2006/main">
   <p:cSld>
     <p:spTree>
@@ -9833,10 +10300,10 @@
       </p:grpSpPr>
       <p:grpSp>
         <p:nvGrpSpPr>
-          <p:cNvPr id="45" name="Group 44">
+          <p:cNvPr id="74" name="Group 73">
             <a:extLst>
               <a:ext uri="{FF2B5EF4-FFF2-40B4-BE49-F238E27FC236}">
-                <a16:creationId xmlns:a16="http://schemas.microsoft.com/office/drawing/2014/main" id="{02DB90B8-DE64-BDA4-A043-F1EFD39DF986}"/>
+                <a16:creationId xmlns:a16="http://schemas.microsoft.com/office/drawing/2014/main" id="{BCCB3044-5AF3-9320-0F9B-011077F0D89A}"/>
               </a:ext>
             </a:extLst>
           </p:cNvPr>
@@ -9845,18 +10312,2080 @@
         </p:nvGrpSpPr>
         <p:grpSpPr>
           <a:xfrm>
-            <a:off x="-1126218" y="373380"/>
-            <a:ext cx="15975118" cy="6111240"/>
-            <a:chOff x="-1126218" y="373380"/>
-            <a:chExt cx="15975118" cy="6111240"/>
+            <a:off x="-3245909" y="-4373176"/>
+            <a:ext cx="11863375" cy="9769086"/>
+            <a:chOff x="-3245909" y="-4373176"/>
+            <a:chExt cx="11863375" cy="9769086"/>
+          </a:xfrm>
+        </p:grpSpPr>
+        <p:sp>
+          <p:nvSpPr>
+            <p:cNvPr id="20" name="Arc 19">
+              <a:extLst>
+                <a:ext uri="{FF2B5EF4-FFF2-40B4-BE49-F238E27FC236}">
+                  <a16:creationId xmlns:a16="http://schemas.microsoft.com/office/drawing/2014/main" id="{BAB7A899-6F0E-6896-BFD6-C14ABAAB5C35}"/>
+                </a:ext>
+              </a:extLst>
+            </p:cNvPr>
+            <p:cNvSpPr/>
+            <p:nvPr/>
+          </p:nvSpPr>
+          <p:spPr>
+            <a:xfrm>
+              <a:off x="-3236384" y="-4373176"/>
+              <a:ext cx="11065523" cy="9509378"/>
+            </a:xfrm>
+            <a:prstGeom prst="arc">
+              <a:avLst>
+                <a:gd name="adj1" fmla="val 1407762"/>
+                <a:gd name="adj2" fmla="val 5400526"/>
+              </a:avLst>
+            </a:prstGeom>
+            <a:ln w="38100">
+              <a:solidFill>
+                <a:srgbClr val="FFC000"/>
+              </a:solidFill>
+            </a:ln>
+          </p:spPr>
+          <p:style>
+            <a:lnRef idx="1">
+              <a:schemeClr val="accent1"/>
+            </a:lnRef>
+            <a:fillRef idx="0">
+              <a:schemeClr val="accent1"/>
+            </a:fillRef>
+            <a:effectRef idx="0">
+              <a:schemeClr val="accent1"/>
+            </a:effectRef>
+            <a:fontRef idx="minor">
+              <a:schemeClr val="tx1"/>
+            </a:fontRef>
+          </p:style>
+          <p:txBody>
+            <a:bodyPr rtlCol="0" anchor="ctr"/>
+            <a:lstStyle/>
+            <a:p>
+              <a:pPr algn="ctr"/>
+              <a:endParaRPr lang="en-GB"/>
+            </a:p>
+          </p:txBody>
+        </p:sp>
+        <p:sp>
+          <p:nvSpPr>
+            <p:cNvPr id="23" name="Arc 22">
+              <a:extLst>
+                <a:ext uri="{FF2B5EF4-FFF2-40B4-BE49-F238E27FC236}">
+                  <a16:creationId xmlns:a16="http://schemas.microsoft.com/office/drawing/2014/main" id="{79CF530F-A059-04AD-354B-2699487CDF5D}"/>
+                </a:ext>
+              </a:extLst>
+            </p:cNvPr>
+            <p:cNvSpPr/>
+            <p:nvPr/>
+          </p:nvSpPr>
+          <p:spPr>
+            <a:xfrm>
+              <a:off x="-3245909" y="-4354126"/>
+              <a:ext cx="11065523" cy="9509378"/>
+            </a:xfrm>
+            <a:prstGeom prst="arc">
+              <a:avLst>
+                <a:gd name="adj1" fmla="val 590131"/>
+                <a:gd name="adj2" fmla="val 1403855"/>
+              </a:avLst>
+            </a:prstGeom>
+            <a:ln w="38100">
+              <a:solidFill>
+                <a:srgbClr val="00B050"/>
+              </a:solidFill>
+            </a:ln>
+          </p:spPr>
+          <p:style>
+            <a:lnRef idx="1">
+              <a:schemeClr val="accent1"/>
+            </a:lnRef>
+            <a:fillRef idx="0">
+              <a:schemeClr val="accent1"/>
+            </a:fillRef>
+            <a:effectRef idx="0">
+              <a:schemeClr val="accent1"/>
+            </a:effectRef>
+            <a:fontRef idx="minor">
+              <a:schemeClr val="tx1"/>
+            </a:fontRef>
+          </p:style>
+          <p:txBody>
+            <a:bodyPr rtlCol="0" anchor="ctr"/>
+            <a:lstStyle/>
+            <a:p>
+              <a:pPr algn="ctr"/>
+              <a:endParaRPr lang="en-GB"/>
+            </a:p>
+          </p:txBody>
+        </p:sp>
+        <p:grpSp>
+          <p:nvGrpSpPr>
+            <p:cNvPr id="73" name="Group 72">
+              <a:extLst>
+                <a:ext uri="{FF2B5EF4-FFF2-40B4-BE49-F238E27FC236}">
+                  <a16:creationId xmlns:a16="http://schemas.microsoft.com/office/drawing/2014/main" id="{D5E88580-93F1-D418-F7B1-601C38158210}"/>
+                </a:ext>
+              </a:extLst>
+            </p:cNvPr>
+            <p:cNvGrpSpPr/>
+            <p:nvPr/>
+          </p:nvGrpSpPr>
+          <p:grpSpPr>
+            <a:xfrm>
+              <a:off x="1633540" y="1176158"/>
+              <a:ext cx="6983926" cy="4219752"/>
+              <a:chOff x="1633540" y="1176158"/>
+              <a:chExt cx="6983926" cy="4219752"/>
+            </a:xfrm>
+          </p:grpSpPr>
+          <p:cxnSp>
+            <p:nvCxnSpPr>
+              <p:cNvPr id="43" name="Straight Connector 42">
+                <a:extLst>
+                  <a:ext uri="{FF2B5EF4-FFF2-40B4-BE49-F238E27FC236}">
+                    <a16:creationId xmlns:a16="http://schemas.microsoft.com/office/drawing/2014/main" id="{C8A8B3A4-F96E-0DE2-43F5-2086049BBFF4}"/>
+                  </a:ext>
+                </a:extLst>
+              </p:cNvPr>
+              <p:cNvCxnSpPr>
+                <a:cxnSpLocks/>
+                <a:endCxn id="8" idx="2"/>
+              </p:cNvCxnSpPr>
+              <p:nvPr/>
+            </p:nvCxnSpPr>
+            <p:spPr>
+              <a:xfrm flipV="1">
+                <a:off x="2241174" y="3061065"/>
+                <a:ext cx="3039486" cy="13245"/>
+              </a:xfrm>
+              <a:prstGeom prst="line">
+                <a:avLst/>
+              </a:prstGeom>
+              <a:ln w="28575">
+                <a:solidFill>
+                  <a:schemeClr val="accent3"/>
+                </a:solidFill>
+                <a:prstDash val="sysDot"/>
+              </a:ln>
+            </p:spPr>
+            <p:style>
+              <a:lnRef idx="1">
+                <a:schemeClr val="accent1"/>
+              </a:lnRef>
+              <a:fillRef idx="0">
+                <a:schemeClr val="accent1"/>
+              </a:fillRef>
+              <a:effectRef idx="0">
+                <a:schemeClr val="accent1"/>
+              </a:effectRef>
+              <a:fontRef idx="minor">
+                <a:schemeClr val="tx1"/>
+              </a:fontRef>
+            </p:style>
+          </p:cxnSp>
+          <p:cxnSp>
+            <p:nvCxnSpPr>
+              <p:cNvPr id="47" name="Straight Connector 46">
+                <a:extLst>
+                  <a:ext uri="{FF2B5EF4-FFF2-40B4-BE49-F238E27FC236}">
+                    <a16:creationId xmlns:a16="http://schemas.microsoft.com/office/drawing/2014/main" id="{FFBD1A9F-56EA-63BA-87A7-33D81CB7AC0D}"/>
+                  </a:ext>
+                </a:extLst>
+              </p:cNvPr>
+              <p:cNvCxnSpPr>
+                <a:cxnSpLocks/>
+                <a:endCxn id="7" idx="2"/>
+              </p:cNvCxnSpPr>
+              <p:nvPr/>
+            </p:nvCxnSpPr>
+            <p:spPr>
+              <a:xfrm>
+                <a:off x="2241174" y="3529695"/>
+                <a:ext cx="1364991" cy="0"/>
+              </a:xfrm>
+              <a:prstGeom prst="line">
+                <a:avLst/>
+              </a:prstGeom>
+              <a:ln w="28575">
+                <a:solidFill>
+                  <a:schemeClr val="accent3"/>
+                </a:solidFill>
+                <a:prstDash val="sysDot"/>
+              </a:ln>
+            </p:spPr>
+            <p:style>
+              <a:lnRef idx="1">
+                <a:schemeClr val="accent1"/>
+              </a:lnRef>
+              <a:fillRef idx="0">
+                <a:schemeClr val="accent1"/>
+              </a:fillRef>
+              <a:effectRef idx="0">
+                <a:schemeClr val="accent1"/>
+              </a:effectRef>
+              <a:fontRef idx="minor">
+                <a:schemeClr val="tx1"/>
+              </a:fontRef>
+            </p:style>
+          </p:cxnSp>
+          <mc:AlternateContent xmlns:mc="http://schemas.openxmlformats.org/markup-compatibility/2006">
+            <mc:Choice xmlns:a14="http://schemas.microsoft.com/office/drawing/2010/main" Requires="a14">
+              <p:sp>
+                <p:nvSpPr>
+                  <p:cNvPr id="36" name="TextBox 35">
+                    <a:extLst>
+                      <a:ext uri="{FF2B5EF4-FFF2-40B4-BE49-F238E27FC236}">
+                        <a16:creationId xmlns:a16="http://schemas.microsoft.com/office/drawing/2014/main" id="{E24C6A18-D565-F084-E8ED-AF7F8BE2A339}"/>
+                      </a:ext>
+                    </a:extLst>
+                  </p:cNvPr>
+                  <p:cNvSpPr txBox="1"/>
+                  <p:nvPr/>
+                </p:nvSpPr>
+                <p:spPr>
+                  <a:xfrm>
+                    <a:off x="3524176" y="3396881"/>
+                    <a:ext cx="1067921" cy="523220"/>
+                  </a:xfrm>
+                  <a:prstGeom prst="rect">
+                    <a:avLst/>
+                  </a:prstGeom>
+                  <a:noFill/>
+                </p:spPr>
+                <p:txBody>
+                  <a:bodyPr wrap="none" rtlCol="0">
+                    <a:spAutoFit/>
+                  </a:bodyPr>
+                  <a:lstStyle/>
+                  <a:p>
+                    <a14:m>
+                      <m:oMathPara xmlns:m="http://schemas.openxmlformats.org/officeDocument/2006/math">
+                        <m:oMathParaPr>
+                          <m:jc m:val="centerGroup"/>
+                        </m:oMathParaPr>
+                        <m:oMath xmlns:m="http://schemas.openxmlformats.org/officeDocument/2006/math">
+                          <m:sSub>
+                            <m:sSubPr>
+                              <m:ctrlPr>
+                                <a:rPr lang="nb-NO" sz="2800" b="0" i="1" smtClean="0">
+                                  <a:latin typeface="Cambria Math" panose="02040503050406030204" pitchFamily="18" charset="0"/>
+                                </a:rPr>
+                              </m:ctrlPr>
+                            </m:sSubPr>
+                            <m:e>
+                              <m:r>
+                                <a:rPr lang="nb-NO" sz="2800" b="0" i="1" smtClean="0">
+                                  <a:latin typeface="Cambria Math" panose="02040503050406030204" pitchFamily="18" charset="0"/>
+                                </a:rPr>
+                                <m:t>𝑃</m:t>
+                              </m:r>
+                            </m:e>
+                            <m:sub>
+                              <m:r>
+                                <a:rPr lang="nb-NO" sz="2800" b="0" i="1" smtClean="0">
+                                  <a:latin typeface="Cambria Math" panose="02040503050406030204" pitchFamily="18" charset="0"/>
+                                </a:rPr>
+                                <m:t>𝑆𝑙𝑜𝑤</m:t>
+                              </m:r>
+                            </m:sub>
+                          </m:sSub>
+                        </m:oMath>
+                      </m:oMathPara>
+                    </a14:m>
+                    <a:endParaRPr lang="en-GB" sz="2800" dirty="0"/>
+                  </a:p>
+                </p:txBody>
+              </p:sp>
+            </mc:Choice>
+            <mc:Fallback>
+              <p:sp>
+                <p:nvSpPr>
+                  <p:cNvPr id="36" name="TextBox 35">
+                    <a:extLst>
+                      <a:ext uri="{FF2B5EF4-FFF2-40B4-BE49-F238E27FC236}">
+                        <a16:creationId xmlns:a16="http://schemas.microsoft.com/office/drawing/2014/main" id="{E24C6A18-D565-F084-E8ED-AF7F8BE2A339}"/>
+                      </a:ext>
+                    </a:extLst>
+                  </p:cNvPr>
+                  <p:cNvSpPr txBox="1">
+                    <a:spLocks noRot="1" noChangeAspect="1" noMove="1" noResize="1" noEditPoints="1" noAdjustHandles="1" noChangeArrowheads="1" noChangeShapeType="1" noTextEdit="1"/>
+                  </p:cNvSpPr>
+                  <p:nvPr/>
+                </p:nvSpPr>
+                <p:spPr>
+                  <a:xfrm>
+                    <a:off x="3524176" y="3396881"/>
+                    <a:ext cx="1067921" cy="523220"/>
+                  </a:xfrm>
+                  <a:prstGeom prst="rect">
+                    <a:avLst/>
+                  </a:prstGeom>
+                  <a:blipFill>
+                    <a:blip r:embed="rId2"/>
+                    <a:stretch>
+                      <a:fillRect/>
+                    </a:stretch>
+                  </a:blipFill>
+                </p:spPr>
+                <p:txBody>
+                  <a:bodyPr/>
+                  <a:lstStyle/>
+                  <a:p>
+                    <a:r>
+                      <a:rPr lang="en-GB">
+                        <a:noFill/>
+                      </a:rPr>
+                      <a:t> </a:t>
+                    </a:r>
+                  </a:p>
+                </p:txBody>
+              </p:sp>
+            </mc:Fallback>
+          </mc:AlternateContent>
+          <p:cxnSp>
+            <p:nvCxnSpPr>
+              <p:cNvPr id="32" name="Straight Connector 31">
+                <a:extLst>
+                  <a:ext uri="{FF2B5EF4-FFF2-40B4-BE49-F238E27FC236}">
+                    <a16:creationId xmlns:a16="http://schemas.microsoft.com/office/drawing/2014/main" id="{7C92B21F-2A7C-E8C0-CB63-99D766CAD13F}"/>
+                  </a:ext>
+                </a:extLst>
+              </p:cNvPr>
+              <p:cNvCxnSpPr>
+                <a:cxnSpLocks/>
+                <a:stCxn id="7" idx="4"/>
+              </p:cNvCxnSpPr>
+              <p:nvPr/>
+            </p:nvCxnSpPr>
+            <p:spPr>
+              <a:xfrm flipH="1">
+                <a:off x="3659232" y="3583695"/>
+                <a:ext cx="933" cy="1597247"/>
+              </a:xfrm>
+              <a:prstGeom prst="line">
+                <a:avLst/>
+              </a:prstGeom>
+              <a:ln w="28575">
+                <a:solidFill>
+                  <a:schemeClr val="accent3"/>
+                </a:solidFill>
+                <a:prstDash val="sysDot"/>
+              </a:ln>
+            </p:spPr>
+            <p:style>
+              <a:lnRef idx="1">
+                <a:schemeClr val="accent1"/>
+              </a:lnRef>
+              <a:fillRef idx="0">
+                <a:schemeClr val="accent1"/>
+              </a:fillRef>
+              <a:effectRef idx="0">
+                <a:schemeClr val="accent1"/>
+              </a:effectRef>
+              <a:fontRef idx="minor">
+                <a:schemeClr val="tx1"/>
+              </a:fontRef>
+            </p:style>
+          </p:cxnSp>
+          <p:cxnSp>
+            <p:nvCxnSpPr>
+              <p:cNvPr id="31" name="Straight Connector 30">
+                <a:extLst>
+                  <a:ext uri="{FF2B5EF4-FFF2-40B4-BE49-F238E27FC236}">
+                    <a16:creationId xmlns:a16="http://schemas.microsoft.com/office/drawing/2014/main" id="{B1A9A035-3239-0D55-282F-BDE10DABD4B9}"/>
+                  </a:ext>
+                </a:extLst>
+              </p:cNvPr>
+              <p:cNvCxnSpPr>
+                <a:cxnSpLocks/>
+                <a:stCxn id="8" idx="4"/>
+              </p:cNvCxnSpPr>
+              <p:nvPr/>
+            </p:nvCxnSpPr>
+            <p:spPr>
+              <a:xfrm flipH="1">
+                <a:off x="5333229" y="3115065"/>
+                <a:ext cx="1431" cy="2055717"/>
+              </a:xfrm>
+              <a:prstGeom prst="line">
+                <a:avLst/>
+              </a:prstGeom>
+              <a:ln w="28575">
+                <a:solidFill>
+                  <a:schemeClr val="accent3"/>
+                </a:solidFill>
+                <a:prstDash val="sysDot"/>
+              </a:ln>
+            </p:spPr>
+            <p:style>
+              <a:lnRef idx="1">
+                <a:schemeClr val="accent1"/>
+              </a:lnRef>
+              <a:fillRef idx="0">
+                <a:schemeClr val="accent1"/>
+              </a:fillRef>
+              <a:effectRef idx="0">
+                <a:schemeClr val="accent1"/>
+              </a:effectRef>
+              <a:fontRef idx="minor">
+                <a:schemeClr val="tx1"/>
+              </a:fontRef>
+            </p:style>
+          </p:cxnSp>
+          <p:cxnSp>
+            <p:nvCxnSpPr>
+              <p:cNvPr id="3" name="Straight Arrow Connector 2">
+                <a:extLst>
+                  <a:ext uri="{FF2B5EF4-FFF2-40B4-BE49-F238E27FC236}">
+                    <a16:creationId xmlns:a16="http://schemas.microsoft.com/office/drawing/2014/main" id="{C970B6E3-F52B-B926-0066-A3B868218875}"/>
+                  </a:ext>
+                </a:extLst>
+              </p:cNvPr>
+              <p:cNvCxnSpPr>
+                <a:cxnSpLocks/>
+              </p:cNvCxnSpPr>
+              <p:nvPr/>
+            </p:nvCxnSpPr>
+            <p:spPr>
+              <a:xfrm flipV="1">
+                <a:off x="2278496" y="5134300"/>
+                <a:ext cx="5821564" cy="36482"/>
+              </a:xfrm>
+              <a:prstGeom prst="straightConnector1">
+                <a:avLst/>
+              </a:prstGeom>
+              <a:ln w="38100">
+                <a:solidFill>
+                  <a:schemeClr val="tx1"/>
+                </a:solidFill>
+                <a:headEnd type="none"/>
+                <a:tailEnd type="triangle"/>
+              </a:ln>
+            </p:spPr>
+            <p:style>
+              <a:lnRef idx="1">
+                <a:schemeClr val="accent1"/>
+              </a:lnRef>
+              <a:fillRef idx="0">
+                <a:schemeClr val="accent1"/>
+              </a:fillRef>
+              <a:effectRef idx="0">
+                <a:schemeClr val="accent1"/>
+              </a:effectRef>
+              <a:fontRef idx="minor">
+                <a:schemeClr val="tx1"/>
+              </a:fontRef>
+            </p:style>
+          </p:cxnSp>
+          <p:cxnSp>
+            <p:nvCxnSpPr>
+              <p:cNvPr id="4" name="Straight Arrow Connector 3">
+                <a:extLst>
+                  <a:ext uri="{FF2B5EF4-FFF2-40B4-BE49-F238E27FC236}">
+                    <a16:creationId xmlns:a16="http://schemas.microsoft.com/office/drawing/2014/main" id="{90711D75-5B2E-C4A7-E9BB-5716789461C2}"/>
+                  </a:ext>
+                </a:extLst>
+              </p:cNvPr>
+              <p:cNvCxnSpPr>
+                <a:cxnSpLocks/>
+              </p:cNvCxnSpPr>
+              <p:nvPr/>
+            </p:nvCxnSpPr>
+            <p:spPr>
+              <a:xfrm flipH="1" flipV="1">
+                <a:off x="2241174" y="1687217"/>
+                <a:ext cx="37322" cy="3513433"/>
+              </a:xfrm>
+              <a:prstGeom prst="straightConnector1">
+                <a:avLst/>
+              </a:prstGeom>
+              <a:ln w="38100">
+                <a:solidFill>
+                  <a:schemeClr val="tx1"/>
+                </a:solidFill>
+                <a:headEnd type="none"/>
+                <a:tailEnd type="triangle"/>
+              </a:ln>
+            </p:spPr>
+            <p:style>
+              <a:lnRef idx="1">
+                <a:schemeClr val="accent1"/>
+              </a:lnRef>
+              <a:fillRef idx="0">
+                <a:schemeClr val="accent1"/>
+              </a:fillRef>
+              <a:effectRef idx="0">
+                <a:schemeClr val="accent1"/>
+              </a:effectRef>
+              <a:fontRef idx="minor">
+                <a:schemeClr val="tx1"/>
+              </a:fontRef>
+            </p:style>
+          </p:cxnSp>
+          <p:cxnSp>
+            <p:nvCxnSpPr>
+              <p:cNvPr id="10" name="Straight Connector 9">
+                <a:extLst>
+                  <a:ext uri="{FF2B5EF4-FFF2-40B4-BE49-F238E27FC236}">
+                    <a16:creationId xmlns:a16="http://schemas.microsoft.com/office/drawing/2014/main" id="{C5790BDE-CE10-954E-51EF-4C4B5744649D}"/>
+                  </a:ext>
+                </a:extLst>
+              </p:cNvPr>
+              <p:cNvCxnSpPr>
+                <a:cxnSpLocks/>
+              </p:cNvCxnSpPr>
+              <p:nvPr/>
+            </p:nvCxnSpPr>
+            <p:spPr>
+              <a:xfrm flipV="1">
+                <a:off x="2278496" y="3893576"/>
+                <a:ext cx="5427229" cy="26525"/>
+              </a:xfrm>
+              <a:prstGeom prst="line">
+                <a:avLst/>
+              </a:prstGeom>
+              <a:ln w="38100">
+                <a:solidFill>
+                  <a:srgbClr val="FF0000"/>
+                </a:solidFill>
+              </a:ln>
+            </p:spPr>
+            <p:style>
+              <a:lnRef idx="1">
+                <a:schemeClr val="accent1"/>
+              </a:lnRef>
+              <a:fillRef idx="0">
+                <a:schemeClr val="accent1"/>
+              </a:fillRef>
+              <a:effectRef idx="0">
+                <a:schemeClr val="accent1"/>
+              </a:effectRef>
+              <a:fontRef idx="minor">
+                <a:schemeClr val="tx1"/>
+              </a:fontRef>
+            </p:style>
+          </p:cxnSp>
+          <p:cxnSp>
+            <p:nvCxnSpPr>
+              <p:cNvPr id="18" name="Straight Connector 17">
+                <a:extLst>
+                  <a:ext uri="{FF2B5EF4-FFF2-40B4-BE49-F238E27FC236}">
+                    <a16:creationId xmlns:a16="http://schemas.microsoft.com/office/drawing/2014/main" id="{47F48A5B-B0F2-D800-5273-DB1C2F796D8A}"/>
+                  </a:ext>
+                </a:extLst>
+              </p:cNvPr>
+              <p:cNvCxnSpPr>
+                <a:cxnSpLocks/>
+              </p:cNvCxnSpPr>
+              <p:nvPr/>
+            </p:nvCxnSpPr>
+            <p:spPr>
+              <a:xfrm rot="-900000" flipH="1">
+                <a:off x="7240348" y="2469071"/>
+                <a:ext cx="457581" cy="0"/>
+              </a:xfrm>
+              <a:prstGeom prst="line">
+                <a:avLst/>
+              </a:prstGeom>
+              <a:ln w="38100">
+                <a:solidFill>
+                  <a:srgbClr val="0070C0"/>
+                </a:solidFill>
+              </a:ln>
+            </p:spPr>
+            <p:style>
+              <a:lnRef idx="1">
+                <a:schemeClr val="accent1"/>
+              </a:lnRef>
+              <a:fillRef idx="0">
+                <a:schemeClr val="accent1"/>
+              </a:fillRef>
+              <a:effectRef idx="0">
+                <a:schemeClr val="accent1"/>
+              </a:effectRef>
+              <a:fontRef idx="minor">
+                <a:schemeClr val="tx1"/>
+              </a:fontRef>
+            </p:style>
+          </p:cxnSp>
+          <p:cxnSp>
+            <p:nvCxnSpPr>
+              <p:cNvPr id="13" name="Straight Connector 12">
+                <a:extLst>
+                  <a:ext uri="{FF2B5EF4-FFF2-40B4-BE49-F238E27FC236}">
+                    <a16:creationId xmlns:a16="http://schemas.microsoft.com/office/drawing/2014/main" id="{323C46F7-CC83-1498-02BF-BA362EEC99C0}"/>
+                  </a:ext>
+                </a:extLst>
+              </p:cNvPr>
+              <p:cNvCxnSpPr>
+                <a:cxnSpLocks/>
+              </p:cNvCxnSpPr>
+              <p:nvPr/>
+            </p:nvCxnSpPr>
+            <p:spPr>
+              <a:xfrm flipV="1">
+                <a:off x="2278496" y="2528285"/>
+                <a:ext cx="4969648" cy="1391816"/>
+              </a:xfrm>
+              <a:prstGeom prst="line">
+                <a:avLst/>
+              </a:prstGeom>
+              <a:ln w="38100">
+                <a:solidFill>
+                  <a:srgbClr val="00B050"/>
+                </a:solidFill>
+              </a:ln>
+            </p:spPr>
+            <p:style>
+              <a:lnRef idx="1">
+                <a:schemeClr val="accent1"/>
+              </a:lnRef>
+              <a:fillRef idx="0">
+                <a:schemeClr val="accent1"/>
+              </a:fillRef>
+              <a:effectRef idx="0">
+                <a:schemeClr val="accent1"/>
+              </a:effectRef>
+              <a:fontRef idx="minor">
+                <a:schemeClr val="tx1"/>
+              </a:fontRef>
+            </p:style>
+          </p:cxnSp>
+          <p:sp>
+            <p:nvSpPr>
+              <p:cNvPr id="7" name="Oval 6">
+                <a:extLst>
+                  <a:ext uri="{FF2B5EF4-FFF2-40B4-BE49-F238E27FC236}">
+                    <a16:creationId xmlns:a16="http://schemas.microsoft.com/office/drawing/2014/main" id="{1D8D87E1-C58F-E35C-4E8B-D5B51092F46E}"/>
+                  </a:ext>
+                </a:extLst>
+              </p:cNvPr>
+              <p:cNvSpPr>
+                <a:spLocks noChangeAspect="1"/>
+              </p:cNvSpPr>
+              <p:nvPr/>
+            </p:nvSpPr>
+            <p:spPr>
+              <a:xfrm>
+                <a:off x="3606165" y="3475695"/>
+                <a:ext cx="108000" cy="108000"/>
+              </a:xfrm>
+              <a:prstGeom prst="ellipse">
+                <a:avLst/>
+              </a:prstGeom>
+              <a:solidFill>
+                <a:schemeClr val="tx1"/>
+              </a:solidFill>
+              <a:ln>
+                <a:solidFill>
+                  <a:schemeClr val="tx1"/>
+                </a:solidFill>
+              </a:ln>
+            </p:spPr>
+            <p:style>
+              <a:lnRef idx="2">
+                <a:schemeClr val="accent1">
+                  <a:shade val="15000"/>
+                </a:schemeClr>
+              </a:lnRef>
+              <a:fillRef idx="1">
+                <a:schemeClr val="accent1"/>
+              </a:fillRef>
+              <a:effectRef idx="0">
+                <a:schemeClr val="accent1"/>
+              </a:effectRef>
+              <a:fontRef idx="minor">
+                <a:schemeClr val="lt1"/>
+              </a:fontRef>
+            </p:style>
+            <p:txBody>
+              <a:bodyPr rtlCol="0" anchor="ctr"/>
+              <a:lstStyle/>
+              <a:p>
+                <a:pPr algn="ctr"/>
+                <a:endParaRPr lang="en-GB"/>
+              </a:p>
+            </p:txBody>
+          </p:sp>
+          <p:sp>
+            <p:nvSpPr>
+              <p:cNvPr id="8" name="Oval 7">
+                <a:extLst>
+                  <a:ext uri="{FF2B5EF4-FFF2-40B4-BE49-F238E27FC236}">
+                    <a16:creationId xmlns:a16="http://schemas.microsoft.com/office/drawing/2014/main" id="{4B0BFC51-891D-6E57-5FF4-2C6F86D4BBE1}"/>
+                  </a:ext>
+                </a:extLst>
+              </p:cNvPr>
+              <p:cNvSpPr>
+                <a:spLocks noChangeAspect="1"/>
+              </p:cNvSpPr>
+              <p:nvPr/>
+            </p:nvSpPr>
+            <p:spPr>
+              <a:xfrm>
+                <a:off x="5280660" y="3007065"/>
+                <a:ext cx="108000" cy="108000"/>
+              </a:xfrm>
+              <a:prstGeom prst="ellipse">
+                <a:avLst/>
+              </a:prstGeom>
+              <a:solidFill>
+                <a:schemeClr val="tx1"/>
+              </a:solidFill>
+              <a:ln>
+                <a:solidFill>
+                  <a:schemeClr val="tx1"/>
+                </a:solidFill>
+              </a:ln>
+            </p:spPr>
+            <p:style>
+              <a:lnRef idx="2">
+                <a:schemeClr val="accent1">
+                  <a:shade val="15000"/>
+                </a:schemeClr>
+              </a:lnRef>
+              <a:fillRef idx="1">
+                <a:schemeClr val="accent1"/>
+              </a:fillRef>
+              <a:effectRef idx="0">
+                <a:schemeClr val="accent1"/>
+              </a:effectRef>
+              <a:fontRef idx="minor">
+                <a:schemeClr val="lt1"/>
+              </a:fontRef>
+            </p:style>
+            <p:txBody>
+              <a:bodyPr rtlCol="0" anchor="ctr"/>
+              <a:lstStyle/>
+              <a:p>
+                <a:pPr algn="ctr"/>
+                <a:endParaRPr lang="en-GB"/>
+              </a:p>
+            </p:txBody>
+          </p:sp>
+          <mc:AlternateContent xmlns:mc="http://schemas.openxmlformats.org/markup-compatibility/2006">
+            <mc:Choice xmlns:a14="http://schemas.microsoft.com/office/drawing/2010/main" Requires="a14">
+              <p:sp>
+                <p:nvSpPr>
+                  <p:cNvPr id="37" name="TextBox 36">
+                    <a:extLst>
+                      <a:ext uri="{FF2B5EF4-FFF2-40B4-BE49-F238E27FC236}">
+                        <a16:creationId xmlns:a16="http://schemas.microsoft.com/office/drawing/2014/main" id="{799DAC4A-9DA8-19C9-D00D-62A663508C39}"/>
+                      </a:ext>
+                    </a:extLst>
+                  </p:cNvPr>
+                  <p:cNvSpPr txBox="1"/>
+                  <p:nvPr/>
+                </p:nvSpPr>
+                <p:spPr>
+                  <a:xfrm>
+                    <a:off x="1633540" y="3583695"/>
+                    <a:ext cx="748410" cy="523220"/>
+                  </a:xfrm>
+                  <a:prstGeom prst="rect">
+                    <a:avLst/>
+                  </a:prstGeom>
+                  <a:noFill/>
+                </p:spPr>
+                <p:txBody>
+                  <a:bodyPr wrap="none" rtlCol="0">
+                    <a:spAutoFit/>
+                  </a:bodyPr>
+                  <a:lstStyle/>
+                  <a:p>
+                    <a14:m>
+                      <m:oMathPara xmlns:m="http://schemas.openxmlformats.org/officeDocument/2006/math">
+                        <m:oMathParaPr>
+                          <m:jc m:val="centerGroup"/>
+                        </m:oMathParaPr>
+                        <m:oMath xmlns:m="http://schemas.openxmlformats.org/officeDocument/2006/math">
+                          <m:sSub>
+                            <m:sSubPr>
+                              <m:ctrlPr>
+                                <a:rPr lang="nb-NO" sz="2800" b="0" i="1" smtClean="0">
+                                  <a:latin typeface="Cambria Math" panose="02040503050406030204" pitchFamily="18" charset="0"/>
+                                </a:rPr>
+                              </m:ctrlPr>
+                            </m:sSubPr>
+                            <m:e>
+                              <m:r>
+                                <a:rPr lang="nb-NO" sz="2800" b="0" i="1" smtClean="0">
+                                  <a:latin typeface="Cambria Math" panose="02040503050406030204" pitchFamily="18" charset="0"/>
+                                </a:rPr>
+                                <m:t>𝑝</m:t>
+                              </m:r>
+                            </m:e>
+                            <m:sub>
+                              <m:r>
+                                <a:rPr lang="nb-NO" sz="2800" b="0" i="1" smtClean="0">
+                                  <a:latin typeface="Cambria Math" panose="02040503050406030204" pitchFamily="18" charset="0"/>
+                                </a:rPr>
+                                <m:t>𝑐𝑟</m:t>
+                              </m:r>
+                            </m:sub>
+                          </m:sSub>
+                        </m:oMath>
+                      </m:oMathPara>
+                    </a14:m>
+                    <a:endParaRPr lang="en-GB" sz="2800" dirty="0"/>
+                  </a:p>
+                </p:txBody>
+              </p:sp>
+            </mc:Choice>
+            <mc:Fallback>
+              <p:sp>
+                <p:nvSpPr>
+                  <p:cNvPr id="37" name="TextBox 36">
+                    <a:extLst>
+                      <a:ext uri="{FF2B5EF4-FFF2-40B4-BE49-F238E27FC236}">
+                        <a16:creationId xmlns:a16="http://schemas.microsoft.com/office/drawing/2014/main" id="{799DAC4A-9DA8-19C9-D00D-62A663508C39}"/>
+                      </a:ext>
+                    </a:extLst>
+                  </p:cNvPr>
+                  <p:cNvSpPr txBox="1">
+                    <a:spLocks noRot="1" noChangeAspect="1" noMove="1" noResize="1" noEditPoints="1" noAdjustHandles="1" noChangeArrowheads="1" noChangeShapeType="1" noTextEdit="1"/>
+                  </p:cNvSpPr>
+                  <p:nvPr/>
+                </p:nvSpPr>
+                <p:spPr>
+                  <a:xfrm>
+                    <a:off x="1633540" y="3583695"/>
+                    <a:ext cx="748410" cy="523220"/>
+                  </a:xfrm>
+                  <a:prstGeom prst="rect">
+                    <a:avLst/>
+                  </a:prstGeom>
+                  <a:blipFill>
+                    <a:blip r:embed="rId3"/>
+                    <a:stretch>
+                      <a:fillRect/>
+                    </a:stretch>
+                  </a:blipFill>
+                </p:spPr>
+                <p:txBody>
+                  <a:bodyPr/>
+                  <a:lstStyle/>
+                  <a:p>
+                    <a:r>
+                      <a:rPr lang="en-GB">
+                        <a:noFill/>
+                      </a:rPr>
+                      <a:t> </a:t>
+                    </a:r>
+                  </a:p>
+                </p:txBody>
+              </p:sp>
+            </mc:Fallback>
+          </mc:AlternateContent>
+          <mc:AlternateContent xmlns:mc="http://schemas.openxmlformats.org/markup-compatibility/2006">
+            <mc:Choice xmlns:a14="http://schemas.microsoft.com/office/drawing/2010/main" Requires="a14">
+              <p:sp>
+                <p:nvSpPr>
+                  <p:cNvPr id="38" name="TextBox 37">
+                    <a:extLst>
+                      <a:ext uri="{FF2B5EF4-FFF2-40B4-BE49-F238E27FC236}">
+                        <a16:creationId xmlns:a16="http://schemas.microsoft.com/office/drawing/2014/main" id="{1C611CFB-4D0B-80E6-0EA6-8620329D9E65}"/>
+                      </a:ext>
+                    </a:extLst>
+                  </p:cNvPr>
+                  <p:cNvSpPr txBox="1"/>
+                  <p:nvPr/>
+                </p:nvSpPr>
+                <p:spPr>
+                  <a:xfrm>
+                    <a:off x="5239284" y="2920713"/>
+                    <a:ext cx="1041631" cy="523220"/>
+                  </a:xfrm>
+                  <a:prstGeom prst="rect">
+                    <a:avLst/>
+                  </a:prstGeom>
+                  <a:noFill/>
+                </p:spPr>
+                <p:txBody>
+                  <a:bodyPr wrap="none" rtlCol="0">
+                    <a:spAutoFit/>
+                  </a:bodyPr>
+                  <a:lstStyle/>
+                  <a:p>
+                    <a14:m>
+                      <m:oMathPara xmlns:m="http://schemas.openxmlformats.org/officeDocument/2006/math">
+                        <m:oMathParaPr>
+                          <m:jc m:val="centerGroup"/>
+                        </m:oMathParaPr>
+                        <m:oMath xmlns:m="http://schemas.openxmlformats.org/officeDocument/2006/math">
+                          <m:sSub>
+                            <m:sSubPr>
+                              <m:ctrlPr>
+                                <a:rPr lang="nb-NO" sz="2800" b="0" i="1" smtClean="0">
+                                  <a:latin typeface="Cambria Math" panose="02040503050406030204" pitchFamily="18" charset="0"/>
+                                </a:rPr>
+                              </m:ctrlPr>
+                            </m:sSubPr>
+                            <m:e>
+                              <m:r>
+                                <a:rPr lang="nb-NO" sz="2800" b="0" i="1" smtClean="0">
+                                  <a:latin typeface="Cambria Math" panose="02040503050406030204" pitchFamily="18" charset="0"/>
+                                </a:rPr>
+                                <m:t>𝑃</m:t>
+                              </m:r>
+                            </m:e>
+                            <m:sub>
+                              <m:r>
+                                <a:rPr lang="nb-NO" sz="2800" b="0" i="1" smtClean="0">
+                                  <a:latin typeface="Cambria Math" panose="02040503050406030204" pitchFamily="18" charset="0"/>
+                                </a:rPr>
+                                <m:t>𝐹𝑎𝑠𝑡</m:t>
+                              </m:r>
+                            </m:sub>
+                          </m:sSub>
+                        </m:oMath>
+                      </m:oMathPara>
+                    </a14:m>
+                    <a:endParaRPr lang="en-GB" sz="2800" dirty="0"/>
+                  </a:p>
+                </p:txBody>
+              </p:sp>
+            </mc:Choice>
+            <mc:Fallback>
+              <p:sp>
+                <p:nvSpPr>
+                  <p:cNvPr id="38" name="TextBox 37">
+                    <a:extLst>
+                      <a:ext uri="{FF2B5EF4-FFF2-40B4-BE49-F238E27FC236}">
+                        <a16:creationId xmlns:a16="http://schemas.microsoft.com/office/drawing/2014/main" id="{1C611CFB-4D0B-80E6-0EA6-8620329D9E65}"/>
+                      </a:ext>
+                    </a:extLst>
+                  </p:cNvPr>
+                  <p:cNvSpPr txBox="1">
+                    <a:spLocks noRot="1" noChangeAspect="1" noMove="1" noResize="1" noEditPoints="1" noAdjustHandles="1" noChangeArrowheads="1" noChangeShapeType="1" noTextEdit="1"/>
+                  </p:cNvSpPr>
+                  <p:nvPr/>
+                </p:nvSpPr>
+                <p:spPr>
+                  <a:xfrm>
+                    <a:off x="5239284" y="2920713"/>
+                    <a:ext cx="1041631" cy="523220"/>
+                  </a:xfrm>
+                  <a:prstGeom prst="rect">
+                    <a:avLst/>
+                  </a:prstGeom>
+                  <a:blipFill>
+                    <a:blip r:embed="rId4"/>
+                    <a:stretch>
+                      <a:fillRect/>
+                    </a:stretch>
+                  </a:blipFill>
+                </p:spPr>
+                <p:txBody>
+                  <a:bodyPr/>
+                  <a:lstStyle/>
+                  <a:p>
+                    <a:r>
+                      <a:rPr lang="en-GB">
+                        <a:noFill/>
+                      </a:rPr>
+                      <a:t> </a:t>
+                    </a:r>
+                  </a:p>
+                </p:txBody>
+              </p:sp>
+            </mc:Fallback>
+          </mc:AlternateContent>
+          <mc:AlternateContent xmlns:mc="http://schemas.openxmlformats.org/markup-compatibility/2006">
+            <mc:Choice xmlns:a14="http://schemas.microsoft.com/office/drawing/2010/main" Requires="a14">
+              <p:sp>
+                <p:nvSpPr>
+                  <p:cNvPr id="39" name="TextBox 38">
+                    <a:extLst>
+                      <a:ext uri="{FF2B5EF4-FFF2-40B4-BE49-F238E27FC236}">
+                        <a16:creationId xmlns:a16="http://schemas.microsoft.com/office/drawing/2014/main" id="{02B6C907-B7FA-E95D-9C6C-65343D913034}"/>
+                      </a:ext>
+                    </a:extLst>
+                  </p:cNvPr>
+                  <p:cNvSpPr txBox="1"/>
+                  <p:nvPr/>
+                </p:nvSpPr>
+                <p:spPr>
+                  <a:xfrm>
+                    <a:off x="1707985" y="1176158"/>
+                    <a:ext cx="1103700" cy="556434"/>
+                  </a:xfrm>
+                  <a:prstGeom prst="rect">
+                    <a:avLst/>
+                  </a:prstGeom>
+                  <a:noFill/>
+                </p:spPr>
+                <p:txBody>
+                  <a:bodyPr wrap="none" rtlCol="0">
+                    <a:spAutoFit/>
+                  </a:bodyPr>
+                  <a:lstStyle/>
+                  <a:p>
+                    <a14:m>
+                      <m:oMathPara xmlns:m="http://schemas.openxmlformats.org/officeDocument/2006/math">
+                        <m:oMathParaPr>
+                          <m:jc m:val="centerGroup"/>
+                        </m:oMathParaPr>
+                        <m:oMath xmlns:m="http://schemas.openxmlformats.org/officeDocument/2006/math">
+                          <m:sSub>
+                            <m:sSubPr>
+                              <m:ctrlPr>
+                                <a:rPr lang="nb-NO" sz="2800" b="0" i="1" smtClean="0">
+                                  <a:latin typeface="Cambria Math" panose="02040503050406030204" pitchFamily="18" charset="0"/>
+                                </a:rPr>
+                              </m:ctrlPr>
+                            </m:sSubPr>
+                            <m:e>
+                              <m:r>
+                                <a:rPr lang="nb-NO" sz="2800" b="0" i="1" smtClean="0">
+                                  <a:latin typeface="Cambria Math" panose="02040503050406030204" pitchFamily="18" charset="0"/>
+                                </a:rPr>
+                                <m:t>𝑝</m:t>
+                              </m:r>
+                            </m:e>
+                            <m:sub>
+                              <m:r>
+                                <a:rPr lang="nb-NO" sz="2800" b="0" i="1" smtClean="0">
+                                  <a:latin typeface="Cambria Math" panose="02040503050406030204" pitchFamily="18" charset="0"/>
+                                </a:rPr>
+                                <m:t>𝑜𝑝𝑒𝑛</m:t>
+                              </m:r>
+                            </m:sub>
+                          </m:sSub>
+                        </m:oMath>
+                      </m:oMathPara>
+                    </a14:m>
+                    <a:endParaRPr lang="en-GB" sz="2800" dirty="0"/>
+                  </a:p>
+                </p:txBody>
+              </p:sp>
+            </mc:Choice>
+            <mc:Fallback>
+              <p:sp>
+                <p:nvSpPr>
+                  <p:cNvPr id="39" name="TextBox 38">
+                    <a:extLst>
+                      <a:ext uri="{FF2B5EF4-FFF2-40B4-BE49-F238E27FC236}">
+                        <a16:creationId xmlns:a16="http://schemas.microsoft.com/office/drawing/2014/main" id="{02B6C907-B7FA-E95D-9C6C-65343D913034}"/>
+                      </a:ext>
+                    </a:extLst>
+                  </p:cNvPr>
+                  <p:cNvSpPr txBox="1">
+                    <a:spLocks noRot="1" noChangeAspect="1" noMove="1" noResize="1" noEditPoints="1" noAdjustHandles="1" noChangeArrowheads="1" noChangeShapeType="1" noTextEdit="1"/>
+                  </p:cNvSpPr>
+                  <p:nvPr/>
+                </p:nvSpPr>
+                <p:spPr>
+                  <a:xfrm>
+                    <a:off x="1707985" y="1176158"/>
+                    <a:ext cx="1103700" cy="556434"/>
+                  </a:xfrm>
+                  <a:prstGeom prst="rect">
+                    <a:avLst/>
+                  </a:prstGeom>
+                  <a:blipFill>
+                    <a:blip r:embed="rId5"/>
+                    <a:stretch>
+                      <a:fillRect/>
+                    </a:stretch>
+                  </a:blipFill>
+                </p:spPr>
+                <p:txBody>
+                  <a:bodyPr/>
+                  <a:lstStyle/>
+                  <a:p>
+                    <a:r>
+                      <a:rPr lang="en-GB">
+                        <a:noFill/>
+                      </a:rPr>
+                      <a:t> </a:t>
+                    </a:r>
+                  </a:p>
+                </p:txBody>
+              </p:sp>
+            </mc:Fallback>
+          </mc:AlternateContent>
+          <mc:AlternateContent xmlns:mc="http://schemas.openxmlformats.org/markup-compatibility/2006">
+            <mc:Choice xmlns:a14="http://schemas.microsoft.com/office/drawing/2010/main" Requires="a14">
+              <p:sp>
+                <p:nvSpPr>
+                  <p:cNvPr id="40" name="TextBox 39">
+                    <a:extLst>
+                      <a:ext uri="{FF2B5EF4-FFF2-40B4-BE49-F238E27FC236}">
+                        <a16:creationId xmlns:a16="http://schemas.microsoft.com/office/drawing/2014/main" id="{25895126-D4EF-D0C0-49C3-E89FB282CC57}"/>
+                      </a:ext>
+                    </a:extLst>
+                  </p:cNvPr>
+                  <p:cNvSpPr txBox="1"/>
+                  <p:nvPr/>
+                </p:nvSpPr>
+                <p:spPr>
+                  <a:xfrm>
+                    <a:off x="6835833" y="2904357"/>
+                    <a:ext cx="1316899" cy="556434"/>
+                  </a:xfrm>
+                  <a:prstGeom prst="rect">
+                    <a:avLst/>
+                  </a:prstGeom>
+                  <a:noFill/>
+                </p:spPr>
+                <p:txBody>
+                  <a:bodyPr wrap="none" rtlCol="0">
+                    <a:spAutoFit/>
+                  </a:bodyPr>
+                  <a:lstStyle/>
+                  <a:p>
+                    <a14:m>
+                      <m:oMathPara xmlns:m="http://schemas.openxmlformats.org/officeDocument/2006/math">
+                        <m:oMathParaPr>
+                          <m:jc m:val="centerGroup"/>
+                        </m:oMathParaPr>
+                        <m:oMath xmlns:m="http://schemas.openxmlformats.org/officeDocument/2006/math">
+                          <m:sSub>
+                            <m:sSubPr>
+                              <m:ctrlPr>
+                                <a:rPr lang="nb-NO" sz="2800" b="0" i="1" smtClean="0">
+                                  <a:latin typeface="Cambria Math" panose="02040503050406030204" pitchFamily="18" charset="0"/>
+                                </a:rPr>
+                              </m:ctrlPr>
+                            </m:sSubPr>
+                            <m:e>
+                              <m:r>
+                                <m:rPr>
+                                  <m:sty m:val="p"/>
+                                </m:rPr>
+                                <a:rPr lang="nb-NO" sz="2800" b="0" i="0" smtClean="0">
+                                  <a:latin typeface="Cambria Math" panose="02040503050406030204" pitchFamily="18" charset="0"/>
+                                </a:rPr>
+                                <m:t>Δ</m:t>
+                              </m:r>
+                              <m:r>
+                                <a:rPr lang="nb-NO" sz="2800" b="0" i="1" smtClean="0">
+                                  <a:latin typeface="Cambria Math" panose="02040503050406030204" pitchFamily="18" charset="0"/>
+                                </a:rPr>
+                                <m:t>𝑝</m:t>
+                              </m:r>
+                            </m:e>
+                            <m:sub>
+                              <m:r>
+                                <a:rPr lang="nb-NO" sz="2800" b="0" i="1" smtClean="0">
+                                  <a:latin typeface="Cambria Math" panose="02040503050406030204" pitchFamily="18" charset="0"/>
+                                </a:rPr>
+                                <m:t>𝑜𝑝𝑒𝑛</m:t>
+                              </m:r>
+                            </m:sub>
+                          </m:sSub>
+                        </m:oMath>
+                      </m:oMathPara>
+                    </a14:m>
+                    <a:endParaRPr lang="en-GB" sz="2800" dirty="0"/>
+                  </a:p>
+                </p:txBody>
+              </p:sp>
+            </mc:Choice>
+            <mc:Fallback>
+              <p:sp>
+                <p:nvSpPr>
+                  <p:cNvPr id="40" name="TextBox 39">
+                    <a:extLst>
+                      <a:ext uri="{FF2B5EF4-FFF2-40B4-BE49-F238E27FC236}">
+                        <a16:creationId xmlns:a16="http://schemas.microsoft.com/office/drawing/2014/main" id="{25895126-D4EF-D0C0-49C3-E89FB282CC57}"/>
+                      </a:ext>
+                    </a:extLst>
+                  </p:cNvPr>
+                  <p:cNvSpPr txBox="1">
+                    <a:spLocks noRot="1" noChangeAspect="1" noMove="1" noResize="1" noEditPoints="1" noAdjustHandles="1" noChangeArrowheads="1" noChangeShapeType="1" noTextEdit="1"/>
+                  </p:cNvSpPr>
+                  <p:nvPr/>
+                </p:nvSpPr>
+                <p:spPr>
+                  <a:xfrm>
+                    <a:off x="6835833" y="2904357"/>
+                    <a:ext cx="1316899" cy="556434"/>
+                  </a:xfrm>
+                  <a:prstGeom prst="rect">
+                    <a:avLst/>
+                  </a:prstGeom>
+                  <a:blipFill>
+                    <a:blip r:embed="rId6"/>
+                    <a:stretch>
+                      <a:fillRect/>
+                    </a:stretch>
+                  </a:blipFill>
+                </p:spPr>
+                <p:txBody>
+                  <a:bodyPr/>
+                  <a:lstStyle/>
+                  <a:p>
+                    <a:r>
+                      <a:rPr lang="en-GB">
+                        <a:noFill/>
+                      </a:rPr>
+                      <a:t> </a:t>
+                    </a:r>
+                  </a:p>
+                </p:txBody>
+              </p:sp>
+            </mc:Fallback>
+          </mc:AlternateContent>
+          <mc:AlternateContent xmlns:mc="http://schemas.openxmlformats.org/markup-compatibility/2006">
+            <mc:Choice xmlns:a14="http://schemas.microsoft.com/office/drawing/2010/main" Requires="a14">
+              <p:sp>
+                <p:nvSpPr>
+                  <p:cNvPr id="42" name="TextBox 41">
+                    <a:extLst>
+                      <a:ext uri="{FF2B5EF4-FFF2-40B4-BE49-F238E27FC236}">
+                        <a16:creationId xmlns:a16="http://schemas.microsoft.com/office/drawing/2014/main" id="{2E2A9C62-7112-DD31-5E16-46A2866CC63D}"/>
+                      </a:ext>
+                    </a:extLst>
+                  </p:cNvPr>
+                  <p:cNvSpPr txBox="1"/>
+                  <p:nvPr/>
+                </p:nvSpPr>
+                <p:spPr>
+                  <a:xfrm>
+                    <a:off x="8048238" y="4872690"/>
+                    <a:ext cx="273806" cy="523220"/>
+                  </a:xfrm>
+                  <a:prstGeom prst="rect">
+                    <a:avLst/>
+                  </a:prstGeom>
+                  <a:noFill/>
+                </p:spPr>
+                <p:txBody>
+                  <a:bodyPr wrap="square">
+                    <a:spAutoFit/>
+                  </a:bodyPr>
+                  <a:lstStyle/>
+                  <a:p>
+                    <a:pPr/>
+                    <a14:m>
+                      <m:oMathPara xmlns:m="http://schemas.openxmlformats.org/officeDocument/2006/math">
+                        <m:oMathParaPr>
+                          <m:jc m:val="centerGroup"/>
+                        </m:oMathParaPr>
+                        <m:oMath xmlns:m="http://schemas.openxmlformats.org/officeDocument/2006/math">
+                          <m:r>
+                            <a:rPr lang="nb-NO" sz="2800" b="0" i="1" smtClean="0">
+                              <a:latin typeface="Cambria Math" panose="02040503050406030204" pitchFamily="18" charset="0"/>
+                            </a:rPr>
+                            <m:t>𝑄</m:t>
+                          </m:r>
+                        </m:oMath>
+                      </m:oMathPara>
+                    </a14:m>
+                    <a:endParaRPr lang="en-GB" sz="2800" dirty="0"/>
+                  </a:p>
+                </p:txBody>
+              </p:sp>
+            </mc:Choice>
+            <mc:Fallback>
+              <p:sp>
+                <p:nvSpPr>
+                  <p:cNvPr id="42" name="TextBox 41">
+                    <a:extLst>
+                      <a:ext uri="{FF2B5EF4-FFF2-40B4-BE49-F238E27FC236}">
+                        <a16:creationId xmlns:a16="http://schemas.microsoft.com/office/drawing/2014/main" id="{2E2A9C62-7112-DD31-5E16-46A2866CC63D}"/>
+                      </a:ext>
+                    </a:extLst>
+                  </p:cNvPr>
+                  <p:cNvSpPr txBox="1">
+                    <a:spLocks noRot="1" noChangeAspect="1" noMove="1" noResize="1" noEditPoints="1" noAdjustHandles="1" noChangeArrowheads="1" noChangeShapeType="1" noTextEdit="1"/>
+                  </p:cNvSpPr>
+                  <p:nvPr/>
+                </p:nvSpPr>
+                <p:spPr>
+                  <a:xfrm>
+                    <a:off x="8048238" y="4872690"/>
+                    <a:ext cx="273806" cy="523220"/>
+                  </a:xfrm>
+                  <a:prstGeom prst="rect">
+                    <a:avLst/>
+                  </a:prstGeom>
+                  <a:blipFill>
+                    <a:blip r:embed="rId7"/>
+                    <a:stretch>
+                      <a:fillRect r="-13333"/>
+                    </a:stretch>
+                  </a:blipFill>
+                </p:spPr>
+                <p:txBody>
+                  <a:bodyPr/>
+                  <a:lstStyle/>
+                  <a:p>
+                    <a:r>
+                      <a:rPr lang="en-GB">
+                        <a:noFill/>
+                      </a:rPr>
+                      <a:t> </a:t>
+                    </a:r>
+                  </a:p>
+                </p:txBody>
+              </p:sp>
+            </mc:Fallback>
+          </mc:AlternateContent>
+          <p:sp>
+            <p:nvSpPr>
+              <p:cNvPr id="51" name="TextBox 50">
+                <a:extLst>
+                  <a:ext uri="{FF2B5EF4-FFF2-40B4-BE49-F238E27FC236}">
+                    <a16:creationId xmlns:a16="http://schemas.microsoft.com/office/drawing/2014/main" id="{B8063354-6678-BE47-0114-A413A5B58E34}"/>
+                  </a:ext>
+                </a:extLst>
+              </p:cNvPr>
+              <p:cNvSpPr txBox="1"/>
+              <p:nvPr/>
+            </p:nvSpPr>
+            <p:spPr>
+              <a:xfrm>
+                <a:off x="5552675" y="4038531"/>
+                <a:ext cx="1691489" cy="954107"/>
+              </a:xfrm>
+              <a:prstGeom prst="rect">
+                <a:avLst/>
+              </a:prstGeom>
+              <a:noFill/>
+            </p:spPr>
+            <p:txBody>
+              <a:bodyPr wrap="none" rtlCol="0">
+                <a:spAutoFit/>
+              </a:bodyPr>
+              <a:lstStyle/>
+              <a:p>
+                <a:r>
+                  <a:rPr lang="nb-NO" sz="2800" dirty="0">
+                    <a:solidFill>
+                      <a:srgbClr val="FFC000"/>
+                    </a:solidFill>
+                  </a:rPr>
+                  <a:t>Fully open</a:t>
+                </a:r>
+              </a:p>
+              <a:p>
+                <a:r>
+                  <a:rPr lang="nb-NO" sz="2800" dirty="0">
+                    <a:solidFill>
+                      <a:srgbClr val="FFC000"/>
+                    </a:solidFill>
+                  </a:rPr>
+                  <a:t>valve</a:t>
+                </a:r>
+                <a:endParaRPr lang="en-GB" sz="2800" dirty="0">
+                  <a:solidFill>
+                    <a:srgbClr val="FFC000"/>
+                  </a:solidFill>
+                </a:endParaRPr>
+              </a:p>
+            </p:txBody>
+          </p:sp>
+          <mc:AlternateContent xmlns:mc="http://schemas.openxmlformats.org/markup-compatibility/2006">
+            <mc:Choice xmlns:a14="http://schemas.microsoft.com/office/drawing/2010/main" Requires="a14">
+              <p:sp>
+                <p:nvSpPr>
+                  <p:cNvPr id="52" name="TextBox 51">
+                    <a:extLst>
+                      <a:ext uri="{FF2B5EF4-FFF2-40B4-BE49-F238E27FC236}">
+                        <a16:creationId xmlns:a16="http://schemas.microsoft.com/office/drawing/2014/main" id="{2118C64D-1FA5-AAB1-38DF-96A058EF8D47}"/>
+                      </a:ext>
+                    </a:extLst>
+                  </p:cNvPr>
+                  <p:cNvSpPr txBox="1"/>
+                  <p:nvPr/>
+                </p:nvSpPr>
+                <p:spPr>
+                  <a:xfrm>
+                    <a:off x="3804452" y="2037508"/>
+                    <a:ext cx="1817549" cy="523220"/>
+                  </a:xfrm>
+                  <a:prstGeom prst="rect">
+                    <a:avLst/>
+                  </a:prstGeom>
+                  <a:noFill/>
+                </p:spPr>
+                <p:txBody>
+                  <a:bodyPr wrap="none" rtlCol="0">
+                    <a:spAutoFit/>
+                  </a:bodyPr>
+                  <a:lstStyle/>
+                  <a:p>
+                    <a14:m>
+                      <m:oMathPara xmlns:m="http://schemas.openxmlformats.org/officeDocument/2006/math">
+                        <m:oMathParaPr>
+                          <m:jc m:val="centerGroup"/>
+                        </m:oMathParaPr>
+                        <m:oMath xmlns:m="http://schemas.openxmlformats.org/officeDocument/2006/math">
+                          <m:r>
+                            <a:rPr lang="nb-NO" sz="2800" b="0" i="1" dirty="0" smtClean="0">
+                              <a:solidFill>
+                                <a:srgbClr val="00B050"/>
+                              </a:solidFill>
+                              <a:latin typeface="Cambria Math" panose="02040503050406030204" pitchFamily="18" charset="0"/>
+                            </a:rPr>
+                            <m:t>0&lt;</m:t>
+                          </m:r>
+                          <m:r>
+                            <a:rPr lang="nb-NO" sz="2800" b="0" i="1" dirty="0" smtClean="0">
+                              <a:solidFill>
+                                <a:srgbClr val="00B050"/>
+                              </a:solidFill>
+                              <a:latin typeface="Cambria Math" panose="02040503050406030204" pitchFamily="18" charset="0"/>
+                            </a:rPr>
+                            <m:t>𝑢</m:t>
+                          </m:r>
+                          <m:r>
+                            <a:rPr lang="nb-NO" sz="2800" b="0" i="1" dirty="0" smtClean="0">
+                              <a:solidFill>
+                                <a:srgbClr val="00B050"/>
+                              </a:solidFill>
+                              <a:latin typeface="Cambria Math" panose="02040503050406030204" pitchFamily="18" charset="0"/>
+                            </a:rPr>
+                            <m:t>&lt;1</m:t>
+                          </m:r>
+                        </m:oMath>
+                      </m:oMathPara>
+                    </a14:m>
+                    <a:endParaRPr lang="en-GB" sz="2800" dirty="0">
+                      <a:solidFill>
+                        <a:srgbClr val="00B050"/>
+                      </a:solidFill>
+                    </a:endParaRPr>
+                  </a:p>
+                </p:txBody>
+              </p:sp>
+            </mc:Choice>
+            <mc:Fallback>
+              <p:sp>
+                <p:nvSpPr>
+                  <p:cNvPr id="52" name="TextBox 51">
+                    <a:extLst>
+                      <a:ext uri="{FF2B5EF4-FFF2-40B4-BE49-F238E27FC236}">
+                        <a16:creationId xmlns:a16="http://schemas.microsoft.com/office/drawing/2014/main" id="{2118C64D-1FA5-AAB1-38DF-96A058EF8D47}"/>
+                      </a:ext>
+                    </a:extLst>
+                  </p:cNvPr>
+                  <p:cNvSpPr txBox="1">
+                    <a:spLocks noRot="1" noChangeAspect="1" noMove="1" noResize="1" noEditPoints="1" noAdjustHandles="1" noChangeArrowheads="1" noChangeShapeType="1" noTextEdit="1"/>
+                  </p:cNvSpPr>
+                  <p:nvPr/>
+                </p:nvSpPr>
+                <p:spPr>
+                  <a:xfrm>
+                    <a:off x="3804452" y="2037508"/>
+                    <a:ext cx="1817549" cy="523220"/>
+                  </a:xfrm>
+                  <a:prstGeom prst="rect">
+                    <a:avLst/>
+                  </a:prstGeom>
+                  <a:blipFill>
+                    <a:blip r:embed="rId8"/>
+                    <a:stretch>
+                      <a:fillRect/>
+                    </a:stretch>
+                  </a:blipFill>
+                </p:spPr>
+                <p:txBody>
+                  <a:bodyPr/>
+                  <a:lstStyle/>
+                  <a:p>
+                    <a:r>
+                      <a:rPr lang="en-GB">
+                        <a:noFill/>
+                      </a:rPr>
+                      <a:t> </a:t>
+                    </a:r>
+                  </a:p>
+                </p:txBody>
+              </p:sp>
+            </mc:Fallback>
+          </mc:AlternateContent>
+          <p:sp>
+            <p:nvSpPr>
+              <p:cNvPr id="53" name="Oval 52">
+                <a:extLst>
+                  <a:ext uri="{FF2B5EF4-FFF2-40B4-BE49-F238E27FC236}">
+                    <a16:creationId xmlns:a16="http://schemas.microsoft.com/office/drawing/2014/main" id="{ABA9E55C-8F5E-034D-BA2E-FE80E09D93F8}"/>
+                  </a:ext>
+                </a:extLst>
+              </p:cNvPr>
+              <p:cNvSpPr>
+                <a:spLocks noChangeAspect="1"/>
+              </p:cNvSpPr>
+              <p:nvPr/>
+            </p:nvSpPr>
+            <p:spPr>
+              <a:xfrm>
+                <a:off x="7187563" y="2491118"/>
+                <a:ext cx="108000" cy="108000"/>
+              </a:xfrm>
+              <a:prstGeom prst="ellipse">
+                <a:avLst/>
+              </a:prstGeom>
+              <a:solidFill>
+                <a:schemeClr val="tx1"/>
+              </a:solidFill>
+              <a:ln>
+                <a:solidFill>
+                  <a:schemeClr val="tx1"/>
+                </a:solidFill>
+              </a:ln>
+            </p:spPr>
+            <p:style>
+              <a:lnRef idx="2">
+                <a:schemeClr val="accent1">
+                  <a:shade val="15000"/>
+                </a:schemeClr>
+              </a:lnRef>
+              <a:fillRef idx="1">
+                <a:schemeClr val="accent1"/>
+              </a:fillRef>
+              <a:effectRef idx="0">
+                <a:schemeClr val="accent1"/>
+              </a:effectRef>
+              <a:fontRef idx="minor">
+                <a:schemeClr val="lt1"/>
+              </a:fontRef>
+            </p:style>
+            <p:txBody>
+              <a:bodyPr rtlCol="0" anchor="ctr"/>
+              <a:lstStyle/>
+              <a:p>
+                <a:pPr algn="ctr"/>
+                <a:endParaRPr lang="en-GB"/>
+              </a:p>
+            </p:txBody>
+          </p:sp>
+          <p:cxnSp>
+            <p:nvCxnSpPr>
+              <p:cNvPr id="55" name="Straight Arrow Connector 54">
+                <a:extLst>
+                  <a:ext uri="{FF2B5EF4-FFF2-40B4-BE49-F238E27FC236}">
+                    <a16:creationId xmlns:a16="http://schemas.microsoft.com/office/drawing/2014/main" id="{867F068D-9973-A302-7D35-2F1067450828}"/>
+                  </a:ext>
+                </a:extLst>
+              </p:cNvPr>
+              <p:cNvCxnSpPr>
+                <a:stCxn id="52" idx="1"/>
+              </p:cNvCxnSpPr>
+              <p:nvPr/>
+            </p:nvCxnSpPr>
+            <p:spPr>
+              <a:xfrm flipH="1">
+                <a:off x="2278496" y="2299118"/>
+                <a:ext cx="1525956" cy="0"/>
+              </a:xfrm>
+              <a:prstGeom prst="straightConnector1">
+                <a:avLst/>
+              </a:prstGeom>
+              <a:ln w="19050">
+                <a:solidFill>
+                  <a:schemeClr val="accent3"/>
+                </a:solidFill>
+                <a:headEnd type="none"/>
+                <a:tailEnd type="none"/>
+              </a:ln>
+            </p:spPr>
+            <p:style>
+              <a:lnRef idx="1">
+                <a:schemeClr val="accent1"/>
+              </a:lnRef>
+              <a:fillRef idx="0">
+                <a:schemeClr val="accent1"/>
+              </a:fillRef>
+              <a:effectRef idx="0">
+                <a:schemeClr val="accent1"/>
+              </a:effectRef>
+              <a:fontRef idx="minor">
+                <a:schemeClr val="tx1"/>
+              </a:fontRef>
+            </p:style>
+          </p:cxnSp>
+          <p:cxnSp>
+            <p:nvCxnSpPr>
+              <p:cNvPr id="57" name="Straight Arrow Connector 56">
+                <a:extLst>
+                  <a:ext uri="{FF2B5EF4-FFF2-40B4-BE49-F238E27FC236}">
+                    <a16:creationId xmlns:a16="http://schemas.microsoft.com/office/drawing/2014/main" id="{75A33D8E-6383-9705-C5B0-A517769FAAA8}"/>
+                  </a:ext>
+                </a:extLst>
+              </p:cNvPr>
+              <p:cNvCxnSpPr>
+                <a:stCxn id="52" idx="3"/>
+              </p:cNvCxnSpPr>
+              <p:nvPr/>
+            </p:nvCxnSpPr>
+            <p:spPr>
+              <a:xfrm>
+                <a:off x="5622001" y="2299118"/>
+                <a:ext cx="1605169" cy="0"/>
+              </a:xfrm>
+              <a:prstGeom prst="straightConnector1">
+                <a:avLst/>
+              </a:prstGeom>
+              <a:ln w="19050">
+                <a:solidFill>
+                  <a:schemeClr val="accent3"/>
+                </a:solidFill>
+                <a:tailEnd type="none"/>
+              </a:ln>
+            </p:spPr>
+            <p:style>
+              <a:lnRef idx="1">
+                <a:schemeClr val="accent1"/>
+              </a:lnRef>
+              <a:fillRef idx="0">
+                <a:schemeClr val="accent1"/>
+              </a:fillRef>
+              <a:effectRef idx="0">
+                <a:schemeClr val="accent1"/>
+              </a:effectRef>
+              <a:fontRef idx="minor">
+                <a:schemeClr val="tx1"/>
+              </a:fontRef>
+            </p:style>
+          </p:cxnSp>
+          <p:cxnSp>
+            <p:nvCxnSpPr>
+              <p:cNvPr id="58" name="Straight Arrow Connector 57">
+                <a:extLst>
+                  <a:ext uri="{FF2B5EF4-FFF2-40B4-BE49-F238E27FC236}">
+                    <a16:creationId xmlns:a16="http://schemas.microsoft.com/office/drawing/2014/main" id="{87DF20DE-BBD0-8C16-791C-4A71D90AB6C6}"/>
+                  </a:ext>
+                </a:extLst>
+              </p:cNvPr>
+              <p:cNvCxnSpPr>
+                <a:cxnSpLocks/>
+              </p:cNvCxnSpPr>
+              <p:nvPr/>
+            </p:nvCxnSpPr>
+            <p:spPr>
+              <a:xfrm>
+                <a:off x="2277151" y="2121572"/>
+                <a:ext cx="0" cy="355091"/>
+              </a:xfrm>
+              <a:prstGeom prst="straightConnector1">
+                <a:avLst/>
+              </a:prstGeom>
+              <a:ln w="19050">
+                <a:solidFill>
+                  <a:schemeClr val="accent3"/>
+                </a:solidFill>
+                <a:headEnd type="none"/>
+                <a:tailEnd type="none"/>
+              </a:ln>
+            </p:spPr>
+            <p:style>
+              <a:lnRef idx="1">
+                <a:schemeClr val="accent1"/>
+              </a:lnRef>
+              <a:fillRef idx="0">
+                <a:schemeClr val="accent1"/>
+              </a:fillRef>
+              <a:effectRef idx="0">
+                <a:schemeClr val="accent1"/>
+              </a:effectRef>
+              <a:fontRef idx="minor">
+                <a:schemeClr val="tx1"/>
+              </a:fontRef>
+            </p:style>
+          </p:cxnSp>
+          <p:cxnSp>
+            <p:nvCxnSpPr>
+              <p:cNvPr id="61" name="Straight Arrow Connector 60">
+                <a:extLst>
+                  <a:ext uri="{FF2B5EF4-FFF2-40B4-BE49-F238E27FC236}">
+                    <a16:creationId xmlns:a16="http://schemas.microsoft.com/office/drawing/2014/main" id="{1407873A-D902-6FA9-F3F6-55F608757F6F}"/>
+                  </a:ext>
+                </a:extLst>
+              </p:cNvPr>
+              <p:cNvCxnSpPr>
+                <a:cxnSpLocks/>
+              </p:cNvCxnSpPr>
+              <p:nvPr/>
+            </p:nvCxnSpPr>
+            <p:spPr>
+              <a:xfrm>
+                <a:off x="7227041" y="2121572"/>
+                <a:ext cx="0" cy="355091"/>
+              </a:xfrm>
+              <a:prstGeom prst="straightConnector1">
+                <a:avLst/>
+              </a:prstGeom>
+              <a:ln w="19050">
+                <a:solidFill>
+                  <a:schemeClr val="accent3"/>
+                </a:solidFill>
+                <a:headEnd type="none"/>
+                <a:tailEnd type="none"/>
+              </a:ln>
+            </p:spPr>
+            <p:style>
+              <a:lnRef idx="1">
+                <a:schemeClr val="accent1"/>
+              </a:lnRef>
+              <a:fillRef idx="0">
+                <a:schemeClr val="accent1"/>
+              </a:fillRef>
+              <a:effectRef idx="0">
+                <a:schemeClr val="accent1"/>
+              </a:effectRef>
+              <a:fontRef idx="minor">
+                <a:schemeClr val="tx1"/>
+              </a:fontRef>
+            </p:style>
+          </p:cxnSp>
+          <mc:AlternateContent xmlns:mc="http://schemas.openxmlformats.org/markup-compatibility/2006">
+            <mc:Choice xmlns:a14="http://schemas.microsoft.com/office/drawing/2010/main" Requires="a14">
+              <p:sp>
+                <p:nvSpPr>
+                  <p:cNvPr id="63" name="TextBox 62">
+                    <a:extLst>
+                      <a:ext uri="{FF2B5EF4-FFF2-40B4-BE49-F238E27FC236}">
+                        <a16:creationId xmlns:a16="http://schemas.microsoft.com/office/drawing/2014/main" id="{EB419353-4C38-75C8-5F51-8456B8806AC1}"/>
+                      </a:ext>
+                    </a:extLst>
+                  </p:cNvPr>
+                  <p:cNvSpPr txBox="1"/>
+                  <p:nvPr/>
+                </p:nvSpPr>
+                <p:spPr>
+                  <a:xfrm>
+                    <a:off x="7469138" y="1702748"/>
+                    <a:ext cx="1148328" cy="523220"/>
+                  </a:xfrm>
+                  <a:prstGeom prst="rect">
+                    <a:avLst/>
+                  </a:prstGeom>
+                  <a:noFill/>
+                </p:spPr>
+                <p:txBody>
+                  <a:bodyPr wrap="none" rtlCol="0">
+                    <a:spAutoFit/>
+                  </a:bodyPr>
+                  <a:lstStyle/>
+                  <a:p>
+                    <a14:m>
+                      <m:oMathPara xmlns:m="http://schemas.openxmlformats.org/officeDocument/2006/math">
+                        <m:oMathParaPr>
+                          <m:jc m:val="centerGroup"/>
+                        </m:oMathParaPr>
+                        <m:oMath xmlns:m="http://schemas.openxmlformats.org/officeDocument/2006/math">
+                          <m:r>
+                            <a:rPr lang="nb-NO" sz="2800" b="0" i="1" dirty="0" smtClean="0">
+                              <a:solidFill>
+                                <a:srgbClr val="00B050"/>
+                              </a:solidFill>
+                              <a:latin typeface="Cambria Math" panose="02040503050406030204" pitchFamily="18" charset="0"/>
+                            </a:rPr>
+                            <m:t>𝑢</m:t>
+                          </m:r>
+                          <m:r>
+                            <a:rPr lang="nb-NO" sz="2800" b="0" i="1" dirty="0" smtClean="0">
+                              <a:solidFill>
+                                <a:srgbClr val="00B050"/>
+                              </a:solidFill>
+                              <a:latin typeface="Cambria Math" panose="02040503050406030204" pitchFamily="18" charset="0"/>
+                            </a:rPr>
+                            <m:t>=1</m:t>
+                          </m:r>
+                        </m:oMath>
+                      </m:oMathPara>
+                    </a14:m>
+                    <a:endParaRPr lang="en-GB" sz="2800" dirty="0">
+                      <a:solidFill>
+                        <a:srgbClr val="00B050"/>
+                      </a:solidFill>
+                    </a:endParaRPr>
+                  </a:p>
+                </p:txBody>
+              </p:sp>
+            </mc:Choice>
+            <mc:Fallback>
+              <p:sp>
+                <p:nvSpPr>
+                  <p:cNvPr id="63" name="TextBox 62">
+                    <a:extLst>
+                      <a:ext uri="{FF2B5EF4-FFF2-40B4-BE49-F238E27FC236}">
+                        <a16:creationId xmlns:a16="http://schemas.microsoft.com/office/drawing/2014/main" id="{EB419353-4C38-75C8-5F51-8456B8806AC1}"/>
+                      </a:ext>
+                    </a:extLst>
+                  </p:cNvPr>
+                  <p:cNvSpPr txBox="1">
+                    <a:spLocks noRot="1" noChangeAspect="1" noMove="1" noResize="1" noEditPoints="1" noAdjustHandles="1" noChangeArrowheads="1" noChangeShapeType="1" noTextEdit="1"/>
+                  </p:cNvSpPr>
+                  <p:nvPr/>
+                </p:nvSpPr>
+                <p:spPr>
+                  <a:xfrm>
+                    <a:off x="7469138" y="1702748"/>
+                    <a:ext cx="1148328" cy="523220"/>
+                  </a:xfrm>
+                  <a:prstGeom prst="rect">
+                    <a:avLst/>
+                  </a:prstGeom>
+                  <a:blipFill>
+                    <a:blip r:embed="rId9"/>
+                    <a:stretch>
+                      <a:fillRect/>
+                    </a:stretch>
+                  </a:blipFill>
+                </p:spPr>
+                <p:txBody>
+                  <a:bodyPr/>
+                  <a:lstStyle/>
+                  <a:p>
+                    <a:r>
+                      <a:rPr lang="en-GB">
+                        <a:noFill/>
+                      </a:rPr>
+                      <a:t> </a:t>
+                    </a:r>
+                  </a:p>
+                </p:txBody>
+              </p:sp>
+            </mc:Fallback>
+          </mc:AlternateContent>
+          <p:cxnSp>
+            <p:nvCxnSpPr>
+              <p:cNvPr id="64" name="Straight Arrow Connector 63">
+                <a:extLst>
+                  <a:ext uri="{FF2B5EF4-FFF2-40B4-BE49-F238E27FC236}">
+                    <a16:creationId xmlns:a16="http://schemas.microsoft.com/office/drawing/2014/main" id="{CA5F4BBA-F744-6CD4-10F0-FD2848F41491}"/>
+                  </a:ext>
+                </a:extLst>
+              </p:cNvPr>
+              <p:cNvCxnSpPr>
+                <a:cxnSpLocks/>
+              </p:cNvCxnSpPr>
+              <p:nvPr/>
+            </p:nvCxnSpPr>
+            <p:spPr>
+              <a:xfrm rot="16200000">
+                <a:off x="7497758" y="2365196"/>
+                <a:ext cx="0" cy="355091"/>
+              </a:xfrm>
+              <a:prstGeom prst="straightConnector1">
+                <a:avLst/>
+              </a:prstGeom>
+              <a:ln w="19050">
+                <a:solidFill>
+                  <a:schemeClr val="accent3"/>
+                </a:solidFill>
+                <a:headEnd type="none"/>
+                <a:tailEnd type="none"/>
+              </a:ln>
+            </p:spPr>
+            <p:style>
+              <a:lnRef idx="1">
+                <a:schemeClr val="accent1"/>
+              </a:lnRef>
+              <a:fillRef idx="0">
+                <a:schemeClr val="accent1"/>
+              </a:fillRef>
+              <a:effectRef idx="0">
+                <a:schemeClr val="accent1"/>
+              </a:effectRef>
+              <a:fontRef idx="minor">
+                <a:schemeClr val="tx1"/>
+              </a:fontRef>
+            </p:style>
+          </p:cxnSp>
+          <p:cxnSp>
+            <p:nvCxnSpPr>
+              <p:cNvPr id="65" name="Straight Arrow Connector 64">
+                <a:extLst>
+                  <a:ext uri="{FF2B5EF4-FFF2-40B4-BE49-F238E27FC236}">
+                    <a16:creationId xmlns:a16="http://schemas.microsoft.com/office/drawing/2014/main" id="{7D34C097-F5B9-B382-E790-977E417AC159}"/>
+                  </a:ext>
+                </a:extLst>
+              </p:cNvPr>
+              <p:cNvCxnSpPr>
+                <a:cxnSpLocks/>
+                <a:stCxn id="40" idx="0"/>
+              </p:cNvCxnSpPr>
+              <p:nvPr/>
+            </p:nvCxnSpPr>
+            <p:spPr>
+              <a:xfrm flipH="1" flipV="1">
+                <a:off x="7490807" y="2542741"/>
+                <a:ext cx="3476" cy="361616"/>
+              </a:xfrm>
+              <a:prstGeom prst="straightConnector1">
+                <a:avLst/>
+              </a:prstGeom>
+              <a:ln w="19050">
+                <a:solidFill>
+                  <a:schemeClr val="accent3"/>
+                </a:solidFill>
+                <a:tailEnd type="none"/>
+              </a:ln>
+            </p:spPr>
+            <p:style>
+              <a:lnRef idx="1">
+                <a:schemeClr val="accent1"/>
+              </a:lnRef>
+              <a:fillRef idx="0">
+                <a:schemeClr val="accent1"/>
+              </a:fillRef>
+              <a:effectRef idx="0">
+                <a:schemeClr val="accent1"/>
+              </a:effectRef>
+              <a:fontRef idx="minor">
+                <a:schemeClr val="tx1"/>
+              </a:fontRef>
+            </p:style>
+          </p:cxnSp>
+          <p:cxnSp>
+            <p:nvCxnSpPr>
+              <p:cNvPr id="68" name="Straight Arrow Connector 67">
+                <a:extLst>
+                  <a:ext uri="{FF2B5EF4-FFF2-40B4-BE49-F238E27FC236}">
+                    <a16:creationId xmlns:a16="http://schemas.microsoft.com/office/drawing/2014/main" id="{479307AC-7664-9C15-38DF-E91EF96E49FC}"/>
+                  </a:ext>
+                </a:extLst>
+              </p:cNvPr>
+              <p:cNvCxnSpPr>
+                <a:cxnSpLocks/>
+                <a:endCxn id="40" idx="2"/>
+              </p:cNvCxnSpPr>
+              <p:nvPr/>
+            </p:nvCxnSpPr>
+            <p:spPr>
+              <a:xfrm flipH="1" flipV="1">
+                <a:off x="7494283" y="3460791"/>
+                <a:ext cx="3475" cy="398205"/>
+              </a:xfrm>
+              <a:prstGeom prst="straightConnector1">
+                <a:avLst/>
+              </a:prstGeom>
+              <a:ln w="19050">
+                <a:solidFill>
+                  <a:schemeClr val="accent3"/>
+                </a:solidFill>
+                <a:headEnd type="none"/>
+                <a:tailEnd type="none"/>
+              </a:ln>
+            </p:spPr>
+            <p:style>
+              <a:lnRef idx="1">
+                <a:schemeClr val="accent1"/>
+              </a:lnRef>
+              <a:fillRef idx="0">
+                <a:schemeClr val="accent1"/>
+              </a:fillRef>
+              <a:effectRef idx="0">
+                <a:schemeClr val="accent1"/>
+              </a:effectRef>
+              <a:fontRef idx="minor">
+                <a:schemeClr val="tx1"/>
+              </a:fontRef>
+            </p:style>
+          </p:cxnSp>
+          <p:cxnSp>
+            <p:nvCxnSpPr>
+              <p:cNvPr id="69" name="Straight Arrow Connector 68">
+                <a:extLst>
+                  <a:ext uri="{FF2B5EF4-FFF2-40B4-BE49-F238E27FC236}">
+                    <a16:creationId xmlns:a16="http://schemas.microsoft.com/office/drawing/2014/main" id="{F978BB23-3410-824B-8CEC-8BEA89FAB10F}"/>
+                  </a:ext>
+                </a:extLst>
+              </p:cNvPr>
+              <p:cNvCxnSpPr>
+                <a:cxnSpLocks/>
+              </p:cNvCxnSpPr>
+              <p:nvPr/>
+            </p:nvCxnSpPr>
+            <p:spPr>
+              <a:xfrm rot="16200000" flipV="1">
+                <a:off x="7490807" y="3698962"/>
+                <a:ext cx="0" cy="334946"/>
+              </a:xfrm>
+              <a:prstGeom prst="straightConnector1">
+                <a:avLst/>
+              </a:prstGeom>
+              <a:ln w="19050">
+                <a:solidFill>
+                  <a:schemeClr val="accent3"/>
+                </a:solidFill>
+                <a:tailEnd type="none"/>
+              </a:ln>
+            </p:spPr>
+            <p:style>
+              <a:lnRef idx="1">
+                <a:schemeClr val="accent1"/>
+              </a:lnRef>
+              <a:fillRef idx="0">
+                <a:schemeClr val="accent1"/>
+              </a:fillRef>
+              <a:effectRef idx="0">
+                <a:schemeClr val="accent1"/>
+              </a:effectRef>
+              <a:fontRef idx="minor">
+                <a:schemeClr val="tx1"/>
+              </a:fontRef>
+            </p:style>
+          </p:cxnSp>
+        </p:grpSp>
+      </p:grpSp>
+    </p:spTree>
+    <p:extLst>
+      <p:ext uri="{BB962C8B-B14F-4D97-AF65-F5344CB8AC3E}">
+        <p14:creationId xmlns:p14="http://schemas.microsoft.com/office/powerpoint/2010/main" val="723202166"/>
+      </p:ext>
+    </p:extLst>
+  </p:cSld>
+  <p:clrMapOvr>
+    <a:masterClrMapping/>
+  </p:clrMapOvr>
+</p:sld>
+</file>
+
+<file path=ppt/slides/slide3.xml><?xml version="1.0" encoding="utf-8"?>
+<p:sld xmlns:a="http://schemas.openxmlformats.org/drawingml/2006/main" xmlns:r="http://schemas.openxmlformats.org/officeDocument/2006/relationships" xmlns:p="http://schemas.openxmlformats.org/presentationml/2006/main">
+  <p:cSld>
+    <p:spTree>
+      <p:nvGrpSpPr>
+        <p:cNvPr id="1" name=""/>
+        <p:cNvGrpSpPr/>
+        <p:nvPr/>
+      </p:nvGrpSpPr>
+      <p:grpSpPr>
+        <a:xfrm>
+          <a:off x="0" y="0"/>
+          <a:ext cx="0" cy="0"/>
+          <a:chOff x="0" y="0"/>
+          <a:chExt cx="0" cy="0"/>
+        </a:xfrm>
+      </p:grpSpPr>
+      <p:grpSp>
+        <p:nvGrpSpPr>
+          <p:cNvPr id="41" name="Group 40">
+            <a:extLst>
+              <a:ext uri="{FF2B5EF4-FFF2-40B4-BE49-F238E27FC236}">
+                <a16:creationId xmlns:a16="http://schemas.microsoft.com/office/drawing/2014/main" id="{3A6CC3AD-7D24-8E98-45D4-AE5239FEA41F}"/>
+              </a:ext>
+            </a:extLst>
+          </p:cNvPr>
+          <p:cNvGrpSpPr/>
+          <p:nvPr/>
+        </p:nvGrpSpPr>
+        <p:grpSpPr>
+          <a:xfrm>
+            <a:off x="589440" y="-807720"/>
+            <a:ext cx="10758147" cy="8275436"/>
+            <a:chOff x="1087150" y="-807720"/>
+            <a:chExt cx="10758147" cy="8275436"/>
           </a:xfrm>
         </p:grpSpPr>
         <p:pic>
           <p:nvPicPr>
-            <p:cNvPr id="23" name="Picture 22">
+            <p:cNvPr id="26" name="Picture 25">
               <a:extLst>
                 <a:ext uri="{FF2B5EF4-FFF2-40B4-BE49-F238E27FC236}">
-                  <a16:creationId xmlns:a16="http://schemas.microsoft.com/office/drawing/2014/main" id="{8A9F76C0-ACA7-3BFD-4A00-F6954EABDDC0}"/>
+                  <a16:creationId xmlns:a16="http://schemas.microsoft.com/office/drawing/2014/main" id="{5FD31AE6-C9A2-1107-5512-4EEE980157EE}"/>
                 </a:ext>
               </a:extLst>
             </p:cNvPr>
@@ -9867,14 +12396,13 @@
           </p:nvPicPr>
           <p:blipFill>
             <a:blip r:embed="rId2"/>
-            <a:stretch>
-              <a:fillRect/>
-            </a:stretch>
+            <a:srcRect l="37324" t="20747" r="36345" b="17650"/>
+            <a:stretch/>
           </p:blipFill>
           <p:spPr>
             <a:xfrm>
-              <a:off x="-1126218" y="373380"/>
-              <a:ext cx="15975118" cy="6111240"/>
+              <a:off x="1926134" y="-807720"/>
+              <a:ext cx="9120019" cy="8275436"/>
             </a:xfrm>
             <a:prstGeom prst="rect">
               <a:avLst/>
@@ -9897,10 +12425,10 @@
           </p:nvGrpSpPr>
           <p:grpSpPr>
             <a:xfrm>
-              <a:off x="2197991" y="1143000"/>
-              <a:ext cx="8814517" cy="4716746"/>
-              <a:chOff x="2672224" y="-1927079"/>
-              <a:chExt cx="8814517" cy="4716746"/>
+              <a:off x="2629228" y="1859280"/>
+              <a:ext cx="9216069" cy="4826685"/>
+              <a:chOff x="3149181" y="-1927079"/>
+              <a:chExt cx="9216069" cy="4826685"/>
             </a:xfrm>
           </p:grpSpPr>
           <p:grpSp>
@@ -9919,468 +12447,141 @@
             </p:nvGrpSpPr>
             <p:grpSpPr>
               <a:xfrm>
-                <a:off x="3393258" y="-1927079"/>
-                <a:ext cx="5906117" cy="4716746"/>
-                <a:chOff x="4079058" y="-1927079"/>
-                <a:chExt cx="5906117" cy="4716746"/>
+                <a:off x="3149181" y="1345560"/>
+                <a:ext cx="5900548" cy="1554046"/>
+                <a:chOff x="3834981" y="1345560"/>
+                <a:chExt cx="5900548" cy="1554046"/>
               </a:xfrm>
             </p:grpSpPr>
-            <p:grpSp>
-              <p:nvGrpSpPr>
-                <p:cNvPr id="8" name="Group 7">
-                  <a:extLst>
-                    <a:ext uri="{FF2B5EF4-FFF2-40B4-BE49-F238E27FC236}">
-                      <a16:creationId xmlns:a16="http://schemas.microsoft.com/office/drawing/2014/main" id="{1CA4DECC-FE30-A599-E46A-791B85ACDA99}"/>
-                    </a:ext>
-                  </a:extLst>
-                </p:cNvPr>
-                <p:cNvGrpSpPr>
-                  <a:grpSpLocks/>
-                </p:cNvGrpSpPr>
-                <p:nvPr/>
-              </p:nvGrpSpPr>
-              <p:grpSpPr>
-                <a:xfrm>
-                  <a:off x="4079058" y="-1927079"/>
-                  <a:ext cx="5906117" cy="3753731"/>
-                  <a:chOff x="4079058" y="-1818927"/>
-                  <a:chExt cx="5906117" cy="3753731"/>
-                </a:xfrm>
-              </p:grpSpPr>
-              <p:sp>
-                <p:nvSpPr>
-                  <p:cNvPr id="12" name="TextBox 11">
-                    <a:extLst>
-                      <a:ext uri="{FF2B5EF4-FFF2-40B4-BE49-F238E27FC236}">
-                        <a16:creationId xmlns:a16="http://schemas.microsoft.com/office/drawing/2014/main" id="{39EC7B0A-6434-91B5-969A-A28B9F01E614}"/>
-                      </a:ext>
-                    </a:extLst>
-                  </p:cNvPr>
-                  <p:cNvSpPr txBox="1">
-                    <a:spLocks/>
-                  </p:cNvSpPr>
-                  <p:nvPr/>
-                </p:nvSpPr>
-                <p:spPr>
-                  <a:xfrm>
-                    <a:off x="9039298" y="-311647"/>
-                    <a:ext cx="317716" cy="369332"/>
-                  </a:xfrm>
-                  <a:prstGeom prst="rect">
-                    <a:avLst/>
-                  </a:prstGeom>
-                  <a:noFill/>
-                </p:spPr>
-                <p:txBody>
-                  <a:bodyPr wrap="none" rtlCol="0">
-                    <a:spAutoFit/>
-                  </a:bodyPr>
-                  <a:lstStyle/>
-                  <a:p>
-                    <a:r>
-                      <a:rPr lang="nb-NO" dirty="0"/>
-                      <a:t>P</a:t>
-                    </a:r>
-                    <a:endParaRPr lang="en-GB" dirty="0"/>
-                  </a:p>
-                </p:txBody>
-              </p:sp>
-              <p:sp>
-                <p:nvSpPr>
-                  <p:cNvPr id="13" name="TextBox 12">
-                    <a:extLst>
-                      <a:ext uri="{FF2B5EF4-FFF2-40B4-BE49-F238E27FC236}">
-                        <a16:creationId xmlns:a16="http://schemas.microsoft.com/office/drawing/2014/main" id="{87AA94D3-FF77-AD7E-E174-C3DDC2CA7669}"/>
-                      </a:ext>
-                    </a:extLst>
-                  </p:cNvPr>
-                  <p:cNvSpPr txBox="1">
-                    <a:spLocks/>
-                  </p:cNvSpPr>
-                  <p:nvPr/>
-                </p:nvSpPr>
-                <p:spPr>
-                  <a:xfrm>
-                    <a:off x="9689901" y="-301794"/>
-                    <a:ext cx="295274" cy="369332"/>
-                  </a:xfrm>
-                  <a:prstGeom prst="rect">
-                    <a:avLst/>
-                  </a:prstGeom>
-                  <a:noFill/>
-                </p:spPr>
-                <p:txBody>
-                  <a:bodyPr wrap="none" rtlCol="0">
-                    <a:spAutoFit/>
-                  </a:bodyPr>
-                  <a:lstStyle/>
-                  <a:p>
-                    <a:r>
-                      <a:rPr lang="nb-NO" dirty="0"/>
-                      <a:t>T</a:t>
-                    </a:r>
-                    <a:endParaRPr lang="en-GB" dirty="0"/>
-                  </a:p>
-                </p:txBody>
-              </p:sp>
-              <p:sp>
-                <p:nvSpPr>
-                  <p:cNvPr id="14" name="TextBox 13">
-                    <a:extLst>
-                      <a:ext uri="{FF2B5EF4-FFF2-40B4-BE49-F238E27FC236}">
-                        <a16:creationId xmlns:a16="http://schemas.microsoft.com/office/drawing/2014/main" id="{0A1CDF07-3C19-C49E-73C4-B14342990293}"/>
-                      </a:ext>
-                    </a:extLst>
-                  </p:cNvPr>
-                  <p:cNvSpPr txBox="1">
-                    <a:spLocks/>
-                  </p:cNvSpPr>
-                  <p:nvPr/>
-                </p:nvSpPr>
-                <p:spPr>
-                  <a:xfrm>
-                    <a:off x="9039298" y="-1722305"/>
-                    <a:ext cx="320922" cy="369332"/>
-                  </a:xfrm>
-                  <a:prstGeom prst="rect">
-                    <a:avLst/>
-                  </a:prstGeom>
-                  <a:noFill/>
-                </p:spPr>
-                <p:txBody>
-                  <a:bodyPr wrap="none" rtlCol="0">
-                    <a:spAutoFit/>
-                  </a:bodyPr>
-                  <a:lstStyle/>
-                  <a:p>
-                    <a:r>
-                      <a:rPr lang="nb-NO" dirty="0"/>
-                      <a:t>A</a:t>
-                    </a:r>
-                    <a:endParaRPr lang="en-GB" dirty="0"/>
-                  </a:p>
-                </p:txBody>
-              </p:sp>
-              <p:sp>
-                <p:nvSpPr>
-                  <p:cNvPr id="15" name="TextBox 14">
-                    <a:extLst>
-                      <a:ext uri="{FF2B5EF4-FFF2-40B4-BE49-F238E27FC236}">
-                        <a16:creationId xmlns:a16="http://schemas.microsoft.com/office/drawing/2014/main" id="{482862CF-590C-9821-711B-D59027502040}"/>
-                      </a:ext>
-                    </a:extLst>
-                  </p:cNvPr>
-                  <p:cNvSpPr txBox="1">
-                    <a:spLocks/>
-                  </p:cNvSpPr>
-                  <p:nvPr/>
-                </p:nvSpPr>
-                <p:spPr>
-                  <a:xfrm>
-                    <a:off x="9661047" y="-1712760"/>
-                    <a:ext cx="324128" cy="369332"/>
-                  </a:xfrm>
-                  <a:prstGeom prst="rect">
-                    <a:avLst/>
-                  </a:prstGeom>
-                  <a:noFill/>
-                </p:spPr>
-                <p:txBody>
-                  <a:bodyPr wrap="none" rtlCol="0">
-                    <a:spAutoFit/>
-                  </a:bodyPr>
-                  <a:lstStyle/>
-                  <a:p>
-                    <a:r>
-                      <a:rPr lang="nb-NO" dirty="0"/>
-                      <a:t>B</a:t>
-                    </a:r>
-                    <a:endParaRPr lang="en-GB" dirty="0"/>
-                  </a:p>
-                </p:txBody>
-              </p:sp>
-              <mc:AlternateContent xmlns:mc="http://schemas.openxmlformats.org/markup-compatibility/2006">
-                <mc:Choice xmlns:a14="http://schemas.microsoft.com/office/drawing/2010/main" Requires="a14">
-                  <p:sp>
-                    <p:nvSpPr>
-                      <p:cNvPr id="16" name="TextBox 15">
-                        <a:extLst>
-                          <a:ext uri="{FF2B5EF4-FFF2-40B4-BE49-F238E27FC236}">
-                            <a16:creationId xmlns:a16="http://schemas.microsoft.com/office/drawing/2014/main" id="{91A569AB-512E-D0EF-6761-5EEF14769767}"/>
-                          </a:ext>
-                        </a:extLst>
-                      </p:cNvPr>
-                      <p:cNvSpPr txBox="1">
-                        <a:spLocks/>
-                      </p:cNvSpPr>
-                      <p:nvPr/>
-                    </p:nvSpPr>
-                    <p:spPr>
-                      <a:xfrm>
-                        <a:off x="4079058" y="1565472"/>
-                        <a:ext cx="597279" cy="369332"/>
-                      </a:xfrm>
-                      <a:prstGeom prst="rect">
-                        <a:avLst/>
-                      </a:prstGeom>
-                      <a:noFill/>
-                    </p:spPr>
-                    <p:txBody>
-                      <a:bodyPr wrap="none" rtlCol="0">
-                        <a:spAutoFit/>
-                      </a:bodyPr>
-                      <a:lstStyle/>
-                      <a:p>
-                        <a:pPr/>
-                        <a14:m>
-                          <m:oMathPara xmlns:m="http://schemas.openxmlformats.org/officeDocument/2006/math">
-                            <m:oMathParaPr>
-                              <m:jc m:val="centerGroup"/>
-                            </m:oMathParaPr>
-                            <m:oMath xmlns:m="http://schemas.openxmlformats.org/officeDocument/2006/math">
-                              <m:r>
-                                <a:rPr lang="nb-NO" sz="1800" b="0" i="1" smtClean="0">
-                                  <a:latin typeface="Cambria Math" panose="02040503050406030204" pitchFamily="18" charset="0"/>
-                                  <a:ea typeface="Cambria Math" panose="02040503050406030204" pitchFamily="18" charset="0"/>
-                                </a:rPr>
-                                <m:t>∆</m:t>
-                              </m:r>
-                              <m:sSub>
-                                <m:sSubPr>
-                                  <m:ctrlPr>
-                                    <a:rPr lang="nb-NO" sz="1800" b="0" i="1" smtClean="0">
-                                      <a:latin typeface="Cambria Math" panose="02040503050406030204" pitchFamily="18" charset="0"/>
-                                      <a:ea typeface="Cambria Math" panose="02040503050406030204" pitchFamily="18" charset="0"/>
-                                    </a:rPr>
-                                  </m:ctrlPr>
-                                </m:sSubPr>
-                                <m:e>
-                                  <m:r>
-                                    <a:rPr lang="nb-NO" sz="1800" b="0" i="1" smtClean="0">
-                                      <a:latin typeface="Cambria Math" panose="02040503050406030204" pitchFamily="18" charset="0"/>
-                                      <a:ea typeface="Cambria Math" panose="02040503050406030204" pitchFamily="18" charset="0"/>
-                                    </a:rPr>
-                                    <m:t>𝑝</m:t>
-                                  </m:r>
-                                </m:e>
-                                <m:sub>
-                                  <m:r>
-                                    <a:rPr lang="nb-NO" sz="1800" b="0" i="1" smtClean="0">
-                                      <a:latin typeface="Cambria Math" panose="02040503050406030204" pitchFamily="18" charset="0"/>
-                                      <a:ea typeface="Cambria Math" panose="02040503050406030204" pitchFamily="18" charset="0"/>
-                                    </a:rPr>
-                                    <m:t>0</m:t>
-                                  </m:r>
-                                </m:sub>
-                              </m:sSub>
-                            </m:oMath>
-                          </m:oMathPara>
-                        </a14:m>
-                        <a:endParaRPr lang="en-GB" dirty="0"/>
-                      </a:p>
-                    </p:txBody>
-                  </p:sp>
-                </mc:Choice>
-                <mc:Fallback>
-                  <p:sp>
-                    <p:nvSpPr>
-                      <p:cNvPr id="16" name="TextBox 15">
-                        <a:extLst>
-                          <a:ext uri="{FF2B5EF4-FFF2-40B4-BE49-F238E27FC236}">
-                            <a16:creationId xmlns:a16="http://schemas.microsoft.com/office/drawing/2014/main" id="{91A569AB-512E-D0EF-6761-5EEF14769767}"/>
-                          </a:ext>
-                        </a:extLst>
-                      </p:cNvPr>
-                      <p:cNvSpPr txBox="1">
-                        <a:spLocks noRot="1" noChangeAspect="1" noMove="1" noResize="1" noEditPoints="1" noAdjustHandles="1" noChangeArrowheads="1" noChangeShapeType="1" noTextEdit="1"/>
-                      </p:cNvSpPr>
-                      <p:nvPr/>
-                    </p:nvSpPr>
-                    <p:spPr>
-                      <a:xfrm>
-                        <a:off x="4079058" y="1565472"/>
-                        <a:ext cx="597279" cy="369332"/>
-                      </a:xfrm>
-                      <a:prstGeom prst="rect">
-                        <a:avLst/>
-                      </a:prstGeom>
-                      <a:blipFill>
-                        <a:blip r:embed="rId3"/>
-                        <a:stretch>
-                          <a:fillRect b="-6667"/>
-                        </a:stretch>
-                      </a:blipFill>
-                    </p:spPr>
-                    <p:txBody>
-                      <a:bodyPr/>
-                      <a:lstStyle/>
-                      <a:p>
-                        <a:r>
-                          <a:rPr lang="en-GB">
-                            <a:noFill/>
-                          </a:rPr>
-                          <a:t> </a:t>
-                        </a:r>
-                      </a:p>
-                    </p:txBody>
-                  </p:sp>
-                </mc:Fallback>
-              </mc:AlternateContent>
-              <p:sp>
-                <p:nvSpPr>
-                  <p:cNvPr id="17" name="TextBox 16">
-                    <a:extLst>
-                      <a:ext uri="{FF2B5EF4-FFF2-40B4-BE49-F238E27FC236}">
-                        <a16:creationId xmlns:a16="http://schemas.microsoft.com/office/drawing/2014/main" id="{FE0CFF18-B017-BACF-A7E7-799A5F5CFF5A}"/>
-                      </a:ext>
-                    </a:extLst>
-                  </p:cNvPr>
-                  <p:cNvSpPr txBox="1">
-                    <a:spLocks/>
-                  </p:cNvSpPr>
-                  <p:nvPr/>
-                </p:nvSpPr>
-                <p:spPr>
-                  <a:xfrm>
-                    <a:off x="5664327" y="-301794"/>
-                    <a:ext cx="317716" cy="369332"/>
-                  </a:xfrm>
-                  <a:prstGeom prst="rect">
-                    <a:avLst/>
-                  </a:prstGeom>
-                  <a:noFill/>
-                </p:spPr>
-                <p:txBody>
-                  <a:bodyPr wrap="none" rtlCol="0">
-                    <a:spAutoFit/>
-                  </a:bodyPr>
-                  <a:lstStyle/>
-                  <a:p>
-                    <a:r>
-                      <a:rPr lang="nb-NO"/>
-                      <a:t>P</a:t>
-                    </a:r>
-                    <a:endParaRPr lang="en-GB"/>
-                  </a:p>
-                </p:txBody>
-              </p:sp>
-              <p:sp>
-                <p:nvSpPr>
-                  <p:cNvPr id="18" name="TextBox 17">
-                    <a:extLst>
-                      <a:ext uri="{FF2B5EF4-FFF2-40B4-BE49-F238E27FC236}">
-                        <a16:creationId xmlns:a16="http://schemas.microsoft.com/office/drawing/2014/main" id="{1F359FA6-E162-9EBE-63DF-6226584EACC1}"/>
-                      </a:ext>
-                    </a:extLst>
-                  </p:cNvPr>
-                  <p:cNvSpPr txBox="1">
-                    <a:spLocks/>
-                  </p:cNvSpPr>
-                  <p:nvPr/>
-                </p:nvSpPr>
-                <p:spPr>
-                  <a:xfrm>
-                    <a:off x="6319863" y="-301794"/>
-                    <a:ext cx="295274" cy="369332"/>
-                  </a:xfrm>
-                  <a:prstGeom prst="rect">
-                    <a:avLst/>
-                  </a:prstGeom>
-                  <a:noFill/>
-                </p:spPr>
-                <p:txBody>
-                  <a:bodyPr wrap="none" rtlCol="0">
-                    <a:spAutoFit/>
-                  </a:bodyPr>
-                  <a:lstStyle/>
-                  <a:p>
-                    <a:r>
-                      <a:rPr lang="nb-NO"/>
-                      <a:t>T</a:t>
-                    </a:r>
-                    <a:endParaRPr lang="en-GB"/>
-                  </a:p>
-                </p:txBody>
-              </p:sp>
-              <p:sp>
-                <p:nvSpPr>
-                  <p:cNvPr id="19" name="TextBox 18">
-                    <a:extLst>
-                      <a:ext uri="{FF2B5EF4-FFF2-40B4-BE49-F238E27FC236}">
-                        <a16:creationId xmlns:a16="http://schemas.microsoft.com/office/drawing/2014/main" id="{FA2985AC-2010-4608-387F-23239F882E98}"/>
-                      </a:ext>
-                    </a:extLst>
-                  </p:cNvPr>
-                  <p:cNvSpPr txBox="1">
-                    <a:spLocks/>
-                  </p:cNvSpPr>
-                  <p:nvPr/>
-                </p:nvSpPr>
-                <p:spPr>
-                  <a:xfrm>
-                    <a:off x="5675750" y="-1818927"/>
-                    <a:ext cx="320922" cy="369332"/>
-                  </a:xfrm>
-                  <a:prstGeom prst="rect">
-                    <a:avLst/>
-                  </a:prstGeom>
-                  <a:noFill/>
-                </p:spPr>
-                <p:txBody>
-                  <a:bodyPr wrap="none" rtlCol="0">
-                    <a:spAutoFit/>
-                  </a:bodyPr>
-                  <a:lstStyle/>
-                  <a:p>
-                    <a:r>
-                      <a:rPr lang="nb-NO"/>
-                      <a:t>A</a:t>
-                    </a:r>
-                    <a:endParaRPr lang="en-GB"/>
-                  </a:p>
-                </p:txBody>
-              </p:sp>
-              <p:sp>
-                <p:nvSpPr>
-                  <p:cNvPr id="20" name="TextBox 19">
-                    <a:extLst>
-                      <a:ext uri="{FF2B5EF4-FFF2-40B4-BE49-F238E27FC236}">
-                        <a16:creationId xmlns:a16="http://schemas.microsoft.com/office/drawing/2014/main" id="{51390965-D9BA-8D96-FF77-810111EA3E9F}"/>
-                      </a:ext>
-                    </a:extLst>
-                  </p:cNvPr>
-                  <p:cNvSpPr txBox="1">
-                    <a:spLocks/>
-                  </p:cNvSpPr>
-                  <p:nvPr/>
-                </p:nvSpPr>
-                <p:spPr>
-                  <a:xfrm>
-                    <a:off x="6291009" y="-1818927"/>
-                    <a:ext cx="324128" cy="369332"/>
-                  </a:xfrm>
-                  <a:prstGeom prst="rect">
-                    <a:avLst/>
-                  </a:prstGeom>
-                  <a:noFill/>
-                </p:spPr>
-                <p:txBody>
-                  <a:bodyPr wrap="none" rtlCol="0">
-                    <a:spAutoFit/>
-                  </a:bodyPr>
-                  <a:lstStyle/>
-                  <a:p>
-                    <a:r>
-                      <a:rPr lang="nb-NO"/>
-                      <a:t>B</a:t>
-                    </a:r>
-                    <a:endParaRPr lang="en-GB"/>
-                  </a:p>
-                </p:txBody>
-              </p:sp>
-            </p:grpSp>
-            <mc:AlternateContent xmlns:mc="http://schemas.openxmlformats.org/markup-compatibility/2006">
-              <mc:Choice xmlns:a14="http://schemas.microsoft.com/office/drawing/2010/main" Requires="a14">
+            <mc:AlternateContent xmlns:mc="http://schemas.openxmlformats.org/markup-compatibility/2006" xmlns:a14="http://schemas.microsoft.com/office/drawing/2010/main">
+              <mc:Choice Requires="a14">
+                <p:sp>
+                  <p:nvSpPr>
+                    <p:cNvPr id="16" name="TextBox 15">
+                      <a:extLst>
+                        <a:ext uri="{FF2B5EF4-FFF2-40B4-BE49-F238E27FC236}">
+                          <a16:creationId xmlns:a16="http://schemas.microsoft.com/office/drawing/2014/main" id="{91A569AB-512E-D0EF-6761-5EEF14769767}"/>
+                        </a:ext>
+                      </a:extLst>
+                    </p:cNvPr>
+                    <p:cNvSpPr txBox="1">
+                      <a:spLocks/>
+                    </p:cNvSpPr>
+                    <p:nvPr/>
+                  </p:nvSpPr>
+                  <p:spPr>
+                    <a:xfrm>
+                      <a:off x="3834981" y="1345560"/>
+                      <a:ext cx="835742" cy="523220"/>
+                    </a:xfrm>
+                    <a:prstGeom prst="rect">
+                      <a:avLst/>
+                    </a:prstGeom>
+                    <a:noFill/>
+                  </p:spPr>
+                  <p:txBody>
+                    <a:bodyPr wrap="none" rtlCol="0">
+                      <a:spAutoFit/>
+                    </a:bodyPr>
+                    <a:lstStyle/>
+                    <a:p>
+                      <a:pPr/>
+                      <a14:m>
+                        <m:oMathPara xmlns:m="http://schemas.openxmlformats.org/officeDocument/2006/math">
+                          <m:oMathParaPr>
+                            <m:jc m:val="centerGroup"/>
+                          </m:oMathParaPr>
+                          <m:oMath xmlns:m="http://schemas.openxmlformats.org/officeDocument/2006/math">
+                            <m:r>
+                              <a:rPr lang="nb-NO" sz="2800" b="0" i="1" smtClean="0">
+                                <a:latin typeface="Cambria Math" panose="02040503050406030204" pitchFamily="18" charset="0"/>
+                                <a:ea typeface="Cambria Math" panose="02040503050406030204" pitchFamily="18" charset="0"/>
+                              </a:rPr>
+                              <m:t>∆</m:t>
+                            </m:r>
+                            <m:sSub>
+                              <m:sSubPr>
+                                <m:ctrlPr>
+                                  <a:rPr lang="nb-NO" sz="2800" b="0" i="1" smtClean="0">
+                                    <a:latin typeface="Cambria Math" panose="02040503050406030204" pitchFamily="18" charset="0"/>
+                                    <a:ea typeface="Cambria Math" panose="02040503050406030204" pitchFamily="18" charset="0"/>
+                                  </a:rPr>
+                                </m:ctrlPr>
+                              </m:sSubPr>
+                              <m:e>
+                                <m:r>
+                                  <a:rPr lang="nb-NO" sz="2800" b="0" i="1" smtClean="0">
+                                    <a:latin typeface="Cambria Math" panose="02040503050406030204" pitchFamily="18" charset="0"/>
+                                    <a:ea typeface="Cambria Math" panose="02040503050406030204" pitchFamily="18" charset="0"/>
+                                  </a:rPr>
+                                  <m:t>𝑝</m:t>
+                                </m:r>
+                              </m:e>
+                              <m:sub>
+                                <m:r>
+                                  <a:rPr lang="nb-NO" sz="2800" b="0" i="1" smtClean="0">
+                                    <a:latin typeface="Cambria Math" panose="02040503050406030204" pitchFamily="18" charset="0"/>
+                                    <a:ea typeface="Cambria Math" panose="02040503050406030204" pitchFamily="18" charset="0"/>
+                                  </a:rPr>
+                                  <m:t>0</m:t>
+                                </m:r>
+                              </m:sub>
+                            </m:sSub>
+                          </m:oMath>
+                        </m:oMathPara>
+                      </a14:m>
+                      <a:endParaRPr lang="en-GB" sz="2800" dirty="0"/>
+                    </a:p>
+                  </p:txBody>
+                </p:sp>
+              </mc:Choice>
+              <mc:Fallback xmlns="">
+                <p:sp>
+                  <p:nvSpPr>
+                    <p:cNvPr id="16" name="TextBox 15">
+                      <a:extLst>
+                        <a:ext uri="{FF2B5EF4-FFF2-40B4-BE49-F238E27FC236}">
+                          <a16:creationId xmlns:a16="http://schemas.microsoft.com/office/drawing/2014/main" id="{91A569AB-512E-D0EF-6761-5EEF14769767}"/>
+                        </a:ext>
+                      </a:extLst>
+                    </p:cNvPr>
+                    <p:cNvSpPr txBox="1">
+                      <a:spLocks noRot="1" noChangeAspect="1" noMove="1" noResize="1" noEditPoints="1" noAdjustHandles="1" noChangeArrowheads="1" noChangeShapeType="1" noTextEdit="1"/>
+                    </p:cNvSpPr>
+                    <p:nvPr/>
+                  </p:nvSpPr>
+                  <p:spPr>
+                    <a:xfrm>
+                      <a:off x="3834981" y="1345560"/>
+                      <a:ext cx="835742" cy="523220"/>
+                    </a:xfrm>
+                    <a:prstGeom prst="rect">
+                      <a:avLst/>
+                    </a:prstGeom>
+                    <a:blipFill>
+                      <a:blip r:embed="rId3"/>
+                      <a:stretch>
+                        <a:fillRect/>
+                      </a:stretch>
+                    </a:blipFill>
+                  </p:spPr>
+                  <p:txBody>
+                    <a:bodyPr/>
+                    <a:lstStyle/>
+                    <a:p>
+                      <a:r>
+                        <a:rPr lang="en-GB">
+                          <a:noFill/>
+                        </a:rPr>
+                        <a:t> </a:t>
+                      </a:r>
+                    </a:p>
+                  </p:txBody>
+                </p:sp>
+              </mc:Fallback>
+            </mc:AlternateContent>
+            <mc:AlternateContent xmlns:mc="http://schemas.openxmlformats.org/markup-compatibility/2006" xmlns:a14="http://schemas.microsoft.com/office/drawing/2010/main">
+              <mc:Choice Requires="a14">
                 <p:sp>
                   <p:nvSpPr>
                     <p:cNvPr id="9" name="TextBox 8">
@@ -10397,8 +12598,8 @@
                   </p:nvSpPr>
                   <p:spPr>
                     <a:xfrm>
-                      <a:off x="5263497" y="2398406"/>
-                      <a:ext cx="934808" cy="391261"/>
+                      <a:off x="4990732" y="2342402"/>
+                      <a:ext cx="1363130" cy="557204"/>
                     </a:xfrm>
                     <a:prstGeom prst="rect">
                       <a:avLst/>
@@ -10421,7 +12622,7 @@
                             <m:sSub>
                               <m:sSubPr>
                                 <m:ctrlPr>
-                                  <a:rPr lang="nb-NO" sz="1800" b="0" i="1" smtClean="0">
+                                  <a:rPr lang="nb-NO" sz="2800" b="0" i="1" smtClean="0">
                                     <a:latin typeface="Cambria Math" panose="02040503050406030204" pitchFamily="18" charset="0"/>
                                     <a:ea typeface="Cambria Math" panose="02040503050406030204" pitchFamily="18" charset="0"/>
                                   </a:rPr>
@@ -10429,7 +12630,7 @@
                               </m:sSubPr>
                               <m:e>
                                 <m:r>
-                                  <a:rPr lang="nb-NO" sz="1800" b="0" i="1" smtClean="0">
+                                  <a:rPr lang="nb-NO" sz="2800" b="0" i="1" smtClean="0">
                                     <a:latin typeface="Cambria Math" panose="02040503050406030204" pitchFamily="18" charset="0"/>
                                     <a:ea typeface="Cambria Math" panose="02040503050406030204" pitchFamily="18" charset="0"/>
                                   </a:rPr>
@@ -10438,7 +12639,7 @@
                               </m:e>
                               <m:sub>
                                 <m:r>
-                                  <a:rPr lang="nb-NO" sz="1800" b="0" i="1" smtClean="0">
+                                  <a:rPr lang="nb-NO" sz="2800" b="0" i="1" smtClean="0">
                                     <a:latin typeface="Cambria Math" panose="02040503050406030204" pitchFamily="18" charset="0"/>
                                     <a:ea typeface="Cambria Math" panose="02040503050406030204" pitchFamily="18" charset="0"/>
                                   </a:rPr>
@@ -10449,12 +12650,12 @@
                           </m:oMath>
                         </m:oMathPara>
                       </a14:m>
-                      <a:endParaRPr lang="en-GB" dirty="0"/>
+                      <a:endParaRPr lang="en-GB" sz="2800" dirty="0"/>
                     </a:p>
                   </p:txBody>
                 </p:sp>
               </mc:Choice>
-              <mc:Fallback>
+              <mc:Fallback xmlns="">
                 <p:sp>
                   <p:nvSpPr>
                     <p:cNvPr id="9" name="TextBox 8">
@@ -10471,8 +12672,8 @@
                   </p:nvSpPr>
                   <p:spPr>
                     <a:xfrm>
-                      <a:off x="5263497" y="2398406"/>
-                      <a:ext cx="934808" cy="391261"/>
+                      <a:off x="4990732" y="2342402"/>
+                      <a:ext cx="1363130" cy="557204"/>
                     </a:xfrm>
                     <a:prstGeom prst="rect">
                       <a:avLst/>
@@ -10480,7 +12681,7 @@
                     <a:blipFill>
                       <a:blip r:embed="rId4"/>
                       <a:stretch>
-                        <a:fillRect b="-7813"/>
+                        <a:fillRect/>
                       </a:stretch>
                     </a:blipFill>
                   </p:spPr>
@@ -10499,8 +12700,8 @@
                 </p:sp>
               </mc:Fallback>
             </mc:AlternateContent>
-            <mc:AlternateContent xmlns:mc="http://schemas.openxmlformats.org/markup-compatibility/2006">
-              <mc:Choice xmlns:a14="http://schemas.microsoft.com/office/drawing/2010/main" Requires="a14">
+            <mc:AlternateContent xmlns:mc="http://schemas.openxmlformats.org/markup-compatibility/2006" xmlns:a14="http://schemas.microsoft.com/office/drawing/2010/main">
+              <mc:Choice Requires="a14">
                 <p:sp>
                   <p:nvSpPr>
                     <p:cNvPr id="10" name="TextBox 9">
@@ -10517,8 +12718,8 @@
                   </p:nvSpPr>
                   <p:spPr>
                     <a:xfrm>
-                      <a:off x="8616239" y="2372882"/>
-                      <a:ext cx="934808" cy="391261"/>
+                      <a:off x="8372399" y="2322082"/>
+                      <a:ext cx="1363130" cy="557204"/>
                     </a:xfrm>
                     <a:prstGeom prst="rect">
                       <a:avLst/>
@@ -10541,7 +12742,7 @@
                             <m:sSub>
                               <m:sSubPr>
                                 <m:ctrlPr>
-                                  <a:rPr lang="nb-NO" sz="1800" b="0" i="1" smtClean="0">
+                                  <a:rPr lang="nb-NO" sz="2800" b="0" i="1" smtClean="0">
                                     <a:latin typeface="Cambria Math" panose="02040503050406030204" pitchFamily="18" charset="0"/>
                                     <a:ea typeface="Cambria Math" panose="02040503050406030204" pitchFamily="18" charset="0"/>
                                   </a:rPr>
@@ -10549,7 +12750,7 @@
                               </m:sSubPr>
                               <m:e>
                                 <m:r>
-                                  <a:rPr lang="nb-NO" sz="1800" b="0" i="1" smtClean="0">
+                                  <a:rPr lang="nb-NO" sz="2800" b="0" i="1" smtClean="0">
                                     <a:latin typeface="Cambria Math" panose="02040503050406030204" pitchFamily="18" charset="0"/>
                                     <a:ea typeface="Cambria Math" panose="02040503050406030204" pitchFamily="18" charset="0"/>
                                   </a:rPr>
@@ -10558,7 +12759,7 @@
                               </m:e>
                               <m:sub>
                                 <m:r>
-                                  <a:rPr lang="nb-NO" sz="1800" b="0" i="1" smtClean="0">
+                                  <a:rPr lang="nb-NO" sz="2800" b="0" i="1" smtClean="0">
                                     <a:latin typeface="Cambria Math" panose="02040503050406030204" pitchFamily="18" charset="0"/>
                                     <a:ea typeface="Cambria Math" panose="02040503050406030204" pitchFamily="18" charset="0"/>
                                   </a:rPr>
@@ -10569,12 +12770,12 @@
                           </m:oMath>
                         </m:oMathPara>
                       </a14:m>
-                      <a:endParaRPr lang="en-GB" dirty="0"/>
+                      <a:endParaRPr lang="en-GB" sz="2800" dirty="0"/>
                     </a:p>
                   </p:txBody>
                 </p:sp>
               </mc:Choice>
-              <mc:Fallback>
+              <mc:Fallback xmlns="">
                 <p:sp>
                   <p:nvSpPr>
                     <p:cNvPr id="10" name="TextBox 9">
@@ -10591,8 +12792,8 @@
                   </p:nvSpPr>
                   <p:spPr>
                     <a:xfrm>
-                      <a:off x="8616239" y="2372882"/>
-                      <a:ext cx="934808" cy="391261"/>
+                      <a:off x="8372399" y="2322082"/>
+                      <a:ext cx="1363130" cy="557204"/>
                     </a:xfrm>
                     <a:prstGeom prst="rect">
                       <a:avLst/>
@@ -10600,7 +12801,7 @@
                     <a:blipFill>
                       <a:blip r:embed="rId5"/>
                       <a:stretch>
-                        <a:fillRect b="-7813"/>
+                        <a:fillRect/>
                       </a:stretch>
                     </a:blipFill>
                   </p:spPr>
@@ -10669,133 +12870,6 @@
               </a:p>
             </p:txBody>
           </p:sp>
-          <mc:AlternateContent xmlns:mc="http://schemas.openxmlformats.org/markup-compatibility/2006">
-            <mc:Choice xmlns:a14="http://schemas.microsoft.com/office/drawing/2010/main" Requires="a14">
-              <p:sp>
-                <p:nvSpPr>
-                  <p:cNvPr id="5" name="TextBox 4">
-                    <a:extLst>
-                      <a:ext uri="{FF2B5EF4-FFF2-40B4-BE49-F238E27FC236}">
-                        <a16:creationId xmlns:a16="http://schemas.microsoft.com/office/drawing/2014/main" id="{41326309-B27B-0371-9E20-9973D0D06538}"/>
-                      </a:ext>
-                    </a:extLst>
-                  </p:cNvPr>
-                  <p:cNvSpPr txBox="1">
-                    <a:spLocks/>
-                  </p:cNvSpPr>
-                  <p:nvPr/>
-                </p:nvSpPr>
-                <p:spPr>
-                  <a:xfrm>
-                    <a:off x="2672224" y="-1172555"/>
-                    <a:ext cx="597279" cy="369332"/>
-                  </a:xfrm>
-                  <a:prstGeom prst="rect">
-                    <a:avLst/>
-                  </a:prstGeom>
-                  <a:noFill/>
-                </p:spPr>
-                <p:txBody>
-                  <a:bodyPr wrap="none" rtlCol="0">
-                    <a:spAutoFit/>
-                  </a:bodyPr>
-                  <a:lstStyle/>
-                  <a:p>
-                    <a:pPr/>
-                    <a14:m>
-                      <m:oMathPara xmlns:m="http://schemas.openxmlformats.org/officeDocument/2006/math">
-                        <m:oMathParaPr>
-                          <m:jc m:val="centerGroup"/>
-                        </m:oMathParaPr>
-                        <m:oMath xmlns:m="http://schemas.openxmlformats.org/officeDocument/2006/math">
-                          <m:r>
-                            <a:rPr lang="nb-NO" sz="1800" b="0" i="1" smtClean="0">
-                              <a:latin typeface="Cambria Math" panose="02040503050406030204" pitchFamily="18" charset="0"/>
-                              <a:ea typeface="Cambria Math" panose="02040503050406030204" pitchFamily="18" charset="0"/>
-                            </a:rPr>
-                            <m:t>∆</m:t>
-                          </m:r>
-                          <m:sSub>
-                            <m:sSubPr>
-                              <m:ctrlPr>
-                                <a:rPr lang="nb-NO" sz="1800" b="0" i="1" smtClean="0">
-                                  <a:latin typeface="Cambria Math" panose="02040503050406030204" pitchFamily="18" charset="0"/>
-                                  <a:ea typeface="Cambria Math" panose="02040503050406030204" pitchFamily="18" charset="0"/>
-                                </a:rPr>
-                              </m:ctrlPr>
-                            </m:sSubPr>
-                            <m:e>
-                              <m:r>
-                                <a:rPr lang="nb-NO" sz="1800" b="0" i="1" smtClean="0">
-                                  <a:latin typeface="Cambria Math" panose="02040503050406030204" pitchFamily="18" charset="0"/>
-                                  <a:ea typeface="Cambria Math" panose="02040503050406030204" pitchFamily="18" charset="0"/>
-                                </a:rPr>
-                                <m:t>𝑝</m:t>
-                              </m:r>
-                            </m:e>
-                            <m:sub>
-                              <m:r>
-                                <a:rPr lang="nb-NO" sz="1800" b="0" i="1" smtClean="0">
-                                  <a:latin typeface="Cambria Math" panose="02040503050406030204" pitchFamily="18" charset="0"/>
-                                  <a:ea typeface="Cambria Math" panose="02040503050406030204" pitchFamily="18" charset="0"/>
-                                </a:rPr>
-                                <m:t>0</m:t>
-                              </m:r>
-                            </m:sub>
-                          </m:sSub>
-                        </m:oMath>
-                      </m:oMathPara>
-                    </a14:m>
-                    <a:endParaRPr lang="en-GB" dirty="0"/>
-                  </a:p>
-                </p:txBody>
-              </p:sp>
-            </mc:Choice>
-            <mc:Fallback>
-              <p:sp>
-                <p:nvSpPr>
-                  <p:cNvPr id="5" name="TextBox 4">
-                    <a:extLst>
-                      <a:ext uri="{FF2B5EF4-FFF2-40B4-BE49-F238E27FC236}">
-                        <a16:creationId xmlns:a16="http://schemas.microsoft.com/office/drawing/2014/main" id="{41326309-B27B-0371-9E20-9973D0D06538}"/>
-                      </a:ext>
-                    </a:extLst>
-                  </p:cNvPr>
-                  <p:cNvSpPr txBox="1">
-                    <a:spLocks noRot="1" noChangeAspect="1" noMove="1" noResize="1" noEditPoints="1" noAdjustHandles="1" noChangeArrowheads="1" noChangeShapeType="1" noTextEdit="1"/>
-                  </p:cNvSpPr>
-                  <p:nvPr/>
-                </p:nvSpPr>
-                <p:spPr>
-                  <a:xfrm>
-                    <a:off x="2672224" y="-1172555"/>
-                    <a:ext cx="597279" cy="369332"/>
-                  </a:xfrm>
-                  <a:prstGeom prst="rect">
-                    <a:avLst/>
-                  </a:prstGeom>
-                  <a:blipFill>
-                    <a:blip r:embed="rId6"/>
-                    <a:stretch>
-                      <a:fillRect b="-6557"/>
-                    </a:stretch>
-                  </a:blipFill>
-                </p:spPr>
-                <p:txBody>
-                  <a:bodyPr/>
-                  <a:lstStyle/>
-                  <a:p>
-                    <a:r>
-                      <a:rPr lang="en-GB">
-                        <a:noFill/>
-                      </a:rPr>
-                      <a:t> </a:t>
-                    </a:r>
-                  </a:p>
-                </p:txBody>
-              </p:sp>
-            </mc:Fallback>
-          </mc:AlternateContent>
           <p:sp>
             <p:nvSpPr>
               <p:cNvPr id="6" name="Left Brace 5">
@@ -10845,8 +12919,8 @@
               </a:p>
             </p:txBody>
           </p:sp>
-          <mc:AlternateContent xmlns:mc="http://schemas.openxmlformats.org/markup-compatibility/2006">
-            <mc:Choice xmlns:a14="http://schemas.microsoft.com/office/drawing/2010/main" Requires="a14">
+          <mc:AlternateContent xmlns:mc="http://schemas.openxmlformats.org/markup-compatibility/2006" xmlns:a14="http://schemas.microsoft.com/office/drawing/2010/main">
+            <mc:Choice Requires="a14">
               <p:sp>
                 <p:nvSpPr>
                   <p:cNvPr id="7" name="TextBox 6">
@@ -10864,7 +12938,7 @@
                 <p:spPr>
                   <a:xfrm>
                     <a:off x="10549497" y="-1172555"/>
-                    <a:ext cx="937244" cy="369332"/>
+                    <a:ext cx="1815753" cy="523220"/>
                   </a:xfrm>
                   <a:prstGeom prst="rect">
                     <a:avLst/>
@@ -10885,16 +12959,30 @@
                         </m:oMathParaPr>
                         <m:oMath xmlns:m="http://schemas.openxmlformats.org/officeDocument/2006/math">
                           <m:r>
-                            <a:rPr lang="nb-NO" sz="1800" b="0" i="1" smtClean="0">
+                            <a:rPr lang="nb-NO" sz="2800" i="1" smtClean="0">
                               <a:latin typeface="Cambria Math" panose="02040503050406030204" pitchFamily="18" charset="0"/>
                               <a:ea typeface="Cambria Math" panose="02040503050406030204" pitchFamily="18" charset="0"/>
                             </a:rPr>
                             <m:t>∆</m:t>
                           </m:r>
+                          <m:r>
+                            <a:rPr lang="nb-NO" sz="2800" b="0" i="1" smtClean="0">
+                              <a:latin typeface="Cambria Math" panose="02040503050406030204" pitchFamily="18" charset="0"/>
+                              <a:ea typeface="Cambria Math" panose="02040503050406030204" pitchFamily="18" charset="0"/>
+                            </a:rPr>
+                            <m:t>𝑝</m:t>
+                          </m:r>
+                          <m:r>
+                            <a:rPr lang="nb-NO" sz="2800" b="0" i="1" smtClean="0">
+                              <a:latin typeface="Cambria Math" panose="02040503050406030204" pitchFamily="18" charset="0"/>
+                              <a:ea typeface="Cambria Math" panose="02040503050406030204" pitchFamily="18" charset="0"/>
+                            </a:rPr>
+                            <m:t>=∆</m:t>
+                          </m:r>
                           <m:sSub>
                             <m:sSubPr>
                               <m:ctrlPr>
-                                <a:rPr lang="nb-NO" sz="1800" b="0" i="1" smtClean="0">
+                                <a:rPr lang="nb-NO" sz="2800" b="0" i="1" smtClean="0">
                                   <a:latin typeface="Cambria Math" panose="02040503050406030204" pitchFamily="18" charset="0"/>
                                   <a:ea typeface="Cambria Math" panose="02040503050406030204" pitchFamily="18" charset="0"/>
                                 </a:rPr>
@@ -10902,7 +12990,7 @@
                             </m:sSubPr>
                             <m:e>
                               <m:r>
-                                <a:rPr lang="nb-NO" sz="1800" b="0" i="1" smtClean="0">
+                                <a:rPr lang="nb-NO" sz="2800" b="0" i="1" smtClean="0">
                                   <a:latin typeface="Cambria Math" panose="02040503050406030204" pitchFamily="18" charset="0"/>
                                   <a:ea typeface="Cambria Math" panose="02040503050406030204" pitchFamily="18" charset="0"/>
                                 </a:rPr>
@@ -10911,23 +12999,23 @@
                             </m:e>
                             <m:sub>
                               <m:r>
-                                <a:rPr lang="nb-NO" sz="1800" b="0" i="1" smtClean="0">
+                                <a:rPr lang="nb-NO" sz="2800" b="0" i="1" smtClean="0">
                                   <a:latin typeface="Cambria Math" panose="02040503050406030204" pitchFamily="18" charset="0"/>
                                   <a:ea typeface="Cambria Math" panose="02040503050406030204" pitchFamily="18" charset="0"/>
                                 </a:rPr>
-                                <m:t>𝑚𝑒𝑎𝑠</m:t>
+                                <m:t>𝑚</m:t>
                               </m:r>
                             </m:sub>
                           </m:sSub>
                         </m:oMath>
                       </m:oMathPara>
                     </a14:m>
-                    <a:endParaRPr lang="en-GB" dirty="0"/>
+                    <a:endParaRPr lang="en-GB" sz="2800" dirty="0"/>
                   </a:p>
                 </p:txBody>
               </p:sp>
             </mc:Choice>
-            <mc:Fallback>
+            <mc:Fallback xmlns="">
               <p:sp>
                 <p:nvSpPr>
                   <p:cNvPr id="7" name="TextBox 6">
@@ -10945,15 +13033,15 @@
                 <p:spPr>
                   <a:xfrm>
                     <a:off x="10549497" y="-1172555"/>
-                    <a:ext cx="937244" cy="369332"/>
+                    <a:ext cx="1815753" cy="523220"/>
                   </a:xfrm>
                   <a:prstGeom prst="rect">
                     <a:avLst/>
                   </a:prstGeom>
                   <a:blipFill>
-                    <a:blip r:embed="rId7"/>
+                    <a:blip r:embed="rId6"/>
                     <a:stretch>
-                      <a:fillRect b="-6557"/>
+                      <a:fillRect/>
                     </a:stretch>
                   </a:blipFill>
                 </p:spPr>
@@ -10973,6 +13061,679 @@
             </mc:Fallback>
           </mc:AlternateContent>
         </p:grpSp>
+        <p:sp>
+          <p:nvSpPr>
+            <p:cNvPr id="24" name="TextBox 23">
+              <a:extLst>
+                <a:ext uri="{FF2B5EF4-FFF2-40B4-BE49-F238E27FC236}">
+                  <a16:creationId xmlns:a16="http://schemas.microsoft.com/office/drawing/2014/main" id="{A8845F44-05DF-DEFC-46D9-C5A9E1DDB2B3}"/>
+                </a:ext>
+              </a:extLst>
+            </p:cNvPr>
+            <p:cNvSpPr txBox="1">
+              <a:spLocks/>
+            </p:cNvSpPr>
+            <p:nvPr/>
+          </p:nvSpPr>
+          <p:spPr>
+            <a:xfrm>
+              <a:off x="6653688" y="4038738"/>
+              <a:ext cx="548455" cy="523220"/>
+            </a:xfrm>
+            <a:prstGeom prst="rect">
+              <a:avLst/>
+            </a:prstGeom>
+            <a:noFill/>
+          </p:spPr>
+          <p:txBody>
+            <a:bodyPr wrap="square" rtlCol="0">
+              <a:spAutoFit/>
+            </a:bodyPr>
+            <a:lstStyle/>
+            <a:p>
+              <a:r>
+                <a:rPr lang="nb-NO" sz="2800" dirty="0"/>
+                <a:t>P</a:t>
+              </a:r>
+              <a:endParaRPr lang="en-GB" sz="2800" dirty="0"/>
+            </a:p>
+          </p:txBody>
+        </p:sp>
+        <p:sp>
+          <p:nvSpPr>
+            <p:cNvPr id="27" name="TextBox 26">
+              <a:extLst>
+                <a:ext uri="{FF2B5EF4-FFF2-40B4-BE49-F238E27FC236}">
+                  <a16:creationId xmlns:a16="http://schemas.microsoft.com/office/drawing/2014/main" id="{628A3CA8-BA27-7E9A-DF68-10FB523DB94D}"/>
+                </a:ext>
+              </a:extLst>
+            </p:cNvPr>
+            <p:cNvSpPr txBox="1">
+              <a:spLocks/>
+            </p:cNvSpPr>
+            <p:nvPr/>
+          </p:nvSpPr>
+          <p:spPr>
+            <a:xfrm rot="10800000">
+              <a:off x="6908949" y="3650744"/>
+              <a:ext cx="548455" cy="523220"/>
+            </a:xfrm>
+            <a:prstGeom prst="rect">
+              <a:avLst/>
+            </a:prstGeom>
+            <a:noFill/>
+          </p:spPr>
+          <p:txBody>
+            <a:bodyPr wrap="square" rtlCol="0">
+              <a:spAutoFit/>
+            </a:bodyPr>
+            <a:lstStyle/>
+            <a:p>
+              <a:r>
+                <a:rPr lang="nb-NO" sz="2800" dirty="0"/>
+                <a:t>U</a:t>
+              </a:r>
+              <a:endParaRPr lang="en-GB" sz="2800" dirty="0"/>
+            </a:p>
+          </p:txBody>
+        </p:sp>
+        <p:sp>
+          <p:nvSpPr>
+            <p:cNvPr id="28" name="TextBox 27">
+              <a:extLst>
+                <a:ext uri="{FF2B5EF4-FFF2-40B4-BE49-F238E27FC236}">
+                  <a16:creationId xmlns:a16="http://schemas.microsoft.com/office/drawing/2014/main" id="{19366603-3CFD-C902-270D-B53778F0C0C8}"/>
+                </a:ext>
+              </a:extLst>
+            </p:cNvPr>
+            <p:cNvSpPr txBox="1">
+              <a:spLocks/>
+            </p:cNvSpPr>
+            <p:nvPr/>
+          </p:nvSpPr>
+          <p:spPr>
+            <a:xfrm>
+              <a:off x="6672654" y="1259364"/>
+              <a:ext cx="548455" cy="523220"/>
+            </a:xfrm>
+            <a:prstGeom prst="rect">
+              <a:avLst/>
+            </a:prstGeom>
+            <a:noFill/>
+          </p:spPr>
+          <p:txBody>
+            <a:bodyPr wrap="square" rtlCol="0">
+              <a:spAutoFit/>
+            </a:bodyPr>
+            <a:lstStyle/>
+            <a:p>
+              <a:r>
+                <a:rPr lang="nb-NO" sz="2800" dirty="0"/>
+                <a:t>P</a:t>
+              </a:r>
+              <a:endParaRPr lang="en-GB" sz="2800" dirty="0"/>
+            </a:p>
+          </p:txBody>
+        </p:sp>
+        <p:sp>
+          <p:nvSpPr>
+            <p:cNvPr id="29" name="TextBox 28">
+              <a:extLst>
+                <a:ext uri="{FF2B5EF4-FFF2-40B4-BE49-F238E27FC236}">
+                  <a16:creationId xmlns:a16="http://schemas.microsoft.com/office/drawing/2014/main" id="{AB42C683-F03C-F980-BF36-EBE5BFF92426}"/>
+                </a:ext>
+              </a:extLst>
+            </p:cNvPr>
+            <p:cNvSpPr txBox="1">
+              <a:spLocks/>
+            </p:cNvSpPr>
+            <p:nvPr/>
+          </p:nvSpPr>
+          <p:spPr>
+            <a:xfrm rot="10800000">
+              <a:off x="6927915" y="871370"/>
+              <a:ext cx="548455" cy="523220"/>
+            </a:xfrm>
+            <a:prstGeom prst="rect">
+              <a:avLst/>
+            </a:prstGeom>
+            <a:noFill/>
+          </p:spPr>
+          <p:txBody>
+            <a:bodyPr wrap="square" rtlCol="0">
+              <a:spAutoFit/>
+            </a:bodyPr>
+            <a:lstStyle/>
+            <a:p>
+              <a:r>
+                <a:rPr lang="nb-NO" sz="2800" dirty="0"/>
+                <a:t>U</a:t>
+              </a:r>
+              <a:endParaRPr lang="en-GB" sz="2800" dirty="0"/>
+            </a:p>
+          </p:txBody>
+        </p:sp>
+        <p:sp>
+          <p:nvSpPr>
+            <p:cNvPr id="30" name="TextBox 29">
+              <a:extLst>
+                <a:ext uri="{FF2B5EF4-FFF2-40B4-BE49-F238E27FC236}">
+                  <a16:creationId xmlns:a16="http://schemas.microsoft.com/office/drawing/2014/main" id="{D42C7460-390F-495A-8A1B-8F38D52BBD47}"/>
+                </a:ext>
+              </a:extLst>
+            </p:cNvPr>
+            <p:cNvSpPr txBox="1">
+              <a:spLocks/>
+            </p:cNvSpPr>
+            <p:nvPr/>
+          </p:nvSpPr>
+          <p:spPr>
+            <a:xfrm>
+              <a:off x="8731773" y="1276258"/>
+              <a:ext cx="548455" cy="523220"/>
+            </a:xfrm>
+            <a:prstGeom prst="rect">
+              <a:avLst/>
+            </a:prstGeom>
+            <a:noFill/>
+          </p:spPr>
+          <p:txBody>
+            <a:bodyPr wrap="square" rtlCol="0">
+              <a:spAutoFit/>
+            </a:bodyPr>
+            <a:lstStyle/>
+            <a:p>
+              <a:r>
+                <a:rPr lang="nb-NO" sz="2800" dirty="0"/>
+                <a:t>P</a:t>
+              </a:r>
+              <a:endParaRPr lang="en-GB" sz="2800" dirty="0"/>
+            </a:p>
+          </p:txBody>
+        </p:sp>
+        <p:sp>
+          <p:nvSpPr>
+            <p:cNvPr id="31" name="TextBox 30">
+              <a:extLst>
+                <a:ext uri="{FF2B5EF4-FFF2-40B4-BE49-F238E27FC236}">
+                  <a16:creationId xmlns:a16="http://schemas.microsoft.com/office/drawing/2014/main" id="{765B9329-B45C-AE6F-9818-2AA88DEA8637}"/>
+                </a:ext>
+              </a:extLst>
+            </p:cNvPr>
+            <p:cNvSpPr txBox="1">
+              <a:spLocks/>
+            </p:cNvSpPr>
+            <p:nvPr/>
+          </p:nvSpPr>
+          <p:spPr>
+            <a:xfrm rot="10800000">
+              <a:off x="8987034" y="888264"/>
+              <a:ext cx="548455" cy="523220"/>
+            </a:xfrm>
+            <a:prstGeom prst="rect">
+              <a:avLst/>
+            </a:prstGeom>
+            <a:noFill/>
+          </p:spPr>
+          <p:txBody>
+            <a:bodyPr wrap="square" rtlCol="0">
+              <a:spAutoFit/>
+            </a:bodyPr>
+            <a:lstStyle/>
+            <a:p>
+              <a:r>
+                <a:rPr lang="nb-NO" sz="2800" dirty="0"/>
+                <a:t>U</a:t>
+              </a:r>
+              <a:endParaRPr lang="en-GB" sz="2800" dirty="0"/>
+            </a:p>
+          </p:txBody>
+        </p:sp>
+        <p:sp>
+          <p:nvSpPr>
+            <p:cNvPr id="32" name="TextBox 31">
+              <a:extLst>
+                <a:ext uri="{FF2B5EF4-FFF2-40B4-BE49-F238E27FC236}">
+                  <a16:creationId xmlns:a16="http://schemas.microsoft.com/office/drawing/2014/main" id="{E7E55E99-AEF3-58C7-ACE6-160EE1FA9CC7}"/>
+                </a:ext>
+              </a:extLst>
+            </p:cNvPr>
+            <p:cNvSpPr txBox="1">
+              <a:spLocks/>
+            </p:cNvSpPr>
+            <p:nvPr/>
+          </p:nvSpPr>
+          <p:spPr>
+            <a:xfrm>
+              <a:off x="7796839" y="3299469"/>
+              <a:ext cx="548455" cy="523220"/>
+            </a:xfrm>
+            <a:prstGeom prst="rect">
+              <a:avLst/>
+            </a:prstGeom>
+            <a:noFill/>
+          </p:spPr>
+          <p:txBody>
+            <a:bodyPr wrap="square" rtlCol="0">
+              <a:spAutoFit/>
+            </a:bodyPr>
+            <a:lstStyle/>
+            <a:p>
+              <a:r>
+                <a:rPr lang="nb-NO" sz="2800" dirty="0"/>
+                <a:t>P</a:t>
+              </a:r>
+              <a:endParaRPr lang="en-GB" sz="2800" dirty="0"/>
+            </a:p>
+          </p:txBody>
+        </p:sp>
+        <p:sp>
+          <p:nvSpPr>
+            <p:cNvPr id="33" name="TextBox 32">
+              <a:extLst>
+                <a:ext uri="{FF2B5EF4-FFF2-40B4-BE49-F238E27FC236}">
+                  <a16:creationId xmlns:a16="http://schemas.microsoft.com/office/drawing/2014/main" id="{00A4CF6E-0B97-8915-6313-86BCA05A21C1}"/>
+                </a:ext>
+              </a:extLst>
+            </p:cNvPr>
+            <p:cNvSpPr txBox="1">
+              <a:spLocks/>
+            </p:cNvSpPr>
+            <p:nvPr/>
+          </p:nvSpPr>
+          <p:spPr>
+            <a:xfrm>
+              <a:off x="8410501" y="3299469"/>
+              <a:ext cx="548455" cy="523220"/>
+            </a:xfrm>
+            <a:prstGeom prst="rect">
+              <a:avLst/>
+            </a:prstGeom>
+            <a:noFill/>
+          </p:spPr>
+          <p:txBody>
+            <a:bodyPr wrap="square" rtlCol="0">
+              <a:spAutoFit/>
+            </a:bodyPr>
+            <a:lstStyle/>
+            <a:p>
+              <a:r>
+                <a:rPr lang="nb-NO" sz="2800" dirty="0"/>
+                <a:t>T</a:t>
+              </a:r>
+              <a:endParaRPr lang="en-GB" sz="2800" dirty="0"/>
+            </a:p>
+          </p:txBody>
+        </p:sp>
+        <p:sp>
+          <p:nvSpPr>
+            <p:cNvPr id="34" name="TextBox 33">
+              <a:extLst>
+                <a:ext uri="{FF2B5EF4-FFF2-40B4-BE49-F238E27FC236}">
+                  <a16:creationId xmlns:a16="http://schemas.microsoft.com/office/drawing/2014/main" id="{31A81EAB-18F2-9C28-1FF7-52F24B35C34A}"/>
+                </a:ext>
+              </a:extLst>
+            </p:cNvPr>
+            <p:cNvSpPr txBox="1">
+              <a:spLocks/>
+            </p:cNvSpPr>
+            <p:nvPr/>
+          </p:nvSpPr>
+          <p:spPr>
+            <a:xfrm>
+              <a:off x="7796839" y="1868921"/>
+              <a:ext cx="548455" cy="523220"/>
+            </a:xfrm>
+            <a:prstGeom prst="rect">
+              <a:avLst/>
+            </a:prstGeom>
+            <a:noFill/>
+          </p:spPr>
+          <p:txBody>
+            <a:bodyPr wrap="square" rtlCol="0">
+              <a:spAutoFit/>
+            </a:bodyPr>
+            <a:lstStyle/>
+            <a:p>
+              <a:r>
+                <a:rPr lang="nb-NO" sz="2800" dirty="0"/>
+                <a:t>A</a:t>
+              </a:r>
+              <a:endParaRPr lang="en-GB" sz="2800" dirty="0"/>
+            </a:p>
+          </p:txBody>
+        </p:sp>
+        <p:sp>
+          <p:nvSpPr>
+            <p:cNvPr id="35" name="TextBox 34">
+              <a:extLst>
+                <a:ext uri="{FF2B5EF4-FFF2-40B4-BE49-F238E27FC236}">
+                  <a16:creationId xmlns:a16="http://schemas.microsoft.com/office/drawing/2014/main" id="{6F0651C5-066C-AE42-1969-C8FC51D035FB}"/>
+                </a:ext>
+              </a:extLst>
+            </p:cNvPr>
+            <p:cNvSpPr txBox="1">
+              <a:spLocks/>
+            </p:cNvSpPr>
+            <p:nvPr/>
+          </p:nvSpPr>
+          <p:spPr>
+            <a:xfrm>
+              <a:off x="8410501" y="1868921"/>
+              <a:ext cx="548455" cy="523220"/>
+            </a:xfrm>
+            <a:prstGeom prst="rect">
+              <a:avLst/>
+            </a:prstGeom>
+            <a:noFill/>
+          </p:spPr>
+          <p:txBody>
+            <a:bodyPr wrap="square" rtlCol="0">
+              <a:spAutoFit/>
+            </a:bodyPr>
+            <a:lstStyle/>
+            <a:p>
+              <a:r>
+                <a:rPr lang="nb-NO" sz="2800" dirty="0"/>
+                <a:t>B</a:t>
+              </a:r>
+              <a:endParaRPr lang="en-GB" sz="2800" dirty="0"/>
+            </a:p>
+          </p:txBody>
+        </p:sp>
+        <p:sp>
+          <p:nvSpPr>
+            <p:cNvPr id="36" name="TextBox 35">
+              <a:extLst>
+                <a:ext uri="{FF2B5EF4-FFF2-40B4-BE49-F238E27FC236}">
+                  <a16:creationId xmlns:a16="http://schemas.microsoft.com/office/drawing/2014/main" id="{DC1CE7F9-1BA9-5298-B179-7C43AB8CA779}"/>
+                </a:ext>
+              </a:extLst>
+            </p:cNvPr>
+            <p:cNvSpPr txBox="1">
+              <a:spLocks/>
+            </p:cNvSpPr>
+            <p:nvPr/>
+          </p:nvSpPr>
+          <p:spPr>
+            <a:xfrm>
+              <a:off x="4430698" y="3299469"/>
+              <a:ext cx="548455" cy="523220"/>
+            </a:xfrm>
+            <a:prstGeom prst="rect">
+              <a:avLst/>
+            </a:prstGeom>
+            <a:noFill/>
+          </p:spPr>
+          <p:txBody>
+            <a:bodyPr wrap="square" rtlCol="0">
+              <a:spAutoFit/>
+            </a:bodyPr>
+            <a:lstStyle/>
+            <a:p>
+              <a:r>
+                <a:rPr lang="nb-NO" sz="2800" dirty="0"/>
+                <a:t>P</a:t>
+              </a:r>
+              <a:endParaRPr lang="en-GB" sz="2800" dirty="0"/>
+            </a:p>
+          </p:txBody>
+        </p:sp>
+        <p:sp>
+          <p:nvSpPr>
+            <p:cNvPr id="37" name="TextBox 36">
+              <a:extLst>
+                <a:ext uri="{FF2B5EF4-FFF2-40B4-BE49-F238E27FC236}">
+                  <a16:creationId xmlns:a16="http://schemas.microsoft.com/office/drawing/2014/main" id="{23FD8C3A-D13B-1F37-BC32-F7FCDB34C462}"/>
+                </a:ext>
+              </a:extLst>
+            </p:cNvPr>
+            <p:cNvSpPr txBox="1">
+              <a:spLocks/>
+            </p:cNvSpPr>
+            <p:nvPr/>
+          </p:nvSpPr>
+          <p:spPr>
+            <a:xfrm>
+              <a:off x="5044360" y="3299469"/>
+              <a:ext cx="548455" cy="523220"/>
+            </a:xfrm>
+            <a:prstGeom prst="rect">
+              <a:avLst/>
+            </a:prstGeom>
+            <a:noFill/>
+          </p:spPr>
+          <p:txBody>
+            <a:bodyPr wrap="square" rtlCol="0">
+              <a:spAutoFit/>
+            </a:bodyPr>
+            <a:lstStyle/>
+            <a:p>
+              <a:r>
+                <a:rPr lang="nb-NO" sz="2800" dirty="0"/>
+                <a:t>T</a:t>
+              </a:r>
+              <a:endParaRPr lang="en-GB" sz="2800" dirty="0"/>
+            </a:p>
+          </p:txBody>
+        </p:sp>
+        <p:sp>
+          <p:nvSpPr>
+            <p:cNvPr id="38" name="TextBox 37">
+              <a:extLst>
+                <a:ext uri="{FF2B5EF4-FFF2-40B4-BE49-F238E27FC236}">
+                  <a16:creationId xmlns:a16="http://schemas.microsoft.com/office/drawing/2014/main" id="{CC1900E8-8D97-9215-AEF4-16AB4077CE22}"/>
+                </a:ext>
+              </a:extLst>
+            </p:cNvPr>
+            <p:cNvSpPr txBox="1">
+              <a:spLocks/>
+            </p:cNvSpPr>
+            <p:nvPr/>
+          </p:nvSpPr>
+          <p:spPr>
+            <a:xfrm>
+              <a:off x="4430698" y="1698233"/>
+              <a:ext cx="548455" cy="523220"/>
+            </a:xfrm>
+            <a:prstGeom prst="rect">
+              <a:avLst/>
+            </a:prstGeom>
+            <a:noFill/>
+          </p:spPr>
+          <p:txBody>
+            <a:bodyPr wrap="square" rtlCol="0">
+              <a:spAutoFit/>
+            </a:bodyPr>
+            <a:lstStyle/>
+            <a:p>
+              <a:r>
+                <a:rPr lang="nb-NO" sz="2800" dirty="0"/>
+                <a:t>A</a:t>
+              </a:r>
+              <a:endParaRPr lang="en-GB" sz="2800" dirty="0"/>
+            </a:p>
+          </p:txBody>
+        </p:sp>
+        <p:sp>
+          <p:nvSpPr>
+            <p:cNvPr id="39" name="TextBox 38">
+              <a:extLst>
+                <a:ext uri="{FF2B5EF4-FFF2-40B4-BE49-F238E27FC236}">
+                  <a16:creationId xmlns:a16="http://schemas.microsoft.com/office/drawing/2014/main" id="{0FFD1467-30AE-F067-E684-594D4C4058C7}"/>
+                </a:ext>
+              </a:extLst>
+            </p:cNvPr>
+            <p:cNvSpPr txBox="1">
+              <a:spLocks/>
+            </p:cNvSpPr>
+            <p:nvPr/>
+          </p:nvSpPr>
+          <p:spPr>
+            <a:xfrm>
+              <a:off x="5044360" y="1698233"/>
+              <a:ext cx="548455" cy="523220"/>
+            </a:xfrm>
+            <a:prstGeom prst="rect">
+              <a:avLst/>
+            </a:prstGeom>
+            <a:noFill/>
+          </p:spPr>
+          <p:txBody>
+            <a:bodyPr wrap="square" rtlCol="0">
+              <a:spAutoFit/>
+            </a:bodyPr>
+            <a:lstStyle/>
+            <a:p>
+              <a:r>
+                <a:rPr lang="nb-NO" sz="2800" dirty="0"/>
+                <a:t>B</a:t>
+              </a:r>
+              <a:endParaRPr lang="en-GB" sz="2800" dirty="0"/>
+            </a:p>
+          </p:txBody>
+        </p:sp>
+        <mc:AlternateContent xmlns:mc="http://schemas.openxmlformats.org/markup-compatibility/2006" xmlns:a14="http://schemas.microsoft.com/office/drawing/2010/main">
+          <mc:Choice Requires="a14">
+            <p:sp>
+              <p:nvSpPr>
+                <p:cNvPr id="40" name="TextBox 39">
+                  <a:extLst>
+                    <a:ext uri="{FF2B5EF4-FFF2-40B4-BE49-F238E27FC236}">
+                      <a16:creationId xmlns:a16="http://schemas.microsoft.com/office/drawing/2014/main" id="{C62FCBC5-1CB8-7C8A-576B-2CC902854B52}"/>
+                    </a:ext>
+                  </a:extLst>
+                </p:cNvPr>
+                <p:cNvSpPr txBox="1">
+                  <a:spLocks/>
+                </p:cNvSpPr>
+                <p:nvPr/>
+              </p:nvSpPr>
+              <p:spPr>
+                <a:xfrm>
+                  <a:off x="1087150" y="2448569"/>
+                  <a:ext cx="1720920" cy="523220"/>
+                </a:xfrm>
+                <a:prstGeom prst="rect">
+                  <a:avLst/>
+                </a:prstGeom>
+                <a:noFill/>
+              </p:spPr>
+              <p:txBody>
+                <a:bodyPr wrap="none" rtlCol="0">
+                  <a:spAutoFit/>
+                </a:bodyPr>
+                <a:lstStyle/>
+                <a:p>
+                  <a:pPr/>
+                  <a14:m>
+                    <m:oMathPara xmlns:m="http://schemas.openxmlformats.org/officeDocument/2006/math">
+                      <m:oMathParaPr>
+                        <m:jc m:val="centerGroup"/>
+                      </m:oMathParaPr>
+                      <m:oMath xmlns:m="http://schemas.openxmlformats.org/officeDocument/2006/math">
+                        <m:r>
+                          <a:rPr lang="nb-NO" sz="2800" i="1" smtClean="0">
+                            <a:latin typeface="Cambria Math" panose="02040503050406030204" pitchFamily="18" charset="0"/>
+                            <a:ea typeface="Cambria Math" panose="02040503050406030204" pitchFamily="18" charset="0"/>
+                          </a:rPr>
+                          <m:t>∆</m:t>
+                        </m:r>
+                        <m:r>
+                          <a:rPr lang="nb-NO" sz="2800" b="0" i="1" smtClean="0">
+                            <a:latin typeface="Cambria Math" panose="02040503050406030204" pitchFamily="18" charset="0"/>
+                            <a:ea typeface="Cambria Math" panose="02040503050406030204" pitchFamily="18" charset="0"/>
+                          </a:rPr>
+                          <m:t>𝑝</m:t>
+                        </m:r>
+                        <m:r>
+                          <a:rPr lang="nb-NO" sz="2800" b="0" i="1" smtClean="0">
+                            <a:latin typeface="Cambria Math" panose="02040503050406030204" pitchFamily="18" charset="0"/>
+                            <a:ea typeface="Cambria Math" panose="02040503050406030204" pitchFamily="18" charset="0"/>
+                          </a:rPr>
+                          <m:t>=∆</m:t>
+                        </m:r>
+                        <m:sSub>
+                          <m:sSubPr>
+                            <m:ctrlPr>
+                              <a:rPr lang="nb-NO" sz="2800" b="0" i="1" smtClean="0">
+                                <a:latin typeface="Cambria Math" panose="02040503050406030204" pitchFamily="18" charset="0"/>
+                                <a:ea typeface="Cambria Math" panose="02040503050406030204" pitchFamily="18" charset="0"/>
+                              </a:rPr>
+                            </m:ctrlPr>
+                          </m:sSubPr>
+                          <m:e>
+                            <m:r>
+                              <a:rPr lang="nb-NO" sz="2800" b="0" i="1" smtClean="0">
+                                <a:latin typeface="Cambria Math" panose="02040503050406030204" pitchFamily="18" charset="0"/>
+                                <a:ea typeface="Cambria Math" panose="02040503050406030204" pitchFamily="18" charset="0"/>
+                              </a:rPr>
+                              <m:t>𝑝</m:t>
+                            </m:r>
+                          </m:e>
+                          <m:sub>
+                            <m:r>
+                              <a:rPr lang="nb-NO" sz="2800" b="0" i="1" smtClean="0">
+                                <a:latin typeface="Cambria Math" panose="02040503050406030204" pitchFamily="18" charset="0"/>
+                                <a:ea typeface="Cambria Math" panose="02040503050406030204" pitchFamily="18" charset="0"/>
+                              </a:rPr>
+                              <m:t>0</m:t>
+                            </m:r>
+                          </m:sub>
+                        </m:sSub>
+                      </m:oMath>
+                    </m:oMathPara>
+                  </a14:m>
+                  <a:endParaRPr lang="en-GB" sz="2800" dirty="0"/>
+                </a:p>
+              </p:txBody>
+            </p:sp>
+          </mc:Choice>
+          <mc:Fallback xmlns="">
+            <p:sp>
+              <p:nvSpPr>
+                <p:cNvPr id="40" name="TextBox 39">
+                  <a:extLst>
+                    <a:ext uri="{FF2B5EF4-FFF2-40B4-BE49-F238E27FC236}">
+                      <a16:creationId xmlns:a16="http://schemas.microsoft.com/office/drawing/2014/main" id="{C62FCBC5-1CB8-7C8A-576B-2CC902854B52}"/>
+                    </a:ext>
+                  </a:extLst>
+                </p:cNvPr>
+                <p:cNvSpPr txBox="1">
+                  <a:spLocks noRot="1" noChangeAspect="1" noMove="1" noResize="1" noEditPoints="1" noAdjustHandles="1" noChangeArrowheads="1" noChangeShapeType="1" noTextEdit="1"/>
+                </p:cNvSpPr>
+                <p:nvPr/>
+              </p:nvSpPr>
+              <p:spPr>
+                <a:xfrm>
+                  <a:off x="1087150" y="2448569"/>
+                  <a:ext cx="1720920" cy="523220"/>
+                </a:xfrm>
+                <a:prstGeom prst="rect">
+                  <a:avLst/>
+                </a:prstGeom>
+                <a:blipFill>
+                  <a:blip r:embed="rId7"/>
+                  <a:stretch>
+                    <a:fillRect/>
+                  </a:stretch>
+                </a:blipFill>
+              </p:spPr>
+              <p:txBody>
+                <a:bodyPr/>
+                <a:lstStyle/>
+                <a:p>
+                  <a:r>
+                    <a:rPr lang="en-GB">
+                      <a:noFill/>
+                    </a:rPr>
+                    <a:t> </a:t>
+                  </a:r>
+                </a:p>
+              </p:txBody>
+            </p:sp>
+          </mc:Fallback>
+        </mc:AlternateContent>
       </p:grpSp>
     </p:spTree>
     <p:extLst>
@@ -10987,7 +13748,7 @@
 </p:sld>
 </file>
 
-<file path=ppt/slides/slide3.xml><?xml version="1.0" encoding="utf-8"?>
+<file path=ppt/slides/slide4.xml><?xml version="1.0" encoding="utf-8"?>
 <p:sld xmlns:a="http://schemas.openxmlformats.org/drawingml/2006/main" xmlns:r="http://schemas.openxmlformats.org/officeDocument/2006/relationships" xmlns:p="http://schemas.openxmlformats.org/presentationml/2006/main">
   <p:cSld>
     <p:spTree>
@@ -11090,8 +13851,8 @@
             </a:p>
           </p:txBody>
         </p:sp>
-        <mc:AlternateContent xmlns:mc="http://schemas.openxmlformats.org/markup-compatibility/2006">
-          <mc:Choice xmlns:a14="http://schemas.microsoft.com/office/drawing/2010/main" Requires="a14">
+        <mc:AlternateContent xmlns:mc="http://schemas.openxmlformats.org/markup-compatibility/2006" xmlns:a14="http://schemas.microsoft.com/office/drawing/2010/main">
+          <mc:Choice Requires="a14">
             <p:sp>
               <p:nvSpPr>
                 <p:cNvPr id="10" name="TextBox 9">
@@ -11139,7 +13900,7 @@
               </p:txBody>
             </p:sp>
           </mc:Choice>
-          <mc:Fallback>
+          <mc:Fallback xmlns="">
             <p:sp>
               <p:nvSpPr>
                 <p:cNvPr id="10" name="TextBox 9">
@@ -11184,8 +13945,8 @@
             </p:sp>
           </mc:Fallback>
         </mc:AlternateContent>
-        <mc:AlternateContent xmlns:mc="http://schemas.openxmlformats.org/markup-compatibility/2006">
-          <mc:Choice xmlns:a14="http://schemas.microsoft.com/office/drawing/2010/main" Requires="a14">
+        <mc:AlternateContent xmlns:mc="http://schemas.openxmlformats.org/markup-compatibility/2006" xmlns:a14="http://schemas.microsoft.com/office/drawing/2010/main">
+          <mc:Choice Requires="a14">
             <p:sp>
               <p:nvSpPr>
                 <p:cNvPr id="11" name="TextBox 10">
@@ -11247,7 +14008,7 @@
               </p:txBody>
             </p:sp>
           </mc:Choice>
-          <mc:Fallback>
+          <mc:Fallback xmlns="">
             <p:sp>
               <p:nvSpPr>
                 <p:cNvPr id="11" name="TextBox 10">
@@ -11483,8 +14244,8 @@
             </p:style>
           </p:cxnSp>
         </p:grpSp>
-        <mc:AlternateContent xmlns:mc="http://schemas.openxmlformats.org/markup-compatibility/2006">
-          <mc:Choice xmlns:a14="http://schemas.microsoft.com/office/drawing/2010/main" Requires="a14">
+        <mc:AlternateContent xmlns:mc="http://schemas.openxmlformats.org/markup-compatibility/2006" xmlns:a14="http://schemas.microsoft.com/office/drawing/2010/main">
+          <mc:Choice Requires="a14">
             <p:sp>
               <p:nvSpPr>
                 <p:cNvPr id="21" name="TextBox 20">
@@ -11513,6 +14274,7 @@
                 </a:bodyPr>
                 <a:lstStyle/>
                 <a:p>
+                  <a:pPr/>
                   <a14:m>
                     <m:oMathPara xmlns:m="http://schemas.openxmlformats.org/officeDocument/2006/math">
                       <m:oMathParaPr>
@@ -11545,7 +14307,7 @@
               </p:txBody>
             </p:sp>
           </mc:Choice>
-          <mc:Fallback>
+          <mc:Fallback xmlns="">
             <p:sp>
               <p:nvSpPr>
                 <p:cNvPr id="21" name="TextBox 20">
@@ -11590,8 +14352,8 @@
             </p:sp>
           </mc:Fallback>
         </mc:AlternateContent>
-        <mc:AlternateContent xmlns:mc="http://schemas.openxmlformats.org/markup-compatibility/2006">
-          <mc:Choice xmlns:a14="http://schemas.microsoft.com/office/drawing/2010/main" Requires="a14">
+        <mc:AlternateContent xmlns:mc="http://schemas.openxmlformats.org/markup-compatibility/2006" xmlns:a14="http://schemas.microsoft.com/office/drawing/2010/main">
+          <mc:Choice Requires="a14">
             <p:sp>
               <p:nvSpPr>
                 <p:cNvPr id="22" name="TextBox 21">
@@ -11620,6 +14382,7 @@
                 </a:bodyPr>
                 <a:lstStyle/>
                 <a:p>
+                  <a:pPr/>
                   <a14:m>
                     <m:oMathPara xmlns:m="http://schemas.openxmlformats.org/officeDocument/2006/math">
                       <m:oMathParaPr>
@@ -11652,7 +14415,7 @@
               </p:txBody>
             </p:sp>
           </mc:Choice>
-          <mc:Fallback>
+          <mc:Fallback xmlns="">
             <p:sp>
               <p:nvSpPr>
                 <p:cNvPr id="22" name="TextBox 21">
@@ -11711,7 +14474,7 @@
 </p:sld>
 </file>
 
-<file path=ppt/slides/slide4.xml><?xml version="1.0" encoding="utf-8"?>
+<file path=ppt/slides/slide5.xml><?xml version="1.0" encoding="utf-8"?>
 <p:sld xmlns:a="http://schemas.openxmlformats.org/drawingml/2006/main" xmlns:r="http://schemas.openxmlformats.org/officeDocument/2006/relationships" xmlns:p="http://schemas.openxmlformats.org/presentationml/2006/main">
   <p:cSld>
     <p:spTree>
@@ -11787,8 +14550,8 @@
             </a:ln>
           </p:spPr>
         </p:pic>
-        <mc:AlternateContent xmlns:mc="http://schemas.openxmlformats.org/markup-compatibility/2006">
-          <mc:Choice xmlns:a14="http://schemas.microsoft.com/office/drawing/2010/main" Requires="a14">
+        <mc:AlternateContent xmlns:mc="http://schemas.openxmlformats.org/markup-compatibility/2006" xmlns:a14="http://schemas.microsoft.com/office/drawing/2010/main">
+          <mc:Choice Requires="a14">
             <p:sp>
               <p:nvSpPr>
                 <p:cNvPr id="9" name="TextBox 8">
@@ -11873,7 +14636,7 @@
               </p:txBody>
             </p:sp>
           </mc:Choice>
-          <mc:Fallback>
+          <mc:Fallback xmlns="">
             <p:sp>
               <p:nvSpPr>
                 <p:cNvPr id="9" name="TextBox 8">
@@ -11918,8 +14681,8 @@
             </p:sp>
           </mc:Fallback>
         </mc:AlternateContent>
-        <mc:AlternateContent xmlns:mc="http://schemas.openxmlformats.org/markup-compatibility/2006">
-          <mc:Choice xmlns:a14="http://schemas.microsoft.com/office/drawing/2010/main" Requires="a14">
+        <mc:AlternateContent xmlns:mc="http://schemas.openxmlformats.org/markup-compatibility/2006" xmlns:a14="http://schemas.microsoft.com/office/drawing/2010/main">
+          <mc:Choice Requires="a14">
             <p:sp>
               <p:nvSpPr>
                 <p:cNvPr id="10" name="TextBox 9">
@@ -11967,7 +14730,7 @@
               </p:txBody>
             </p:sp>
           </mc:Choice>
-          <mc:Fallback>
+          <mc:Fallback xmlns="">
             <p:sp>
               <p:nvSpPr>
                 <p:cNvPr id="10" name="TextBox 9">
@@ -12012,8 +14775,8 @@
             </p:sp>
           </mc:Fallback>
         </mc:AlternateContent>
-        <mc:AlternateContent xmlns:mc="http://schemas.openxmlformats.org/markup-compatibility/2006">
-          <mc:Choice xmlns:a14="http://schemas.microsoft.com/office/drawing/2010/main" Requires="a14">
+        <mc:AlternateContent xmlns:mc="http://schemas.openxmlformats.org/markup-compatibility/2006" xmlns:a14="http://schemas.microsoft.com/office/drawing/2010/main">
+          <mc:Choice Requires="a14">
             <p:sp>
               <p:nvSpPr>
                 <p:cNvPr id="11" name="TextBox 10">
@@ -12135,7 +14898,7 @@
               </p:txBody>
             </p:sp>
           </mc:Choice>
-          <mc:Fallback>
+          <mc:Fallback xmlns="">
             <p:sp>
               <p:nvSpPr>
                 <p:cNvPr id="11" name="TextBox 10">
@@ -12371,8 +15134,8 @@
             </p:style>
           </p:cxnSp>
         </p:grpSp>
-        <mc:AlternateContent xmlns:mc="http://schemas.openxmlformats.org/markup-compatibility/2006">
-          <mc:Choice xmlns:a14="http://schemas.microsoft.com/office/drawing/2010/main" Requires="a14">
+        <mc:AlternateContent xmlns:mc="http://schemas.openxmlformats.org/markup-compatibility/2006" xmlns:a14="http://schemas.microsoft.com/office/drawing/2010/main">
+          <mc:Choice Requires="a14">
             <p:sp>
               <p:nvSpPr>
                 <p:cNvPr id="12" name="TextBox 11">
@@ -12401,6 +15164,7 @@
                 </a:bodyPr>
                 <a:lstStyle/>
                 <a:p>
+                  <a:pPr/>
                   <a14:m>
                     <m:oMathPara xmlns:m="http://schemas.openxmlformats.org/officeDocument/2006/math">
                       <m:oMathParaPr>
@@ -12433,7 +15197,7 @@
               </p:txBody>
             </p:sp>
           </mc:Choice>
-          <mc:Fallback>
+          <mc:Fallback xmlns="">
             <p:sp>
               <p:nvSpPr>
                 <p:cNvPr id="12" name="TextBox 11">
@@ -12478,8 +15242,8 @@
             </p:sp>
           </mc:Fallback>
         </mc:AlternateContent>
-        <mc:AlternateContent xmlns:mc="http://schemas.openxmlformats.org/markup-compatibility/2006">
-          <mc:Choice xmlns:a14="http://schemas.microsoft.com/office/drawing/2010/main" Requires="a14">
+        <mc:AlternateContent xmlns:mc="http://schemas.openxmlformats.org/markup-compatibility/2006" xmlns:a14="http://schemas.microsoft.com/office/drawing/2010/main">
+          <mc:Choice Requires="a14">
             <p:sp>
               <p:nvSpPr>
                 <p:cNvPr id="14" name="TextBox 13">
@@ -12508,6 +15272,7 @@
                 </a:bodyPr>
                 <a:lstStyle/>
                 <a:p>
+                  <a:pPr/>
                   <a14:m>
                     <m:oMathPara xmlns:m="http://schemas.openxmlformats.org/officeDocument/2006/math">
                       <m:oMathParaPr>
@@ -12540,7 +15305,7 @@
               </p:txBody>
             </p:sp>
           </mc:Choice>
-          <mc:Fallback>
+          <mc:Fallback xmlns="">
             <p:sp>
               <p:nvSpPr>
                 <p:cNvPr id="14" name="TextBox 13">
@@ -12599,7 +15364,7 @@
 </p:sld>
 </file>
 
-<file path=ppt/slides/slide5.xml><?xml version="1.0" encoding="utf-8"?>
+<file path=ppt/slides/slide6.xml><?xml version="1.0" encoding="utf-8"?>
 <p:sld xmlns:a="http://schemas.openxmlformats.org/drawingml/2006/main" xmlns:r="http://schemas.openxmlformats.org/officeDocument/2006/relationships" xmlns:p="http://schemas.openxmlformats.org/presentationml/2006/main">
   <p:cSld>
     <p:spTree>
@@ -12686,8 +15451,8 @@
               </a:prstGeom>
             </p:spPr>
           </p:pic>
-          <mc:AlternateContent xmlns:mc="http://schemas.openxmlformats.org/markup-compatibility/2006">
-            <mc:Choice xmlns:a14="http://schemas.microsoft.com/office/drawing/2010/main" Requires="a14">
+          <mc:AlternateContent xmlns:mc="http://schemas.openxmlformats.org/markup-compatibility/2006" xmlns:a14="http://schemas.microsoft.com/office/drawing/2010/main">
+            <mc:Choice Requires="a14">
               <p:sp>
                 <p:nvSpPr>
                   <p:cNvPr id="4" name="TextBox 3">
@@ -12761,7 +15526,7 @@
                 </p:txBody>
               </p:sp>
             </mc:Choice>
-            <mc:Fallback>
+            <mc:Fallback xmlns="">
               <p:sp>
                 <p:nvSpPr>
                   <p:cNvPr id="4" name="TextBox 3">
@@ -13450,7 +16215,7 @@
 </p:sld>
 </file>
 
-<file path=ppt/slides/slide6.xml><?xml version="1.0" encoding="utf-8"?>
+<file path=ppt/slides/slide7.xml><?xml version="1.0" encoding="utf-8"?>
 <p:sld xmlns:a="http://schemas.openxmlformats.org/drawingml/2006/main" xmlns:r="http://schemas.openxmlformats.org/officeDocument/2006/relationships" xmlns:p="http://schemas.openxmlformats.org/presentationml/2006/main">
   <p:cSld>
     <p:spTree>
@@ -13469,10 +16234,10 @@
       </p:grpSpPr>
       <p:grpSp>
         <p:nvGrpSpPr>
-          <p:cNvPr id="75" name="Group 74">
+          <p:cNvPr id="56" name="Group 55">
             <a:extLst>
               <a:ext uri="{FF2B5EF4-FFF2-40B4-BE49-F238E27FC236}">
-                <a16:creationId xmlns:a16="http://schemas.microsoft.com/office/drawing/2014/main" id="{3FB1BBE8-4A62-454C-3152-EED8C3687BAF}"/>
+                <a16:creationId xmlns:a16="http://schemas.microsoft.com/office/drawing/2014/main" id="{C273D1A5-01D7-B9CD-C55D-54B5958C7140}"/>
               </a:ext>
             </a:extLst>
           </p:cNvPr>
@@ -13481,167 +16246,12 @@
         </p:nvGrpSpPr>
         <p:grpSpPr>
           <a:xfrm>
-            <a:off x="1702638" y="2431990"/>
-            <a:ext cx="8580552" cy="2703781"/>
-            <a:chOff x="1702638" y="2431990"/>
-            <a:chExt cx="8580552" cy="2703781"/>
+            <a:off x="1788603" y="2506982"/>
+            <a:ext cx="8502207" cy="2313393"/>
+            <a:chOff x="1788603" y="2506982"/>
+            <a:chExt cx="8502207" cy="2313393"/>
           </a:xfrm>
         </p:grpSpPr>
-        <mc:AlternateContent xmlns:mc="http://schemas.openxmlformats.org/markup-compatibility/2006">
-          <mc:Choice xmlns:a14="http://schemas.microsoft.com/office/drawing/2010/main" Requires="a14">
-            <p:sp>
-              <p:nvSpPr>
-                <p:cNvPr id="2" name="Rectangle 1">
-                  <a:extLst>
-                    <a:ext uri="{FF2B5EF4-FFF2-40B4-BE49-F238E27FC236}">
-                      <a16:creationId xmlns:a16="http://schemas.microsoft.com/office/drawing/2014/main" id="{539F208E-D202-4FE5-5FD0-74D72DF712B9}"/>
-                    </a:ext>
-                  </a:extLst>
-                </p:cNvPr>
-                <p:cNvSpPr/>
-                <p:nvPr/>
-              </p:nvSpPr>
-              <p:spPr>
-                <a:xfrm>
-                  <a:off x="2934709" y="2431990"/>
-                  <a:ext cx="1183787" cy="467151"/>
-                </a:xfrm>
-                <a:prstGeom prst="rect">
-                  <a:avLst/>
-                </a:prstGeom>
-                <a:solidFill>
-                  <a:schemeClr val="accent5">
-                    <a:lumMod val="50000"/>
-                  </a:schemeClr>
-                </a:solidFill>
-                <a:ln w="38100">
-                  <a:solidFill>
-                    <a:schemeClr val="tx1"/>
-                  </a:solidFill>
-                </a:ln>
-              </p:spPr>
-              <p:style>
-                <a:lnRef idx="2">
-                  <a:schemeClr val="accent1">
-                    <a:shade val="15000"/>
-                  </a:schemeClr>
-                </a:lnRef>
-                <a:fillRef idx="1">
-                  <a:schemeClr val="accent1"/>
-                </a:fillRef>
-                <a:effectRef idx="0">
-                  <a:schemeClr val="accent1"/>
-                </a:effectRef>
-                <a:fontRef idx="minor">
-                  <a:schemeClr val="lt1"/>
-                </a:fontRef>
-              </p:style>
-              <p:txBody>
-                <a:bodyPr rtlCol="0" anchor="ctr"/>
-                <a:lstStyle/>
-                <a:p>
-                  <a:pPr algn="ctr"/>
-                  <a14:m>
-                    <m:oMathPara xmlns:m="http://schemas.openxmlformats.org/officeDocument/2006/math">
-                      <m:oMathParaPr>
-                        <m:jc m:val="centerGroup"/>
-                      </m:oMathParaPr>
-                      <m:oMath xmlns:m="http://schemas.openxmlformats.org/officeDocument/2006/math">
-                        <m:sSub>
-                          <m:sSubPr>
-                            <m:ctrlPr>
-                              <a:rPr lang="nb-NO" b="0" i="1" smtClean="0">
-                                <a:latin typeface="Cambria Math" panose="02040503050406030204" pitchFamily="18" charset="0"/>
-                              </a:rPr>
-                            </m:ctrlPr>
-                          </m:sSubPr>
-                          <m:e>
-                            <m:r>
-                              <a:rPr lang="nb-NO" b="0" i="1" smtClean="0">
-                                <a:latin typeface="Cambria Math" panose="02040503050406030204" pitchFamily="18" charset="0"/>
-                              </a:rPr>
-                              <m:t>𝑉</m:t>
-                            </m:r>
-                          </m:e>
-                          <m:sub>
-                            <m:r>
-                              <a:rPr lang="nb-NO" b="0" i="1" smtClean="0">
-                                <a:latin typeface="Cambria Math" panose="02040503050406030204" pitchFamily="18" charset="0"/>
-                              </a:rPr>
-                              <m:t>𝑟𝑒𝑓</m:t>
-                            </m:r>
-                          </m:sub>
-                        </m:sSub>
-                        <m:r>
-                          <a:rPr lang="nb-NO" b="0" i="1" smtClean="0">
-                            <a:latin typeface="Cambria Math" panose="02040503050406030204" pitchFamily="18" charset="0"/>
-                          </a:rPr>
-                          <m:t>⋅</m:t>
-                        </m:r>
-                        <m:r>
-                          <a:rPr lang="nb-NO" b="0" i="1" smtClean="0">
-                            <a:latin typeface="Cambria Math" panose="02040503050406030204" pitchFamily="18" charset="0"/>
-                          </a:rPr>
-                          <m:t>𝐴</m:t>
-                        </m:r>
-                      </m:oMath>
-                    </m:oMathPara>
-                  </a14:m>
-                  <a:endParaRPr lang="en-GB" dirty="0"/>
-                </a:p>
-              </p:txBody>
-            </p:sp>
-          </mc:Choice>
-          <mc:Fallback>
-            <p:sp>
-              <p:nvSpPr>
-                <p:cNvPr id="2" name="Rectangle 1">
-                  <a:extLst>
-                    <a:ext uri="{FF2B5EF4-FFF2-40B4-BE49-F238E27FC236}">
-                      <a16:creationId xmlns:a16="http://schemas.microsoft.com/office/drawing/2014/main" id="{539F208E-D202-4FE5-5FD0-74D72DF712B9}"/>
-                    </a:ext>
-                  </a:extLst>
-                </p:cNvPr>
-                <p:cNvSpPr>
-                  <a:spLocks noRot="1" noChangeAspect="1" noMove="1" noResize="1" noEditPoints="1" noAdjustHandles="1" noChangeArrowheads="1" noChangeShapeType="1" noTextEdit="1"/>
-                </p:cNvSpPr>
-                <p:nvPr/>
-              </p:nvSpPr>
-              <p:spPr>
-                <a:xfrm>
-                  <a:off x="2934709" y="2431990"/>
-                  <a:ext cx="1183787" cy="467151"/>
-                </a:xfrm>
-                <a:prstGeom prst="rect">
-                  <a:avLst/>
-                </a:prstGeom>
-                <a:blipFill>
-                  <a:blip r:embed="rId2"/>
-                  <a:stretch>
-                    <a:fillRect/>
-                  </a:stretch>
-                </a:blipFill>
-                <a:ln w="38100">
-                  <a:solidFill>
-                    <a:schemeClr val="tx1"/>
-                  </a:solidFill>
-                </a:ln>
-              </p:spPr>
-              <p:txBody>
-                <a:bodyPr/>
-                <a:lstStyle/>
-                <a:p>
-                  <a:r>
-                    <a:rPr lang="en-GB">
-                      <a:noFill/>
-                    </a:rPr>
-                    <a:t> </a:t>
-                  </a:r>
-                </a:p>
-              </p:txBody>
-            </p:sp>
-          </mc:Fallback>
-        </mc:AlternateContent>
         <mc:AlternateContent xmlns:mc="http://schemas.openxmlformats.org/markup-compatibility/2006">
           <mc:Choice xmlns:a14="http://schemas.microsoft.com/office/drawing/2010/main" Requires="a14">
             <p:sp>
@@ -13658,8 +16268,8 @@
               </p:nvSpPr>
               <p:spPr>
                 <a:xfrm>
-                  <a:off x="1777208" y="3132716"/>
-                  <a:ext cx="2673833" cy="902191"/>
+                  <a:off x="2942330" y="2506982"/>
+                  <a:ext cx="2203460" cy="2313392"/>
                 </a:xfrm>
                 <a:prstGeom prst="rect">
                   <a:avLst/>
@@ -13703,6 +16313,64 @@
                       </m:oMathParaPr>
                       <m:oMath xmlns:m="http://schemas.openxmlformats.org/officeDocument/2006/math">
                         <m:r>
+                          <a:rPr lang="nb-NO" b="0" i="1" smtClean="0">
+                            <a:latin typeface="Cambria Math" panose="02040503050406030204" pitchFamily="18" charset="0"/>
+                          </a:rPr>
+                          <m:t>𝐼𝑓</m:t>
+                        </m:r>
+                        <m:r>
+                          <a:rPr lang="nb-NO" b="0" i="1" smtClean="0">
+                            <a:latin typeface="Cambria Math" panose="02040503050406030204" pitchFamily="18" charset="0"/>
+                          </a:rPr>
+                          <m:t> </m:t>
+                        </m:r>
+                        <m:sSub>
+                          <m:sSubPr>
+                            <m:ctrlPr>
+                              <a:rPr lang="nb-NO" b="0" i="1" smtClean="0">
+                                <a:latin typeface="Cambria Math" panose="02040503050406030204" pitchFamily="18" charset="0"/>
+                              </a:rPr>
+                            </m:ctrlPr>
+                          </m:sSubPr>
+                          <m:e>
+                            <m:r>
+                              <a:rPr lang="nb-NO" b="0" i="1" smtClean="0">
+                                <a:latin typeface="Cambria Math" panose="02040503050406030204" pitchFamily="18" charset="0"/>
+                              </a:rPr>
+                              <m:t>𝑣</m:t>
+                            </m:r>
+                          </m:e>
+                          <m:sub>
+                            <m:r>
+                              <a:rPr lang="nb-NO" b="0" i="1" smtClean="0">
+                                <a:latin typeface="Cambria Math" panose="02040503050406030204" pitchFamily="18" charset="0"/>
+                              </a:rPr>
+                              <m:t>𝑟𝑒𝑓</m:t>
+                            </m:r>
+                          </m:sub>
+                        </m:sSub>
+                        <m:r>
+                          <a:rPr lang="nb-NO" b="0" i="1" smtClean="0">
+                            <a:latin typeface="Cambria Math" panose="02040503050406030204" pitchFamily="18" charset="0"/>
+                          </a:rPr>
+                          <m:t>≥0</m:t>
+                        </m:r>
+                      </m:oMath>
+                    </m:oMathPara>
+                  </a14:m>
+                  <a:endParaRPr lang="nb-NO" b="0" i="0" dirty="0">
+                    <a:latin typeface="Cambria Math" panose="02040503050406030204" pitchFamily="18" charset="0"/>
+                  </a:endParaRPr>
+                </a:p>
+                <a:p>
+                  <a:pPr algn="ctr"/>
+                  <a14:m>
+                    <m:oMathPara xmlns:m="http://schemas.openxmlformats.org/officeDocument/2006/math">
+                      <m:oMathParaPr>
+                        <m:jc m:val="centerGroup"/>
+                      </m:oMathParaPr>
+                      <m:oMath xmlns:m="http://schemas.openxmlformats.org/officeDocument/2006/math">
+                        <m:r>
                           <m:rPr>
                             <m:sty m:val="p"/>
                           </m:rPr>
@@ -13732,7 +16400,7 @@
                               <a:rPr lang="nb-NO" b="0" i="1" smtClean="0">
                                 <a:latin typeface="Cambria Math" panose="02040503050406030204" pitchFamily="18" charset="0"/>
                               </a:rPr>
-                              <m:t>𝑚𝑒𝑎𝑠</m:t>
+                              <m:t>𝑚</m:t>
                             </m:r>
                           </m:sub>
                         </m:sSub>
@@ -13796,12 +16464,369 @@
                               </a:rPr>
                               <m:t>𝐴</m:t>
                             </m:r>
+                          </m:sub>
+                        </m:sSub>
+                      </m:oMath>
+                    </m:oMathPara>
+                  </a14:m>
+                  <a:endParaRPr lang="en-GB" dirty="0"/>
+                </a:p>
+                <a:p>
+                  <a:pPr algn="ctr"/>
+                  <a14:m>
+                    <m:oMathPara xmlns:m="http://schemas.openxmlformats.org/officeDocument/2006/math">
+                      <m:oMathParaPr>
+                        <m:jc m:val="centerGroup"/>
+                      </m:oMathParaPr>
+                      <m:oMath xmlns:m="http://schemas.openxmlformats.org/officeDocument/2006/math">
+                        <m:sSub>
+                          <m:sSubPr>
+                            <m:ctrlPr>
+                              <a:rPr lang="nb-NO" i="1" smtClean="0">
+                                <a:latin typeface="Cambria Math" panose="02040503050406030204" pitchFamily="18" charset="0"/>
+                              </a:rPr>
+                            </m:ctrlPr>
+                          </m:sSubPr>
+                          <m:e>
                             <m:r>
                               <a:rPr lang="nb-NO" b="0" i="1" smtClean="0">
                                 <a:latin typeface="Cambria Math" panose="02040503050406030204" pitchFamily="18" charset="0"/>
                               </a:rPr>
-                              <m:t>/</m:t>
+                              <m:t>𝑄</m:t>
                             </m:r>
+                          </m:e>
+                          <m:sub>
+                            <m:r>
+                              <a:rPr lang="nb-NO" b="0" i="1" smtClean="0">
+                                <a:latin typeface="Cambria Math" panose="02040503050406030204" pitchFamily="18" charset="0"/>
+                              </a:rPr>
+                              <m:t>𝑟𝑒𝑓</m:t>
+                            </m:r>
+                          </m:sub>
+                        </m:sSub>
+                        <m:r>
+                          <a:rPr lang="nb-NO" b="0" i="1" smtClean="0">
+                            <a:latin typeface="Cambria Math" panose="02040503050406030204" pitchFamily="18" charset="0"/>
+                          </a:rPr>
+                          <m:t>=</m:t>
+                        </m:r>
+                        <m:sSub>
+                          <m:sSubPr>
+                            <m:ctrlPr>
+                              <a:rPr lang="nb-NO" b="0" i="1" smtClean="0">
+                                <a:latin typeface="Cambria Math" panose="02040503050406030204" pitchFamily="18" charset="0"/>
+                              </a:rPr>
+                            </m:ctrlPr>
+                          </m:sSubPr>
+                          <m:e>
+                            <m:r>
+                              <a:rPr lang="nb-NO" b="0" i="1" smtClean="0">
+                                <a:latin typeface="Cambria Math" panose="02040503050406030204" pitchFamily="18" charset="0"/>
+                              </a:rPr>
+                              <m:t>𝑣</m:t>
+                            </m:r>
+                          </m:e>
+                          <m:sub>
+                            <m:r>
+                              <a:rPr lang="nb-NO" b="0" i="1" smtClean="0">
+                                <a:latin typeface="Cambria Math" panose="02040503050406030204" pitchFamily="18" charset="0"/>
+                              </a:rPr>
+                              <m:t>𝑟𝑒𝑓</m:t>
+                            </m:r>
+                          </m:sub>
+                        </m:sSub>
+                        <m:r>
+                          <a:rPr lang="nb-NO" b="0" i="1" smtClean="0">
+                            <a:latin typeface="Cambria Math" panose="02040503050406030204" pitchFamily="18" charset="0"/>
+                          </a:rPr>
+                          <m:t>⋅</m:t>
+                        </m:r>
+                        <m:sSub>
+                          <m:sSubPr>
+                            <m:ctrlPr>
+                              <a:rPr lang="nb-NO" b="0" i="1" smtClean="0">
+                                <a:latin typeface="Cambria Math" panose="02040503050406030204" pitchFamily="18" charset="0"/>
+                              </a:rPr>
+                            </m:ctrlPr>
+                          </m:sSubPr>
+                          <m:e>
+                            <m:r>
+                              <a:rPr lang="nb-NO" b="0" i="1" smtClean="0">
+                                <a:latin typeface="Cambria Math" panose="02040503050406030204" pitchFamily="18" charset="0"/>
+                              </a:rPr>
+                              <m:t>𝐴</m:t>
+                            </m:r>
+                          </m:e>
+                          <m:sub>
+                            <m:r>
+                              <a:rPr lang="nb-NO" b="0" i="1" smtClean="0">
+                                <a:latin typeface="Cambria Math" panose="02040503050406030204" pitchFamily="18" charset="0"/>
+                              </a:rPr>
+                              <m:t>𝐴</m:t>
+                            </m:r>
+                          </m:sub>
+                        </m:sSub>
+                      </m:oMath>
+                    </m:oMathPara>
+                  </a14:m>
+                  <a:endParaRPr lang="en-GB" dirty="0"/>
+                </a:p>
+                <a:p>
+                  <a:pPr algn="ctr"/>
+                  <a:endParaRPr lang="en-GB" dirty="0"/>
+                </a:p>
+                <a:p>
+                  <a:pPr algn="ctr"/>
+                  <a14:m>
+                    <m:oMathPara xmlns:m="http://schemas.openxmlformats.org/officeDocument/2006/math">
+                      <m:oMathParaPr>
+                        <m:jc m:val="centerGroup"/>
+                      </m:oMathParaPr>
+                      <m:oMath xmlns:m="http://schemas.openxmlformats.org/officeDocument/2006/math">
+                        <m:r>
+                          <a:rPr lang="nb-NO" b="0" i="1" smtClean="0">
+                            <a:latin typeface="Cambria Math" panose="02040503050406030204" pitchFamily="18" charset="0"/>
+                          </a:rPr>
+                          <m:t>𝐼𝑓</m:t>
+                        </m:r>
+                        <m:r>
+                          <a:rPr lang="nb-NO" b="0" i="1" smtClean="0">
+                            <a:latin typeface="Cambria Math" panose="02040503050406030204" pitchFamily="18" charset="0"/>
+                          </a:rPr>
+                          <m:t> </m:t>
+                        </m:r>
+                        <m:sSub>
+                          <m:sSubPr>
+                            <m:ctrlPr>
+                              <a:rPr lang="nb-NO" b="0" i="1" smtClean="0">
+                                <a:latin typeface="Cambria Math" panose="02040503050406030204" pitchFamily="18" charset="0"/>
+                              </a:rPr>
+                            </m:ctrlPr>
+                          </m:sSubPr>
+                          <m:e>
+                            <m:r>
+                              <a:rPr lang="nb-NO" b="0" i="1" smtClean="0">
+                                <a:latin typeface="Cambria Math" panose="02040503050406030204" pitchFamily="18" charset="0"/>
+                              </a:rPr>
+                              <m:t>𝑣</m:t>
+                            </m:r>
+                          </m:e>
+                          <m:sub>
+                            <m:r>
+                              <a:rPr lang="nb-NO" b="0" i="1" smtClean="0">
+                                <a:latin typeface="Cambria Math" panose="02040503050406030204" pitchFamily="18" charset="0"/>
+                              </a:rPr>
+                              <m:t>𝑟𝑒𝑓</m:t>
+                            </m:r>
+                          </m:sub>
+                        </m:sSub>
+                        <m:r>
+                          <a:rPr lang="nb-NO" b="0" i="1" smtClean="0">
+                            <a:latin typeface="Cambria Math" panose="02040503050406030204" pitchFamily="18" charset="0"/>
+                          </a:rPr>
+                          <m:t>&lt;0</m:t>
+                        </m:r>
+                      </m:oMath>
+                    </m:oMathPara>
+                  </a14:m>
+                  <a:endParaRPr lang="en-GB" dirty="0"/>
+                </a:p>
+                <a:p>
+                  <a:pPr algn="ctr"/>
+                  <a14:m>
+                    <m:oMathPara xmlns:m="http://schemas.openxmlformats.org/officeDocument/2006/math">
+                      <m:oMathParaPr>
+                        <m:jc m:val="centerGroup"/>
+                      </m:oMathParaPr>
+                      <m:oMath xmlns:m="http://schemas.openxmlformats.org/officeDocument/2006/math">
+                        <m:r>
+                          <m:rPr>
+                            <m:sty m:val="p"/>
+                          </m:rPr>
+                          <a:rPr lang="nb-NO" b="0" i="0" smtClean="0">
+                            <a:latin typeface="Cambria Math" panose="02040503050406030204" pitchFamily="18" charset="0"/>
+                          </a:rPr>
+                          <m:t>Δ</m:t>
+                        </m:r>
+                        <m:sSub>
+                          <m:sSubPr>
+                            <m:ctrlPr>
+                              <a:rPr lang="nb-NO" b="0" i="1" smtClean="0">
+                                <a:latin typeface="Cambria Math" panose="02040503050406030204" pitchFamily="18" charset="0"/>
+                              </a:rPr>
+                            </m:ctrlPr>
+                          </m:sSubPr>
+                          <m:e>
+                            <m:r>
+                              <a:rPr lang="nb-NO" b="0" i="1" smtClean="0">
+                                <a:latin typeface="Cambria Math" panose="02040503050406030204" pitchFamily="18" charset="0"/>
+                              </a:rPr>
+                              <m:t>𝑝</m:t>
+                            </m:r>
+                          </m:e>
+                          <m:sub>
+                            <m:r>
+                              <a:rPr lang="nb-NO" b="0" i="1" smtClean="0">
+                                <a:latin typeface="Cambria Math" panose="02040503050406030204" pitchFamily="18" charset="0"/>
+                              </a:rPr>
+                              <m:t>𝑚</m:t>
+                            </m:r>
+                          </m:sub>
+                        </m:sSub>
+                        <m:r>
+                          <a:rPr lang="nb-NO" b="0" i="1" smtClean="0">
+                            <a:latin typeface="Cambria Math" panose="02040503050406030204" pitchFamily="18" charset="0"/>
+                          </a:rPr>
+                          <m:t>=</m:t>
+                        </m:r>
+                        <m:sSub>
+                          <m:sSubPr>
+                            <m:ctrlPr>
+                              <a:rPr lang="nb-NO" b="0" i="1" smtClean="0">
+                                <a:latin typeface="Cambria Math" panose="02040503050406030204" pitchFamily="18" charset="0"/>
+                              </a:rPr>
+                            </m:ctrlPr>
+                          </m:sSubPr>
+                          <m:e>
+                            <m:r>
+                              <a:rPr lang="nb-NO" b="0" i="1" smtClean="0">
+                                <a:latin typeface="Cambria Math" panose="02040503050406030204" pitchFamily="18" charset="0"/>
+                              </a:rPr>
+                              <m:t>𝑝</m:t>
+                            </m:r>
+                          </m:e>
+                          <m:sub>
+                            <m:r>
+                              <a:rPr lang="nb-NO" b="0" i="1" smtClean="0">
+                                <a:latin typeface="Cambria Math" panose="02040503050406030204" pitchFamily="18" charset="0"/>
+                              </a:rPr>
+                              <m:t>𝑠𝑢𝑝𝑝𝑙𝑦</m:t>
+                            </m:r>
+                          </m:sub>
+                        </m:sSub>
+                        <m:r>
+                          <a:rPr lang="nb-NO" b="0" i="1" smtClean="0">
+                            <a:latin typeface="Cambria Math" panose="02040503050406030204" pitchFamily="18" charset="0"/>
+                          </a:rPr>
+                          <m:t>−</m:t>
+                        </m:r>
+                        <m:sSub>
+                          <m:sSubPr>
+                            <m:ctrlPr>
+                              <a:rPr lang="nb-NO" b="0" i="1" smtClean="0">
+                                <a:latin typeface="Cambria Math" panose="02040503050406030204" pitchFamily="18" charset="0"/>
+                              </a:rPr>
+                            </m:ctrlPr>
+                          </m:sSubPr>
+                          <m:e>
+                            <m:r>
+                              <a:rPr lang="nb-NO" b="0" i="1" smtClean="0">
+                                <a:latin typeface="Cambria Math" panose="02040503050406030204" pitchFamily="18" charset="0"/>
+                              </a:rPr>
+                              <m:t>𝑝</m:t>
+                            </m:r>
+                          </m:e>
+                          <m:sub>
+                            <m:r>
+                              <a:rPr lang="nb-NO" b="0" i="1" smtClean="0">
+                                <a:latin typeface="Cambria Math" panose="02040503050406030204" pitchFamily="18" charset="0"/>
+                              </a:rPr>
+                              <m:t>𝐵</m:t>
+                            </m:r>
+                          </m:sub>
+                        </m:sSub>
+                      </m:oMath>
+                    </m:oMathPara>
+                  </a14:m>
+                  <a:endParaRPr lang="en-GB" dirty="0"/>
+                </a:p>
+                <a:p>
+                  <a:pPr algn="ctr"/>
+                  <a14:m>
+                    <m:oMathPara xmlns:m="http://schemas.openxmlformats.org/officeDocument/2006/math">
+                      <m:oMathParaPr>
+                        <m:jc m:val="centerGroup"/>
+                      </m:oMathParaPr>
+                      <m:oMath xmlns:m="http://schemas.openxmlformats.org/officeDocument/2006/math">
+                        <m:sSub>
+                          <m:sSubPr>
+                            <m:ctrlPr>
+                              <a:rPr lang="nb-NO" i="1" smtClean="0">
+                                <a:latin typeface="Cambria Math" panose="02040503050406030204" pitchFamily="18" charset="0"/>
+                              </a:rPr>
+                            </m:ctrlPr>
+                          </m:sSubPr>
+                          <m:e>
+                            <m:r>
+                              <a:rPr lang="nb-NO" b="0" i="1" smtClean="0">
+                                <a:latin typeface="Cambria Math" panose="02040503050406030204" pitchFamily="18" charset="0"/>
+                              </a:rPr>
+                              <m:t>𝑄</m:t>
+                            </m:r>
+                          </m:e>
+                          <m:sub>
+                            <m:r>
+                              <a:rPr lang="nb-NO" b="0" i="1" smtClean="0">
+                                <a:latin typeface="Cambria Math" panose="02040503050406030204" pitchFamily="18" charset="0"/>
+                              </a:rPr>
+                              <m:t>𝑟𝑒𝑓</m:t>
+                            </m:r>
+                          </m:sub>
+                        </m:sSub>
+                        <m:r>
+                          <a:rPr lang="nb-NO" b="0" i="1" smtClean="0">
+                            <a:latin typeface="Cambria Math" panose="02040503050406030204" pitchFamily="18" charset="0"/>
+                          </a:rPr>
+                          <m:t>=</m:t>
+                        </m:r>
+                        <m:sSub>
+                          <m:sSubPr>
+                            <m:ctrlPr>
+                              <a:rPr lang="nb-NO" b="0" i="1" smtClean="0">
+                                <a:latin typeface="Cambria Math" panose="02040503050406030204" pitchFamily="18" charset="0"/>
+                              </a:rPr>
+                            </m:ctrlPr>
+                          </m:sSubPr>
+                          <m:e>
+                            <m:r>
+                              <a:rPr lang="nb-NO" b="0" i="1" smtClean="0">
+                                <a:latin typeface="Cambria Math" panose="02040503050406030204" pitchFamily="18" charset="0"/>
+                              </a:rPr>
+                              <m:t>𝑣</m:t>
+                            </m:r>
+                          </m:e>
+                          <m:sub>
+                            <m:r>
+                              <a:rPr lang="nb-NO" b="0" i="1" smtClean="0">
+                                <a:latin typeface="Cambria Math" panose="02040503050406030204" pitchFamily="18" charset="0"/>
+                              </a:rPr>
+                              <m:t>𝑟𝑒𝑓</m:t>
+                            </m:r>
+                          </m:sub>
+                        </m:sSub>
+                        <m:r>
+                          <a:rPr lang="nb-NO" b="0" i="1" smtClean="0">
+                            <a:latin typeface="Cambria Math" panose="02040503050406030204" pitchFamily="18" charset="0"/>
+                          </a:rPr>
+                          <m:t>⋅</m:t>
+                        </m:r>
+                        <m:sSub>
+                          <m:sSubPr>
+                            <m:ctrlPr>
+                              <a:rPr lang="nb-NO" b="0" i="1" smtClean="0">
+                                <a:latin typeface="Cambria Math" panose="02040503050406030204" pitchFamily="18" charset="0"/>
+                              </a:rPr>
+                            </m:ctrlPr>
+                          </m:sSubPr>
+                          <m:e>
+                            <m:r>
+                              <a:rPr lang="nb-NO" b="0" i="1" smtClean="0">
+                                <a:latin typeface="Cambria Math" panose="02040503050406030204" pitchFamily="18" charset="0"/>
+                              </a:rPr>
+                              <m:t>𝐴</m:t>
+                            </m:r>
+                          </m:e>
+                          <m:sub>
                             <m:r>
                               <a:rPr lang="nb-NO" b="0" i="1" smtClean="0">
                                 <a:latin typeface="Cambria Math" panose="02040503050406030204" pitchFamily="18" charset="0"/>
@@ -13835,14 +16860,14 @@
               </p:nvSpPr>
               <p:spPr>
                 <a:xfrm>
-                  <a:off x="1777208" y="3132716"/>
-                  <a:ext cx="2673833" cy="902191"/>
+                  <a:off x="2942330" y="2506982"/>
+                  <a:ext cx="2203460" cy="2313392"/>
                 </a:xfrm>
                 <a:prstGeom prst="rect">
                   <a:avLst/>
                 </a:prstGeom>
                 <a:blipFill>
-                  <a:blip r:embed="rId3"/>
+                  <a:blip r:embed="rId2"/>
                   <a:stretch>
                     <a:fillRect/>
                   </a:stretch>
@@ -13868,54 +16893,8 @@
             </p:sp>
           </mc:Fallback>
         </mc:AlternateContent>
-        <p:cxnSp>
-          <p:nvCxnSpPr>
-            <p:cNvPr id="14" name="Straight Arrow Connector 13">
-              <a:extLst>
-                <a:ext uri="{FF2B5EF4-FFF2-40B4-BE49-F238E27FC236}">
-                  <a16:creationId xmlns:a16="http://schemas.microsoft.com/office/drawing/2014/main" id="{E0BA5702-2E6F-681F-4E11-11CF2702D7F3}"/>
-                </a:ext>
-              </a:extLst>
-            </p:cNvPr>
-            <p:cNvCxnSpPr>
-              <a:cxnSpLocks/>
-              <a:stCxn id="19" idx="3"/>
-              <a:endCxn id="2" idx="1"/>
-            </p:cNvCxnSpPr>
-            <p:nvPr/>
-          </p:nvCxnSpPr>
-          <p:spPr>
-            <a:xfrm>
-              <a:off x="2421929" y="2665565"/>
-              <a:ext cx="512780" cy="1"/>
-            </a:xfrm>
-            <a:prstGeom prst="straightConnector1">
-              <a:avLst/>
-            </a:prstGeom>
-            <a:ln w="38100">
-              <a:solidFill>
-                <a:schemeClr val="tx1"/>
-              </a:solidFill>
-              <a:tailEnd type="triangle"/>
-            </a:ln>
-          </p:spPr>
-          <p:style>
-            <a:lnRef idx="2">
-              <a:schemeClr val="accent1"/>
-            </a:lnRef>
-            <a:fillRef idx="0">
-              <a:schemeClr val="accent1"/>
-            </a:fillRef>
-            <a:effectRef idx="1">
-              <a:schemeClr val="accent1"/>
-            </a:effectRef>
-            <a:fontRef idx="minor">
-              <a:schemeClr val="tx1"/>
-            </a:fontRef>
-          </p:style>
-        </p:cxnSp>
-        <mc:AlternateContent xmlns:mc="http://schemas.openxmlformats.org/markup-compatibility/2006">
-          <mc:Choice xmlns:a14="http://schemas.microsoft.com/office/drawing/2010/main" Requires="a14">
+        <mc:AlternateContent xmlns:mc="http://schemas.openxmlformats.org/markup-compatibility/2006" xmlns:a14="http://schemas.microsoft.com/office/drawing/2010/main">
+          <mc:Choice Requires="a14">
             <p:sp>
               <p:nvSpPr>
                 <p:cNvPr id="18" name="TextBox 17">
@@ -13930,7 +16909,7 @@
               </p:nvSpPr>
               <p:spPr>
                 <a:xfrm>
-                  <a:off x="3837852" y="4744510"/>
+                  <a:off x="1904736" y="3129931"/>
                   <a:ext cx="941220" cy="391261"/>
                 </a:xfrm>
                 <a:prstGeom prst="rect">
@@ -13987,7 +16966,7 @@
               </p:txBody>
             </p:sp>
           </mc:Choice>
-          <mc:Fallback>
+          <mc:Fallback xmlns="">
             <p:sp>
               <p:nvSpPr>
                 <p:cNvPr id="18" name="TextBox 17">
@@ -14004,16 +16983,16 @@
               </p:nvSpPr>
               <p:spPr>
                 <a:xfrm>
-                  <a:off x="3837852" y="4744510"/>
+                  <a:off x="1904736" y="3129931"/>
                   <a:ext cx="941220" cy="391261"/>
                 </a:xfrm>
                 <a:prstGeom prst="rect">
                   <a:avLst/>
                 </a:prstGeom>
                 <a:blipFill>
-                  <a:blip r:embed="rId4"/>
+                  <a:blip r:embed="rId3"/>
                   <a:stretch>
-                    <a:fillRect b="-7813"/>
+                    <a:fillRect b="-6154"/>
                   </a:stretch>
                 </a:blipFill>
                 <a:ln>
@@ -14051,8 +17030,8 @@
               </p:nvSpPr>
               <p:spPr>
                 <a:xfrm>
-                  <a:off x="1780984" y="2469774"/>
-                  <a:ext cx="640945" cy="391582"/>
+                  <a:off x="2105339" y="2749788"/>
+                  <a:ext cx="520256" cy="391582"/>
                 </a:xfrm>
                 <a:prstGeom prst="rect">
                   <a:avLst/>
@@ -14063,7 +17042,7 @@
                 </a:ln>
               </p:spPr>
               <p:txBody>
-                <a:bodyPr wrap="none" rtlCol="0">
+                <a:bodyPr wrap="square" rtlCol="0">
                   <a:spAutoFit/>
                 </a:bodyPr>
                 <a:lstStyle/>
@@ -14088,7 +17067,7 @@
                               <a:rPr lang="nb-NO" b="0" i="1" smtClean="0">
                                 <a:latin typeface="Cambria Math" panose="02040503050406030204" pitchFamily="18" charset="0"/>
                               </a:rPr>
-                              <m:t>𝑉</m:t>
+                              <m:t>𝑣</m:t>
                             </m:r>
                           </m:e>
                           <m:sub>
@@ -14125,16 +17104,16 @@
               </p:nvSpPr>
               <p:spPr>
                 <a:xfrm>
-                  <a:off x="1780984" y="2469774"/>
-                  <a:ext cx="640945" cy="391582"/>
+                  <a:off x="2105339" y="2749788"/>
+                  <a:ext cx="520256" cy="391582"/>
                 </a:xfrm>
                 <a:prstGeom prst="rect">
                   <a:avLst/>
                 </a:prstGeom>
                 <a:blipFill>
-                  <a:blip r:embed="rId5"/>
+                  <a:blip r:embed="rId4"/>
                   <a:stretch>
-                    <a:fillRect b="-10938"/>
+                    <a:fillRect r="-10465" b="-10938"/>
                   </a:stretch>
                 </a:blipFill>
                 <a:ln>
@@ -14156,8 +17135,8 @@
             </p:sp>
           </mc:Fallback>
         </mc:AlternateContent>
-        <mc:AlternateContent xmlns:mc="http://schemas.openxmlformats.org/markup-compatibility/2006">
-          <mc:Choice xmlns:a14="http://schemas.microsoft.com/office/drawing/2010/main" Requires="a14">
+        <mc:AlternateContent xmlns:mc="http://schemas.openxmlformats.org/markup-compatibility/2006" xmlns:a14="http://schemas.microsoft.com/office/drawing/2010/main">
+          <mc:Choice Requires="a14">
             <p:sp>
               <p:nvSpPr>
                 <p:cNvPr id="20" name="TextBox 19">
@@ -14172,8 +17151,8 @@
               </p:nvSpPr>
               <p:spPr>
                 <a:xfrm>
-                  <a:off x="5572822" y="3599919"/>
-                  <a:ext cx="655884" cy="369332"/>
+                  <a:off x="5419359" y="3565415"/>
+                  <a:ext cx="664156" cy="369332"/>
                 </a:xfrm>
                 <a:prstGeom prst="rect">
                   <a:avLst/>
@@ -14206,10 +17185,19 @@
                           </m:sSubPr>
                           <m:e>
                             <m:r>
+                              <m:rPr>
+                                <m:sty m:val="p"/>
+                              </m:rPr>
+                              <a:rPr lang="nb-NO" b="0" i="0" smtClean="0">
+                                <a:latin typeface="Cambria Math" panose="02040503050406030204" pitchFamily="18" charset="0"/>
+                              </a:rPr>
+                              <m:t>Δ</m:t>
+                            </m:r>
+                            <m:r>
                               <a:rPr lang="nb-NO" b="0" i="1" smtClean="0">
                                 <a:latin typeface="Cambria Math" panose="02040503050406030204" pitchFamily="18" charset="0"/>
                               </a:rPr>
-                              <m:t>𝑋</m:t>
+                              <m:t>𝑝</m:t>
                             </m:r>
                           </m:e>
                           <m:sub>
@@ -14217,7 +17205,7 @@
                               <a:rPr lang="nb-NO" b="0" i="1" smtClean="0">
                                 <a:latin typeface="Cambria Math" panose="02040503050406030204" pitchFamily="18" charset="0"/>
                               </a:rPr>
-                              <m:t>𝑒𝑟𝑟</m:t>
+                              <m:t>𝑚</m:t>
                             </m:r>
                           </m:sub>
                         </m:sSub>
@@ -14229,7 +17217,7 @@
               </p:txBody>
             </p:sp>
           </mc:Choice>
-          <mc:Fallback>
+          <mc:Fallback xmlns="">
             <p:sp>
               <p:nvSpPr>
                 <p:cNvPr id="20" name="TextBox 19">
@@ -14246,16 +17234,16 @@
               </p:nvSpPr>
               <p:spPr>
                 <a:xfrm>
-                  <a:off x="5572822" y="3599919"/>
-                  <a:ext cx="655884" cy="369332"/>
+                  <a:off x="5419359" y="3565415"/>
+                  <a:ext cx="664156" cy="369332"/>
                 </a:xfrm>
                 <a:prstGeom prst="rect">
                   <a:avLst/>
                 </a:prstGeom>
                 <a:blipFill>
-                  <a:blip r:embed="rId6"/>
+                  <a:blip r:embed="rId5"/>
                   <a:stretch>
-                    <a:fillRect/>
+                    <a:fillRect b="-6667"/>
                   </a:stretch>
                 </a:blipFill>
                 <a:ln>
@@ -14277,8 +17265,8 @@
             </p:sp>
           </mc:Fallback>
         </mc:AlternateContent>
-        <mc:AlternateContent xmlns:mc="http://schemas.openxmlformats.org/markup-compatibility/2006">
-          <mc:Choice xmlns:a14="http://schemas.microsoft.com/office/drawing/2010/main" Requires="a14">
+        <mc:AlternateContent xmlns:mc="http://schemas.openxmlformats.org/markup-compatibility/2006" xmlns:a14="http://schemas.microsoft.com/office/drawing/2010/main">
+          <mc:Choice Requires="a14">
             <p:sp>
               <p:nvSpPr>
                 <p:cNvPr id="21" name="TextBox 20">
@@ -14293,7 +17281,7 @@
               </p:nvSpPr>
               <p:spPr>
                 <a:xfrm>
-                  <a:off x="5546788" y="2721763"/>
+                  <a:off x="5410478" y="2951146"/>
                   <a:ext cx="681918" cy="391582"/>
                 </a:xfrm>
                 <a:prstGeom prst="rect">
@@ -14350,7 +17338,7 @@
               </p:txBody>
             </p:sp>
           </mc:Choice>
-          <mc:Fallback>
+          <mc:Fallback xmlns="">
             <p:sp>
               <p:nvSpPr>
                 <p:cNvPr id="21" name="TextBox 20">
@@ -14367,16 +17355,16 @@
               </p:nvSpPr>
               <p:spPr>
                 <a:xfrm>
-                  <a:off x="5546788" y="2721763"/>
+                  <a:off x="5410478" y="2951146"/>
                   <a:ext cx="681918" cy="391582"/>
                 </a:xfrm>
                 <a:prstGeom prst="rect">
                   <a:avLst/>
                 </a:prstGeom>
                 <a:blipFill>
-                  <a:blip r:embed="rId7"/>
+                  <a:blip r:embed="rId6"/>
                   <a:stretch>
-                    <a:fillRect b="-9231"/>
+                    <a:fillRect b="-10938"/>
                   </a:stretch>
                 </a:blipFill>
                 <a:ln>
@@ -14398,8 +17386,8 @@
             </p:sp>
           </mc:Fallback>
         </mc:AlternateContent>
-        <mc:AlternateContent xmlns:mc="http://schemas.openxmlformats.org/markup-compatibility/2006">
-          <mc:Choice xmlns:a14="http://schemas.microsoft.com/office/drawing/2010/main" Requires="a14">
+        <mc:AlternateContent xmlns:mc="http://schemas.openxmlformats.org/markup-compatibility/2006" xmlns:a14="http://schemas.microsoft.com/office/drawing/2010/main">
+          <mc:Choice Requires="a14">
             <p:sp>
               <p:nvSpPr>
                 <p:cNvPr id="28" name="Rectangle 27">
@@ -14414,8 +17402,8 @@
               </p:nvSpPr>
               <p:spPr>
                 <a:xfrm>
-                  <a:off x="6362058" y="2431991"/>
-                  <a:ext cx="2992768" cy="1894630"/>
+                  <a:off x="6366033" y="2506982"/>
+                  <a:ext cx="2992768" cy="2313393"/>
                 </a:xfrm>
                 <a:prstGeom prst="rect">
                   <a:avLst/>
@@ -14552,14 +17540,42 @@
                                   <a:rPr lang="nb-NO" b="0" i="1" smtClean="0">
                                     <a:latin typeface="Cambria Math" panose="02040503050406030204" pitchFamily="18" charset="0"/>
                                   </a:rPr>
-                                  <m:t>@6</m:t>
+                                  <m:t>@</m:t>
                                 </m:r>
                                 <m:r>
-                                  <a:rPr lang="nb-NO" b="0" i="1" smtClean="0">
+                                  <m:rPr>
+                                    <m:sty m:val="p"/>
+                                  </m:rPr>
+                                  <a:rPr lang="nb-NO" b="0" i="0" smtClean="0">
                                     <a:latin typeface="Cambria Math" panose="02040503050406030204" pitchFamily="18" charset="0"/>
                                   </a:rPr>
-                                  <m:t>𝑏𝑎𝑟</m:t>
+                                  <m:t>Δ</m:t>
                                 </m:r>
+                                <m:sSub>
+                                  <m:sSubPr>
+                                    <m:ctrlPr>
+                                      <a:rPr lang="nb-NO" b="0" i="1" smtClean="0">
+                                        <a:latin typeface="Cambria Math" panose="02040503050406030204" pitchFamily="18" charset="0"/>
+                                      </a:rPr>
+                                    </m:ctrlPr>
+                                  </m:sSubPr>
+                                  <m:e>
+                                    <m:r>
+                                      <a:rPr lang="nb-NO" b="0" i="1" smtClean="0">
+                                        <a:latin typeface="Cambria Math" panose="02040503050406030204" pitchFamily="18" charset="0"/>
+                                      </a:rPr>
+                                      <m:t>𝑝</m:t>
+                                    </m:r>
+                                  </m:e>
+                                  <m:sub>
+                                    <m:r>
+                                      <a:rPr lang="nb-NO" b="0" i="1" smtClean="0">
+                                        <a:latin typeface="Cambria Math" panose="02040503050406030204" pitchFamily="18" charset="0"/>
+                                      </a:rPr>
+                                      <m:t>0</m:t>
+                                    </m:r>
+                                  </m:sub>
+                                </m:sSub>
                               </m:sub>
                             </m:sSub>
                           </m:den>
@@ -14627,14 +17643,7 @@
                                         <a:latin typeface="Cambria Math" panose="02040503050406030204" pitchFamily="18" charset="0"/>
                                         <a:ea typeface="Cambria Math" panose="02040503050406030204" pitchFamily="18" charset="0"/>
                                       </a:rPr>
-                                      <m:t>6</m:t>
-                                    </m:r>
-                                    <m:r>
-                                      <a:rPr lang="nb-NO" b="0" i="1" smtClean="0">
-                                        <a:latin typeface="Cambria Math" panose="02040503050406030204" pitchFamily="18" charset="0"/>
-                                        <a:ea typeface="Cambria Math" panose="02040503050406030204" pitchFamily="18" charset="0"/>
-                                      </a:rPr>
-                                      <m:t>𝑏𝑎𝑟</m:t>
+                                      <m:t>0</m:t>
                                     </m:r>
                                   </m:sub>
                                 </m:sSub>
@@ -14688,7 +17697,7 @@
                                         <a:latin typeface="Cambria Math" panose="02040503050406030204" pitchFamily="18" charset="0"/>
                                         <a:ea typeface="Cambria Math" panose="02040503050406030204" pitchFamily="18" charset="0"/>
                                       </a:rPr>
-                                      <m:t>𝑚𝑒𝑎𝑠</m:t>
+                                      <m:t>𝑚</m:t>
                                     </m:r>
                                   </m:sub>
                                 </m:sSub>
@@ -14704,7 +17713,7 @@
               </p:txBody>
             </p:sp>
           </mc:Choice>
-          <mc:Fallback>
+          <mc:Fallback xmlns="">
             <p:sp>
               <p:nvSpPr>
                 <p:cNvPr id="28" name="Rectangle 27">
@@ -14721,14 +17730,14 @@
               </p:nvSpPr>
               <p:spPr>
                 <a:xfrm>
-                  <a:off x="6362058" y="2431991"/>
-                  <a:ext cx="2992768" cy="1894630"/>
+                  <a:off x="6366033" y="2506982"/>
+                  <a:ext cx="2992768" cy="2313393"/>
                 </a:xfrm>
                 <a:prstGeom prst="rect">
                   <a:avLst/>
                 </a:prstGeom>
                 <a:blipFill>
-                  <a:blip r:embed="rId8"/>
+                  <a:blip r:embed="rId7"/>
                   <a:stretch>
                     <a:fillRect/>
                   </a:stretch>
@@ -14770,7 +17779,7 @@
           </p:nvCxnSpPr>
           <p:spPr>
             <a:xfrm>
-              <a:off x="9354826" y="3384011"/>
+              <a:off x="9362446" y="3647288"/>
               <a:ext cx="928364" cy="2836"/>
             </a:xfrm>
             <a:prstGeom prst="straightConnector1">
@@ -14798,8 +17807,8 @@
             </a:fontRef>
           </p:style>
         </p:cxnSp>
-        <mc:AlternateContent xmlns:mc="http://schemas.openxmlformats.org/markup-compatibility/2006">
-          <mc:Choice xmlns:a14="http://schemas.microsoft.com/office/drawing/2010/main" Requires="a14">
+        <mc:AlternateContent xmlns:mc="http://schemas.openxmlformats.org/markup-compatibility/2006" xmlns:a14="http://schemas.microsoft.com/office/drawing/2010/main">
+          <mc:Choice Requires="a14">
             <p:sp>
               <p:nvSpPr>
                 <p:cNvPr id="30" name="TextBox 29">
@@ -14814,7 +17823,7 @@
               </p:nvSpPr>
               <p:spPr>
                 <a:xfrm>
-                  <a:off x="9371999" y="2959513"/>
+                  <a:off x="9379619" y="3222790"/>
                   <a:ext cx="572721" cy="391582"/>
                 </a:xfrm>
                 <a:prstGeom prst="rect">
@@ -14877,7 +17886,7 @@
               </p:txBody>
             </p:sp>
           </mc:Choice>
-          <mc:Fallback>
+          <mc:Fallback xmlns="">
             <p:sp>
               <p:nvSpPr>
                 <p:cNvPr id="30" name="TextBox 29">
@@ -14894,16 +17903,16 @@
               </p:nvSpPr>
               <p:spPr>
                 <a:xfrm>
-                  <a:off x="9371999" y="2959513"/>
+                  <a:off x="9379619" y="3222790"/>
                   <a:ext cx="572721" cy="391582"/>
                 </a:xfrm>
                 <a:prstGeom prst="rect">
                   <a:avLst/>
                 </a:prstGeom>
                 <a:blipFill>
-                  <a:blip r:embed="rId9"/>
+                  <a:blip r:embed="rId8"/>
                   <a:stretch>
-                    <a:fillRect b="-9231"/>
+                    <a:fillRect b="-9375"/>
                   </a:stretch>
                 </a:blipFill>
                 <a:ln>
@@ -14927,52 +17936,10 @@
         </mc:AlternateContent>
         <p:cxnSp>
           <p:nvCxnSpPr>
-            <p:cNvPr id="53" name="Connector: Elbow 52">
+            <p:cNvPr id="61" name="Straight Arrow Connector 60">
               <a:extLst>
                 <a:ext uri="{FF2B5EF4-FFF2-40B4-BE49-F238E27FC236}">
-                  <a16:creationId xmlns:a16="http://schemas.microsoft.com/office/drawing/2014/main" id="{68574CEB-C21C-AC75-B977-37DB8412C8CD}"/>
-                </a:ext>
-              </a:extLst>
-            </p:cNvPr>
-            <p:cNvCxnSpPr>
-              <a:cxnSpLocks/>
-              <a:stCxn id="2" idx="3"/>
-            </p:cNvCxnSpPr>
-            <p:nvPr/>
-          </p:nvCxnSpPr>
-          <p:spPr>
-            <a:xfrm>
-              <a:off x="4118496" y="2665566"/>
-              <a:ext cx="2238370" cy="481167"/>
-            </a:xfrm>
-            <a:prstGeom prst="bentConnector3">
-              <a:avLst/>
-            </a:prstGeom>
-            <a:ln w="38100">
-              <a:tailEnd type="triangle"/>
-            </a:ln>
-          </p:spPr>
-          <p:style>
-            <a:lnRef idx="3">
-              <a:schemeClr val="dk1"/>
-            </a:lnRef>
-            <a:fillRef idx="0">
-              <a:schemeClr val="dk1"/>
-            </a:fillRef>
-            <a:effectRef idx="2">
-              <a:schemeClr val="dk1"/>
-            </a:effectRef>
-            <a:fontRef idx="minor">
-              <a:schemeClr val="tx1"/>
-            </a:fontRef>
-          </p:style>
-        </p:cxnSp>
-        <p:cxnSp>
-          <p:nvCxnSpPr>
-            <p:cNvPr id="60" name="Straight Arrow Connector 59">
-              <a:extLst>
-                <a:ext uri="{FF2B5EF4-FFF2-40B4-BE49-F238E27FC236}">
-                  <a16:creationId xmlns:a16="http://schemas.microsoft.com/office/drawing/2014/main" id="{5A3FB04B-7ED5-A606-A642-2BB1E0BF741A}"/>
+                  <a16:creationId xmlns:a16="http://schemas.microsoft.com/office/drawing/2014/main" id="{BF3B41F2-F0B2-206F-7A13-656D89738691}"/>
                 </a:ext>
               </a:extLst>
             </p:cNvPr>
@@ -14982,9 +17949,9 @@
             <p:nvPr/>
           </p:nvCxnSpPr>
           <p:spPr>
-            <a:xfrm rot="16200000">
-              <a:off x="3824285" y="4464606"/>
-              <a:ext cx="825076" cy="0"/>
+            <a:xfrm>
+              <a:off x="1788604" y="3150503"/>
+              <a:ext cx="1153725" cy="0"/>
             </a:xfrm>
             <a:prstGeom prst="straightConnector1">
               <a:avLst/>
@@ -15011,96 +17978,8 @@
             </a:fontRef>
           </p:style>
         </p:cxnSp>
-        <p:cxnSp>
-          <p:nvCxnSpPr>
-            <p:cNvPr id="61" name="Straight Arrow Connector 60">
-              <a:extLst>
-                <a:ext uri="{FF2B5EF4-FFF2-40B4-BE49-F238E27FC236}">
-                  <a16:creationId xmlns:a16="http://schemas.microsoft.com/office/drawing/2014/main" id="{BF3B41F2-F0B2-206F-7A13-656D89738691}"/>
-                </a:ext>
-              </a:extLst>
-            </p:cNvPr>
-            <p:cNvCxnSpPr>
-              <a:cxnSpLocks/>
-            </p:cNvCxnSpPr>
-            <p:nvPr/>
-          </p:nvCxnSpPr>
-          <p:spPr>
-            <a:xfrm rot="16200000">
-              <a:off x="1547478" y="4462266"/>
-              <a:ext cx="825076" cy="0"/>
-            </a:xfrm>
-            <a:prstGeom prst="straightConnector1">
-              <a:avLst/>
-            </a:prstGeom>
-            <a:ln w="38100">
-              <a:solidFill>
-                <a:schemeClr val="tx1"/>
-              </a:solidFill>
-              <a:tailEnd type="triangle"/>
-            </a:ln>
-          </p:spPr>
-          <p:style>
-            <a:lnRef idx="2">
-              <a:schemeClr val="accent1"/>
-            </a:lnRef>
-            <a:fillRef idx="0">
-              <a:schemeClr val="accent1"/>
-            </a:fillRef>
-            <a:effectRef idx="1">
-              <a:schemeClr val="accent1"/>
-            </a:effectRef>
-            <a:fontRef idx="minor">
-              <a:schemeClr val="tx1"/>
-            </a:fontRef>
-          </p:style>
-        </p:cxnSp>
-        <p:cxnSp>
-          <p:nvCxnSpPr>
-            <p:cNvPr id="62" name="Straight Arrow Connector 61">
-              <a:extLst>
-                <a:ext uri="{FF2B5EF4-FFF2-40B4-BE49-F238E27FC236}">
-                  <a16:creationId xmlns:a16="http://schemas.microsoft.com/office/drawing/2014/main" id="{5D633CC2-0192-FB5E-0D17-F915545A4376}"/>
-                </a:ext>
-              </a:extLst>
-            </p:cNvPr>
-            <p:cNvCxnSpPr>
-              <a:cxnSpLocks/>
-            </p:cNvCxnSpPr>
-            <p:nvPr/>
-          </p:nvCxnSpPr>
-          <p:spPr>
-            <a:xfrm rot="16200000">
-              <a:off x="2678780" y="4462266"/>
-              <a:ext cx="825076" cy="0"/>
-            </a:xfrm>
-            <a:prstGeom prst="straightConnector1">
-              <a:avLst/>
-            </a:prstGeom>
-            <a:ln w="38100">
-              <a:solidFill>
-                <a:schemeClr val="tx1"/>
-              </a:solidFill>
-              <a:tailEnd type="triangle"/>
-            </a:ln>
-          </p:spPr>
-          <p:style>
-            <a:lnRef idx="2">
-              <a:schemeClr val="accent1"/>
-            </a:lnRef>
-            <a:fillRef idx="0">
-              <a:schemeClr val="accent1"/>
-            </a:fillRef>
-            <a:effectRef idx="1">
-              <a:schemeClr val="accent1"/>
-            </a:effectRef>
-            <a:fontRef idx="minor">
-              <a:schemeClr val="tx1"/>
-            </a:fontRef>
-          </p:style>
-        </p:cxnSp>
-        <mc:AlternateContent xmlns:mc="http://schemas.openxmlformats.org/markup-compatibility/2006">
-          <mc:Choice xmlns:a14="http://schemas.microsoft.com/office/drawing/2010/main" Requires="a14">
+        <mc:AlternateContent xmlns:mc="http://schemas.openxmlformats.org/markup-compatibility/2006" xmlns:a14="http://schemas.microsoft.com/office/drawing/2010/main">
+          <mc:Choice Requires="a14">
             <p:sp>
               <p:nvSpPr>
                 <p:cNvPr id="63" name="TextBox 62">
@@ -15115,7 +17994,7 @@
               </p:nvSpPr>
               <p:spPr>
                 <a:xfrm>
-                  <a:off x="1702638" y="4766439"/>
+                  <a:off x="2092636" y="3950603"/>
                   <a:ext cx="486352" cy="369332"/>
                 </a:xfrm>
                 <a:prstGeom prst="rect">
@@ -15172,7 +18051,7 @@
               </p:txBody>
             </p:sp>
           </mc:Choice>
-          <mc:Fallback>
+          <mc:Fallback xmlns="">
             <p:sp>
               <p:nvSpPr>
                 <p:cNvPr id="63" name="TextBox 62">
@@ -15189,16 +18068,16 @@
               </p:nvSpPr>
               <p:spPr>
                 <a:xfrm>
-                  <a:off x="1702638" y="4766439"/>
+                  <a:off x="2092636" y="3950603"/>
                   <a:ext cx="486352" cy="369332"/>
                 </a:xfrm>
                 <a:prstGeom prst="rect">
                   <a:avLst/>
                 </a:prstGeom>
                 <a:blipFill>
-                  <a:blip r:embed="rId10"/>
+                  <a:blip r:embed="rId9"/>
                   <a:stretch>
-                    <a:fillRect b="-6667"/>
+                    <a:fillRect b="-6557"/>
                   </a:stretch>
                 </a:blipFill>
                 <a:ln>
@@ -15220,8 +18099,8 @@
             </p:sp>
           </mc:Fallback>
         </mc:AlternateContent>
-        <mc:AlternateContent xmlns:mc="http://schemas.openxmlformats.org/markup-compatibility/2006">
-          <mc:Choice xmlns:a14="http://schemas.microsoft.com/office/drawing/2010/main" Requires="a14">
+        <mc:AlternateContent xmlns:mc="http://schemas.openxmlformats.org/markup-compatibility/2006" xmlns:a14="http://schemas.microsoft.com/office/drawing/2010/main">
+          <mc:Choice Requires="a14">
             <p:sp>
               <p:nvSpPr>
                 <p:cNvPr id="64" name="TextBox 63">
@@ -15236,7 +18115,7 @@
               </p:nvSpPr>
               <p:spPr>
                 <a:xfrm>
-                  <a:off x="2831310" y="4766439"/>
+                  <a:off x="2105339" y="3532988"/>
                   <a:ext cx="480195" cy="369332"/>
                 </a:xfrm>
                 <a:prstGeom prst="rect">
@@ -15293,7 +18172,7 @@
               </p:txBody>
             </p:sp>
           </mc:Choice>
-          <mc:Fallback>
+          <mc:Fallback xmlns="">
             <p:sp>
               <p:nvSpPr>
                 <p:cNvPr id="64" name="TextBox 63">
@@ -15310,14 +18189,14 @@
               </p:nvSpPr>
               <p:spPr>
                 <a:xfrm>
-                  <a:off x="2831310" y="4766439"/>
+                  <a:off x="2105339" y="3532988"/>
                   <a:ext cx="480195" cy="369332"/>
                 </a:xfrm>
                 <a:prstGeom prst="rect">
                   <a:avLst/>
                 </a:prstGeom>
                 <a:blipFill>
-                  <a:blip r:embed="rId11"/>
+                  <a:blip r:embed="rId10"/>
                   <a:stretch>
                     <a:fillRect b="-6667"/>
                   </a:stretch>
@@ -15352,14 +18231,189 @@
             </p:cNvPr>
             <p:cNvCxnSpPr>
               <a:cxnSpLocks/>
-              <a:stCxn id="3" idx="3"/>
             </p:cNvCxnSpPr>
             <p:nvPr/>
           </p:nvCxnSpPr>
           <p:spPr>
-            <a:xfrm flipV="1">
-              <a:off x="4451041" y="3583811"/>
-              <a:ext cx="1893844" cy="1"/>
+            <a:xfrm>
+              <a:off x="5145790" y="3984622"/>
+              <a:ext cx="1216598" cy="1"/>
+            </a:xfrm>
+            <a:prstGeom prst="straightConnector1">
+              <a:avLst/>
+            </a:prstGeom>
+            <a:ln w="38100">
+              <a:solidFill>
+                <a:schemeClr val="tx1"/>
+              </a:solidFill>
+              <a:tailEnd type="triangle"/>
+            </a:ln>
+          </p:spPr>
+          <p:style>
+            <a:lnRef idx="2">
+              <a:schemeClr val="accent1"/>
+            </a:lnRef>
+            <a:fillRef idx="0">
+              <a:schemeClr val="accent1"/>
+            </a:fillRef>
+            <a:effectRef idx="1">
+              <a:schemeClr val="accent1"/>
+            </a:effectRef>
+            <a:fontRef idx="minor">
+              <a:schemeClr val="tx1"/>
+            </a:fontRef>
+          </p:style>
+        </p:cxnSp>
+        <p:cxnSp>
+          <p:nvCxnSpPr>
+            <p:cNvPr id="6" name="Straight Arrow Connector 5">
+              <a:extLst>
+                <a:ext uri="{FF2B5EF4-FFF2-40B4-BE49-F238E27FC236}">
+                  <a16:creationId xmlns:a16="http://schemas.microsoft.com/office/drawing/2014/main" id="{D510D9D3-AC78-20FD-0731-1ADE5B0C3682}"/>
+                </a:ext>
+              </a:extLst>
+            </p:cNvPr>
+            <p:cNvCxnSpPr>
+              <a:cxnSpLocks/>
+            </p:cNvCxnSpPr>
+            <p:nvPr/>
+          </p:nvCxnSpPr>
+          <p:spPr>
+            <a:xfrm>
+              <a:off x="5145790" y="3342728"/>
+              <a:ext cx="1218696" cy="0"/>
+            </a:xfrm>
+            <a:prstGeom prst="straightConnector1">
+              <a:avLst/>
+            </a:prstGeom>
+            <a:ln w="38100">
+              <a:solidFill>
+                <a:schemeClr val="tx1"/>
+              </a:solidFill>
+              <a:tailEnd type="triangle"/>
+            </a:ln>
+          </p:spPr>
+          <p:style>
+            <a:lnRef idx="2">
+              <a:schemeClr val="accent1"/>
+            </a:lnRef>
+            <a:fillRef idx="0">
+              <a:schemeClr val="accent1"/>
+            </a:fillRef>
+            <a:effectRef idx="1">
+              <a:schemeClr val="accent1"/>
+            </a:effectRef>
+            <a:fontRef idx="minor">
+              <a:schemeClr val="tx1"/>
+            </a:fontRef>
+          </p:style>
+        </p:cxnSp>
+        <p:cxnSp>
+          <p:nvCxnSpPr>
+            <p:cNvPr id="17" name="Straight Arrow Connector 16">
+              <a:extLst>
+                <a:ext uri="{FF2B5EF4-FFF2-40B4-BE49-F238E27FC236}">
+                  <a16:creationId xmlns:a16="http://schemas.microsoft.com/office/drawing/2014/main" id="{FA69ECA6-CB64-BF29-173A-62CA8C421756}"/>
+                </a:ext>
+              </a:extLst>
+            </p:cNvPr>
+            <p:cNvCxnSpPr>
+              <a:cxnSpLocks/>
+            </p:cNvCxnSpPr>
+            <p:nvPr/>
+          </p:nvCxnSpPr>
+          <p:spPr>
+            <a:xfrm>
+              <a:off x="1788603" y="3510429"/>
+              <a:ext cx="1153725" cy="0"/>
+            </a:xfrm>
+            <a:prstGeom prst="straightConnector1">
+              <a:avLst/>
+            </a:prstGeom>
+            <a:ln w="38100">
+              <a:solidFill>
+                <a:schemeClr val="tx1"/>
+              </a:solidFill>
+              <a:tailEnd type="triangle"/>
+            </a:ln>
+          </p:spPr>
+          <p:style>
+            <a:lnRef idx="2">
+              <a:schemeClr val="accent1"/>
+            </a:lnRef>
+            <a:fillRef idx="0">
+              <a:schemeClr val="accent1"/>
+            </a:fillRef>
+            <a:effectRef idx="1">
+              <a:schemeClr val="accent1"/>
+            </a:effectRef>
+            <a:fontRef idx="minor">
+              <a:schemeClr val="tx1"/>
+            </a:fontRef>
+          </p:style>
+        </p:cxnSp>
+        <p:cxnSp>
+          <p:nvCxnSpPr>
+            <p:cNvPr id="22" name="Straight Arrow Connector 21">
+              <a:extLst>
+                <a:ext uri="{FF2B5EF4-FFF2-40B4-BE49-F238E27FC236}">
+                  <a16:creationId xmlns:a16="http://schemas.microsoft.com/office/drawing/2014/main" id="{D1873702-A064-7A7F-CABD-F3482E1DD2F3}"/>
+                </a:ext>
+              </a:extLst>
+            </p:cNvPr>
+            <p:cNvCxnSpPr>
+              <a:cxnSpLocks/>
+            </p:cNvCxnSpPr>
+            <p:nvPr/>
+          </p:nvCxnSpPr>
+          <p:spPr>
+            <a:xfrm>
+              <a:off x="1788603" y="3890523"/>
+              <a:ext cx="1153725" cy="0"/>
+            </a:xfrm>
+            <a:prstGeom prst="straightConnector1">
+              <a:avLst/>
+            </a:prstGeom>
+            <a:ln w="38100">
+              <a:solidFill>
+                <a:schemeClr val="tx1"/>
+              </a:solidFill>
+              <a:tailEnd type="triangle"/>
+            </a:ln>
+          </p:spPr>
+          <p:style>
+            <a:lnRef idx="2">
+              <a:schemeClr val="accent1"/>
+            </a:lnRef>
+            <a:fillRef idx="0">
+              <a:schemeClr val="accent1"/>
+            </a:fillRef>
+            <a:effectRef idx="1">
+              <a:schemeClr val="accent1"/>
+            </a:effectRef>
+            <a:fontRef idx="minor">
+              <a:schemeClr val="tx1"/>
+            </a:fontRef>
+          </p:style>
+        </p:cxnSp>
+        <p:cxnSp>
+          <p:nvCxnSpPr>
+            <p:cNvPr id="23" name="Straight Arrow Connector 22">
+              <a:extLst>
+                <a:ext uri="{FF2B5EF4-FFF2-40B4-BE49-F238E27FC236}">
+                  <a16:creationId xmlns:a16="http://schemas.microsoft.com/office/drawing/2014/main" id="{7EF3A4DE-97DC-EF5B-F73F-B60EDE5814B6}"/>
+                </a:ext>
+              </a:extLst>
+            </p:cNvPr>
+            <p:cNvCxnSpPr>
+              <a:cxnSpLocks/>
+            </p:cNvCxnSpPr>
+            <p:nvPr/>
+          </p:nvCxnSpPr>
+          <p:spPr>
+            <a:xfrm>
+              <a:off x="1788603" y="4331668"/>
+              <a:ext cx="1153725" cy="0"/>
             </a:xfrm>
             <a:prstGeom prst="straightConnector1">
               <a:avLst/>
@@ -15400,7 +18454,7 @@
 </p:sld>
 </file>
 
-<file path=ppt/slides/slide7.xml><?xml version="1.0" encoding="utf-8"?>
+<file path=ppt/slides/slide8.xml><?xml version="1.0" encoding="utf-8"?>
 <p:sld xmlns:a="http://schemas.openxmlformats.org/drawingml/2006/main" xmlns:r="http://schemas.openxmlformats.org/officeDocument/2006/relationships" xmlns:p="http://schemas.openxmlformats.org/presentationml/2006/main">
   <p:cSld>
     <p:spTree>
@@ -15865,7 +18919,7 @@
 </p:sld>
 </file>
 
-<file path=ppt/slides/slide8.xml><?xml version="1.0" encoding="utf-8"?>
+<file path=ppt/slides/slide9.xml><?xml version="1.0" encoding="utf-8"?>
 <p:sld xmlns:a="http://schemas.openxmlformats.org/drawingml/2006/main" xmlns:r="http://schemas.openxmlformats.org/officeDocument/2006/relationships" xmlns:p="http://schemas.openxmlformats.org/presentationml/2006/main">
   <p:cSld>
     <p:spTree>
@@ -16315,465 +19369,6 @@
     <p:extLst>
       <p:ext uri="{BB962C8B-B14F-4D97-AF65-F5344CB8AC3E}">
         <p14:creationId xmlns:p14="http://schemas.microsoft.com/office/powerpoint/2010/main" val="3118523819"/>
-      </p:ext>
-    </p:extLst>
-  </p:cSld>
-  <p:clrMapOvr>
-    <a:masterClrMapping/>
-  </p:clrMapOvr>
-</p:sld>
-</file>
-
-<file path=ppt/slides/slide9.xml><?xml version="1.0" encoding="utf-8"?>
-<p:sld xmlns:a="http://schemas.openxmlformats.org/drawingml/2006/main" xmlns:r="http://schemas.openxmlformats.org/officeDocument/2006/relationships" xmlns:p="http://schemas.openxmlformats.org/presentationml/2006/main">
-  <p:cSld>
-    <p:spTree>
-      <p:nvGrpSpPr>
-        <p:cNvPr id="1" name=""/>
-        <p:cNvGrpSpPr/>
-        <p:nvPr/>
-      </p:nvGrpSpPr>
-      <p:grpSpPr>
-        <a:xfrm>
-          <a:off x="0" y="0"/>
-          <a:ext cx="0" cy="0"/>
-          <a:chOff x="0" y="0"/>
-          <a:chExt cx="0" cy="0"/>
-        </a:xfrm>
-      </p:grpSpPr>
-      <p:grpSp>
-        <p:nvGrpSpPr>
-          <p:cNvPr id="27" name="Group 26">
-            <a:extLst>
-              <a:ext uri="{FF2B5EF4-FFF2-40B4-BE49-F238E27FC236}">
-                <a16:creationId xmlns:a16="http://schemas.microsoft.com/office/drawing/2014/main" id="{410F544C-F664-259D-FDA4-6C4A6B573734}"/>
-              </a:ext>
-            </a:extLst>
-          </p:cNvPr>
-          <p:cNvGrpSpPr/>
-          <p:nvPr/>
-        </p:nvGrpSpPr>
-        <p:grpSpPr>
-          <a:xfrm>
-            <a:off x="0" y="-723560"/>
-            <a:ext cx="12192000" cy="7978817"/>
-            <a:chOff x="0" y="-723560"/>
-            <a:chExt cx="12192000" cy="7978817"/>
-          </a:xfrm>
-        </p:grpSpPr>
-        <p:sp>
-          <p:nvSpPr>
-            <p:cNvPr id="26" name="Rectangle 25">
-              <a:extLst>
-                <a:ext uri="{FF2B5EF4-FFF2-40B4-BE49-F238E27FC236}">
-                  <a16:creationId xmlns:a16="http://schemas.microsoft.com/office/drawing/2014/main" id="{3B842F47-F260-8614-0A29-350E52330A73}"/>
-                </a:ext>
-              </a:extLst>
-            </p:cNvPr>
-            <p:cNvSpPr/>
-            <p:nvPr/>
-          </p:nvSpPr>
-          <p:spPr>
-            <a:xfrm>
-              <a:off x="0" y="-723560"/>
-              <a:ext cx="12192000" cy="7978816"/>
-            </a:xfrm>
-            <a:prstGeom prst="rect">
-              <a:avLst/>
-            </a:prstGeom>
-            <a:solidFill>
-              <a:schemeClr val="bg1"/>
-            </a:solidFill>
-            <a:ln>
-              <a:solidFill>
-                <a:schemeClr val="bg1"/>
-              </a:solidFill>
-            </a:ln>
-          </p:spPr>
-          <p:style>
-            <a:lnRef idx="2">
-              <a:schemeClr val="accent1">
-                <a:shade val="15000"/>
-              </a:schemeClr>
-            </a:lnRef>
-            <a:fillRef idx="1">
-              <a:schemeClr val="accent1"/>
-            </a:fillRef>
-            <a:effectRef idx="0">
-              <a:schemeClr val="accent1"/>
-            </a:effectRef>
-            <a:fontRef idx="minor">
-              <a:schemeClr val="lt1"/>
-            </a:fontRef>
-          </p:style>
-          <p:txBody>
-            <a:bodyPr rtlCol="0" anchor="ctr"/>
-            <a:lstStyle/>
-            <a:p>
-              <a:pPr algn="ctr"/>
-              <a:endParaRPr lang="en-GB" dirty="0"/>
-            </a:p>
-          </p:txBody>
-        </p:sp>
-        <p:grpSp>
-          <p:nvGrpSpPr>
-            <p:cNvPr id="25" name="Group 24">
-              <a:extLst>
-                <a:ext uri="{FF2B5EF4-FFF2-40B4-BE49-F238E27FC236}">
-                  <a16:creationId xmlns:a16="http://schemas.microsoft.com/office/drawing/2014/main" id="{CD993876-12E8-43BF-2D3D-C02150126C44}"/>
-                </a:ext>
-              </a:extLst>
-            </p:cNvPr>
-            <p:cNvGrpSpPr/>
-            <p:nvPr/>
-          </p:nvGrpSpPr>
-          <p:grpSpPr>
-            <a:xfrm>
-              <a:off x="3098274" y="-723559"/>
-              <a:ext cx="5603766" cy="7978816"/>
-              <a:chOff x="3098274" y="-723559"/>
-              <a:chExt cx="5603766" cy="7978816"/>
-            </a:xfrm>
-          </p:grpSpPr>
-          <p:pic>
-            <p:nvPicPr>
-              <p:cNvPr id="19" name="Picture 18">
-                <a:extLst>
-                  <a:ext uri="{FF2B5EF4-FFF2-40B4-BE49-F238E27FC236}">
-                    <a16:creationId xmlns:a16="http://schemas.microsoft.com/office/drawing/2014/main" id="{0B37D81D-0844-AF92-75E9-3DF554E96C1D}"/>
-                  </a:ext>
-                </a:extLst>
-              </p:cNvPr>
-              <p:cNvPicPr>
-                <a:picLocks noChangeAspect="1"/>
-              </p:cNvPicPr>
-              <p:nvPr/>
-            </p:nvPicPr>
-            <p:blipFill>
-              <a:blip r:embed="rId2"/>
-              <a:stretch>
-                <a:fillRect/>
-              </a:stretch>
-            </p:blipFill>
-            <p:spPr>
-              <a:xfrm>
-                <a:off x="3098274" y="-723559"/>
-                <a:ext cx="5603766" cy="7978816"/>
-              </a:xfrm>
-              <a:prstGeom prst="rect">
-                <a:avLst/>
-              </a:prstGeom>
-            </p:spPr>
-          </p:pic>
-          <p:sp>
-            <p:nvSpPr>
-              <p:cNvPr id="5" name="Oval 4">
-                <a:extLst>
-                  <a:ext uri="{FF2B5EF4-FFF2-40B4-BE49-F238E27FC236}">
-                    <a16:creationId xmlns:a16="http://schemas.microsoft.com/office/drawing/2014/main" id="{84159133-3A9E-C5F4-D791-B69E650BED52}"/>
-                  </a:ext>
-                </a:extLst>
-              </p:cNvPr>
-              <p:cNvSpPr>
-                <a:spLocks noChangeAspect="1"/>
-              </p:cNvSpPr>
-              <p:nvPr/>
-            </p:nvSpPr>
-            <p:spPr>
-              <a:xfrm>
-                <a:off x="6658828" y="312830"/>
-                <a:ext cx="116542" cy="116542"/>
-              </a:xfrm>
-              <a:prstGeom prst="ellipse">
-                <a:avLst/>
-              </a:prstGeom>
-              <a:solidFill>
-                <a:schemeClr val="accent4"/>
-              </a:solidFill>
-              <a:ln>
-                <a:solidFill>
-                  <a:schemeClr val="accent4"/>
-                </a:solidFill>
-              </a:ln>
-            </p:spPr>
-            <p:style>
-              <a:lnRef idx="1">
-                <a:schemeClr val="accent4"/>
-              </a:lnRef>
-              <a:fillRef idx="3">
-                <a:schemeClr val="accent4"/>
-              </a:fillRef>
-              <a:effectRef idx="2">
-                <a:schemeClr val="accent4"/>
-              </a:effectRef>
-              <a:fontRef idx="minor">
-                <a:schemeClr val="lt1"/>
-              </a:fontRef>
-            </p:style>
-            <p:txBody>
-              <a:bodyPr rtlCol="0" anchor="ctr"/>
-              <a:lstStyle/>
-              <a:p>
-                <a:pPr algn="ctr"/>
-                <a:endParaRPr lang="en-GB"/>
-              </a:p>
-            </p:txBody>
-          </p:sp>
-          <p:cxnSp>
-            <p:nvCxnSpPr>
-              <p:cNvPr id="7" name="Straight Arrow Connector 6">
-                <a:extLst>
-                  <a:ext uri="{FF2B5EF4-FFF2-40B4-BE49-F238E27FC236}">
-                    <a16:creationId xmlns:a16="http://schemas.microsoft.com/office/drawing/2014/main" id="{5E3CBBA0-A7B6-DCD8-32DB-6EAE4EF26358}"/>
-                  </a:ext>
-                </a:extLst>
-              </p:cNvPr>
-              <p:cNvCxnSpPr>
-                <a:cxnSpLocks/>
-              </p:cNvCxnSpPr>
-              <p:nvPr/>
-            </p:nvCxnSpPr>
-            <p:spPr>
-              <a:xfrm>
-                <a:off x="5496560" y="-172720"/>
-                <a:ext cx="1162268" cy="485550"/>
-              </a:xfrm>
-              <a:prstGeom prst="straightConnector1">
-                <a:avLst/>
-              </a:prstGeom>
-              <a:ln w="38100">
-                <a:solidFill>
-                  <a:srgbClr val="00B0F0"/>
-                </a:solidFill>
-                <a:tailEnd type="triangle"/>
-              </a:ln>
-            </p:spPr>
-            <p:style>
-              <a:lnRef idx="1">
-                <a:schemeClr val="accent1"/>
-              </a:lnRef>
-              <a:fillRef idx="0">
-                <a:schemeClr val="accent1"/>
-              </a:fillRef>
-              <a:effectRef idx="0">
-                <a:schemeClr val="accent1"/>
-              </a:effectRef>
-              <a:fontRef idx="minor">
-                <a:schemeClr val="tx1"/>
-              </a:fontRef>
-            </p:style>
-          </p:cxnSp>
-          <p:sp>
-            <p:nvSpPr>
-              <p:cNvPr id="8" name="Rectangle: Rounded Corners 7">
-                <a:extLst>
-                  <a:ext uri="{FF2B5EF4-FFF2-40B4-BE49-F238E27FC236}">
-                    <a16:creationId xmlns:a16="http://schemas.microsoft.com/office/drawing/2014/main" id="{EA0DB46D-EB8B-63C1-0A73-6D906C33ECB7}"/>
-                  </a:ext>
-                </a:extLst>
-              </p:cNvPr>
-              <p:cNvSpPr/>
-              <p:nvPr/>
-            </p:nvSpPr>
-            <p:spPr>
-              <a:xfrm>
-                <a:off x="4890549" y="-506592"/>
-                <a:ext cx="1047750" cy="585129"/>
-              </a:xfrm>
-              <a:prstGeom prst="roundRect">
-                <a:avLst/>
-              </a:prstGeom>
-              <a:solidFill>
-                <a:srgbClr val="00B0F0"/>
-              </a:solidFill>
-              <a:ln>
-                <a:solidFill>
-                  <a:srgbClr val="00B0F0"/>
-                </a:solidFill>
-              </a:ln>
-            </p:spPr>
-            <p:style>
-              <a:lnRef idx="2">
-                <a:schemeClr val="accent1">
-                  <a:shade val="15000"/>
-                </a:schemeClr>
-              </a:lnRef>
-              <a:fillRef idx="1">
-                <a:schemeClr val="accent1"/>
-              </a:fillRef>
-              <a:effectRef idx="0">
-                <a:schemeClr val="accent1"/>
-              </a:effectRef>
-              <a:fontRef idx="minor">
-                <a:schemeClr val="lt1"/>
-              </a:fontRef>
-            </p:style>
-            <p:txBody>
-              <a:bodyPr rtlCol="0" anchor="ctr"/>
-              <a:lstStyle/>
-              <a:p>
-                <a:pPr algn="ctr"/>
-                <a:r>
-                  <a:rPr lang="nb-NO" dirty="0"/>
-                  <a:t>Point of rotation</a:t>
-                </a:r>
-                <a:endParaRPr lang="en-GB" dirty="0"/>
-              </a:p>
-            </p:txBody>
-          </p:sp>
-          <p:cxnSp>
-            <p:nvCxnSpPr>
-              <p:cNvPr id="9" name="Straight Arrow Connector 8">
-                <a:extLst>
-                  <a:ext uri="{FF2B5EF4-FFF2-40B4-BE49-F238E27FC236}">
-                    <a16:creationId xmlns:a16="http://schemas.microsoft.com/office/drawing/2014/main" id="{D07DF268-1F13-FA07-C3CD-F042B5BCD24C}"/>
-                  </a:ext>
-                </a:extLst>
-              </p:cNvPr>
-              <p:cNvCxnSpPr>
-                <a:cxnSpLocks/>
-              </p:cNvCxnSpPr>
-              <p:nvPr/>
-            </p:nvCxnSpPr>
-            <p:spPr>
-              <a:xfrm flipV="1">
-                <a:off x="6297890" y="1306049"/>
-                <a:ext cx="171490" cy="703203"/>
-              </a:xfrm>
-              <a:prstGeom prst="straightConnector1">
-                <a:avLst/>
-              </a:prstGeom>
-              <a:ln w="38100">
-                <a:solidFill>
-                  <a:srgbClr val="00B0F0"/>
-                </a:solidFill>
-                <a:tailEnd type="triangle"/>
-              </a:ln>
-            </p:spPr>
-            <p:style>
-              <a:lnRef idx="1">
-                <a:schemeClr val="accent1"/>
-              </a:lnRef>
-              <a:fillRef idx="0">
-                <a:schemeClr val="accent1"/>
-              </a:fillRef>
-              <a:effectRef idx="0">
-                <a:schemeClr val="accent1"/>
-              </a:effectRef>
-              <a:fontRef idx="minor">
-                <a:schemeClr val="tx1"/>
-              </a:fontRef>
-            </p:style>
-          </p:cxnSp>
-          <p:sp>
-            <p:nvSpPr>
-              <p:cNvPr id="10" name="Rectangle: Rounded Corners 9">
-                <a:extLst>
-                  <a:ext uri="{FF2B5EF4-FFF2-40B4-BE49-F238E27FC236}">
-                    <a16:creationId xmlns:a16="http://schemas.microsoft.com/office/drawing/2014/main" id="{05015684-FEDA-C812-831C-0CD7B37AF7CA}"/>
-                  </a:ext>
-                </a:extLst>
-              </p:cNvPr>
-              <p:cNvSpPr/>
-              <p:nvPr/>
-            </p:nvSpPr>
-            <p:spPr>
-              <a:xfrm>
-                <a:off x="5727620" y="1867310"/>
-                <a:ext cx="1047750" cy="585129"/>
-              </a:xfrm>
-              <a:prstGeom prst="roundRect">
-                <a:avLst/>
-              </a:prstGeom>
-              <a:solidFill>
-                <a:srgbClr val="00B0F0"/>
-              </a:solidFill>
-              <a:ln>
-                <a:solidFill>
-                  <a:srgbClr val="00B0F0"/>
-                </a:solidFill>
-              </a:ln>
-            </p:spPr>
-            <p:style>
-              <a:lnRef idx="2">
-                <a:schemeClr val="accent1">
-                  <a:shade val="15000"/>
-                </a:schemeClr>
-              </a:lnRef>
-              <a:fillRef idx="1">
-                <a:schemeClr val="accent1"/>
-              </a:fillRef>
-              <a:effectRef idx="0">
-                <a:schemeClr val="accent1"/>
-              </a:effectRef>
-              <a:fontRef idx="minor">
-                <a:schemeClr val="lt1"/>
-              </a:fontRef>
-            </p:style>
-            <p:txBody>
-              <a:bodyPr rtlCol="0" anchor="ctr"/>
-              <a:lstStyle/>
-              <a:p>
-                <a:pPr algn="ctr"/>
-                <a:r>
-                  <a:rPr lang="nb-NO" dirty="0"/>
-                  <a:t>Line of motion</a:t>
-                </a:r>
-                <a:endParaRPr lang="en-GB" dirty="0"/>
-              </a:p>
-            </p:txBody>
-          </p:sp>
-          <p:cxnSp>
-            <p:nvCxnSpPr>
-              <p:cNvPr id="18" name="Straight Connector 17">
-                <a:extLst>
-                  <a:ext uri="{FF2B5EF4-FFF2-40B4-BE49-F238E27FC236}">
-                    <a16:creationId xmlns:a16="http://schemas.microsoft.com/office/drawing/2014/main" id="{CA129306-58E7-69A0-F26B-D72DCC65E905}"/>
-                  </a:ext>
-                </a:extLst>
-              </p:cNvPr>
-              <p:cNvCxnSpPr>
-                <a:cxnSpLocks/>
-              </p:cNvCxnSpPr>
-              <p:nvPr/>
-            </p:nvCxnSpPr>
-            <p:spPr>
-              <a:xfrm rot="-1920000">
-                <a:off x="6174706" y="1074829"/>
-                <a:ext cx="720000" cy="0"/>
-              </a:xfrm>
-              <a:prstGeom prst="line">
-                <a:avLst/>
-              </a:prstGeom>
-              <a:ln w="38100">
-                <a:solidFill>
-                  <a:schemeClr val="accent4"/>
-                </a:solidFill>
-                <a:headEnd type="triangle"/>
-                <a:tailEnd type="triangle"/>
-              </a:ln>
-            </p:spPr>
-            <p:style>
-              <a:lnRef idx="1">
-                <a:schemeClr val="accent1"/>
-              </a:lnRef>
-              <a:fillRef idx="0">
-                <a:schemeClr val="accent1"/>
-              </a:fillRef>
-              <a:effectRef idx="0">
-                <a:schemeClr val="accent1"/>
-              </a:effectRef>
-              <a:fontRef idx="minor">
-                <a:schemeClr val="tx1"/>
-              </a:fontRef>
-            </p:style>
-          </p:cxnSp>
-        </p:grpSp>
-      </p:grpSp>
-    </p:spTree>
-    <p:extLst>
-      <p:ext uri="{BB962C8B-B14F-4D97-AF65-F5344CB8AC3E}">
-        <p14:creationId xmlns:p14="http://schemas.microsoft.com/office/powerpoint/2010/main" val="3584364384"/>
       </p:ext>
     </p:extLst>
   </p:cSld>
